--- a/ppt/chatty-documents.pptx
+++ b/ppt/chatty-documents.pptx
@@ -17,14 +17,14 @@
     <p:sldId id="300" r:id="rId5"/>
     <p:sldId id="301" r:id="rId6"/>
     <p:sldId id="303" r:id="rId7"/>
-    <p:sldId id="323" r:id="rId8"/>
-    <p:sldId id="324" r:id="rId9"/>
-    <p:sldId id="325" r:id="rId10"/>
-    <p:sldId id="326" r:id="rId11"/>
-    <p:sldId id="298" r:id="rId12"/>
-    <p:sldId id="299" r:id="rId13"/>
-    <p:sldId id="296" r:id="rId14"/>
-    <p:sldId id="329" r:id="rId15"/>
+    <p:sldId id="330" r:id="rId8"/>
+    <p:sldId id="331" r:id="rId9"/>
+    <p:sldId id="298" r:id="rId10"/>
+    <p:sldId id="299" r:id="rId11"/>
+    <p:sldId id="296" r:id="rId12"/>
+    <p:sldId id="329" r:id="rId13"/>
+    <p:sldId id="333" r:id="rId14"/>
+    <p:sldId id="332" r:id="rId15"/>
     <p:sldId id="318" r:id="rId16"/>
     <p:sldId id="328" r:id="rId17"/>
     <p:sldId id="322" r:id="rId18"/>
@@ -137,14 +137,14 @@
             <p14:sldId id="300"/>
             <p14:sldId id="301"/>
             <p14:sldId id="303"/>
-            <p14:sldId id="323"/>
-            <p14:sldId id="324"/>
-            <p14:sldId id="325"/>
-            <p14:sldId id="326"/>
+            <p14:sldId id="330"/>
+            <p14:sldId id="331"/>
             <p14:sldId id="298"/>
             <p14:sldId id="299"/>
             <p14:sldId id="296"/>
             <p14:sldId id="329"/>
+            <p14:sldId id="333"/>
+            <p14:sldId id="332"/>
             <p14:sldId id="318"/>
             <p14:sldId id="328"/>
             <p14:sldId id="322"/>
@@ -266,7 +266,7 @@
           <a:p>
             <a:fld id="{412A36AD-C140-47B5-A0AA-2808AF1C1C9D}" type="datetimeFigureOut">
               <a:rPr lang="en-AU" smtClean="0"/>
-              <a:t>30/10/2023</a:t>
+              <a:t>2/11/2023</a:t>
             </a:fld>
             <a:endParaRPr lang="en-AU"/>
           </a:p>
@@ -431,7 +431,7 @@
           <a:p>
             <a:fld id="{2763829E-EB69-4A98-9D54-8D6822520B27}" type="datetimeFigureOut">
               <a:rPr lang="en-AU" smtClean="0"/>
-              <a:t>30/10/2023</a:t>
+              <a:t>2/11/2023</a:t>
             </a:fld>
             <a:endParaRPr lang="en-AU"/>
           </a:p>
@@ -10640,7 +10640,7 @@
           <p:cNvPr id="2" name="Content Placeholder 1">
             <a:extLst>
               <a:ext uri="{FF2B5EF4-FFF2-40B4-BE49-F238E27FC236}">
-                <a16:creationId xmlns:a16="http://schemas.microsoft.com/office/drawing/2014/main" id="{74DDB33E-DB0A-06D7-B778-D0D01BB6ED7C}"/>
+                <a16:creationId xmlns:a16="http://schemas.microsoft.com/office/drawing/2014/main" id="{27BF64D7-8FF1-F778-4E25-BC990AAA8BEB}"/>
               </a:ext>
             </a:extLst>
           </p:cNvPr>
@@ -10651,95 +10651,176 @@
             <p:ph sz="quarter" idx="11"/>
           </p:nvPr>
         </p:nvSpPr>
-        <p:spPr/>
+        <p:spPr>
+          <a:xfrm>
+            <a:off x="321508" y="2365638"/>
+            <a:ext cx="8502526" cy="4127303"/>
+          </a:xfrm>
+        </p:spPr>
         <p:txBody>
-          <a:bodyPr anchor="ctr">
+          <a:bodyPr>
             <a:normAutofit/>
           </a:bodyPr>
           <a:lstStyle/>
           <a:p>
-            <a:pPr marL="461962" indent="-457200">
-              <a:buSzPct val="80000"/>
-              <a:buFont typeface="System Font Regular"/>
-              <a:buChar char="🧰"/>
-            </a:pPr>
+            <a:pPr marL="457200" indent="-457200"/>
+            <a:r>
+              <a:rPr lang="en-US" dirty="0">
+                <a:solidFill>
+                  <a:schemeClr val="accent6">
+                    <a:lumMod val="50000"/>
+                  </a:schemeClr>
+                </a:solidFill>
+              </a:rPr>
+              <a:t>Platform: </a:t>
+            </a:r>
+            <a:r>
+              <a:rPr lang="en-US" dirty="0">
+                <a:latin typeface="National 2" panose="020B0504030502020203" pitchFamily="34" charset="77"/>
+                <a:hlinkClick r:id="rId2"/>
+              </a:rPr>
+              <a:t>https://jhub.Dartmouth.edu</a:t>
+            </a:r>
+            <a:endParaRPr lang="en-US" dirty="0">
+              <a:latin typeface="National 2" panose="020B0504030502020203" pitchFamily="34" charset="77"/>
+            </a:endParaRPr>
+          </a:p>
+          <a:p>
+            <a:pPr marL="457200" indent="-457200"/>
+            <a:r>
+              <a:rPr lang="en-US" dirty="0">
+                <a:latin typeface="National 2 Medium" panose="020B0504030502020203" pitchFamily="34" charset="77"/>
+              </a:rPr>
+              <a:t>Python</a:t>
+            </a:r>
+            <a:endParaRPr lang="en-US" dirty="0">
+              <a:solidFill>
+                <a:schemeClr val="accent6">
+                  <a:lumMod val="50000"/>
+                </a:schemeClr>
+              </a:solidFill>
+            </a:endParaRPr>
+          </a:p>
+          <a:p>
+            <a:pPr marL="457200" indent="-457200"/>
+            <a:r>
+              <a:rPr lang="en-US" dirty="0" err="1">
+                <a:latin typeface="National 2" panose="020B0504030502020203" pitchFamily="34" charset="77"/>
+                <a:hlinkClick r:id="rId3"/>
+              </a:rPr>
+              <a:t>LangChain</a:t>
+            </a:r>
             <a:r>
               <a:rPr lang="en-US" dirty="0">
                 <a:latin typeface="National 2" panose="020B0504030502020203" pitchFamily="34" charset="77"/>
               </a:rPr>
-              <a:t>An API lets us search, filter, query, and retrieve data using someone else’s code</a:t>
-            </a:r>
-          </a:p>
-          <a:p>
-            <a:pPr marL="461962" indent="-457200">
-              <a:buSzPct val="80000"/>
-              <a:buFont typeface="System Font Regular"/>
-              <a:buChar char="☝️"/>
-            </a:pPr>
-            <a:endParaRPr lang="en-US" dirty="0">
-              <a:latin typeface="National 2" panose="020B0504030502020203" pitchFamily="34" charset="77"/>
-            </a:endParaRPr>
-          </a:p>
-          <a:p>
-            <a:pPr marL="461962" indent="-457200">
-              <a:buSzPct val="80000"/>
-              <a:buFont typeface="System Font Regular"/>
-              <a:buChar char="🌎"/>
-            </a:pPr>
+              <a:t> </a:t>
+            </a:r>
+          </a:p>
+          <a:p>
+            <a:pPr marL="457200" indent="-457200"/>
+            <a:r>
+              <a:rPr lang="en-US" dirty="0" err="1">
+                <a:solidFill>
+                  <a:schemeClr val="accent6">
+                    <a:lumMod val="50000"/>
+                  </a:schemeClr>
+                </a:solidFill>
+                <a:hlinkClick r:id="rId4"/>
+              </a:rPr>
+              <a:t>OpenAI</a:t>
+            </a:r>
+            <a:r>
+              <a:rPr lang="en-US" dirty="0" err="1">
+                <a:solidFill>
+                  <a:schemeClr val="accent6">
+                    <a:lumMod val="50000"/>
+                  </a:schemeClr>
+                </a:solidFill>
+              </a:rPr>
+              <a:t>’s</a:t>
+            </a:r>
             <a:r>
               <a:rPr lang="en-US" dirty="0">
                 <a:latin typeface="National 2" panose="020B0504030502020203" pitchFamily="34" charset="77"/>
               </a:rPr>
-              <a:t>Such an API is usually used via the internet (a </a:t>
-            </a:r>
-            <a:r>
-              <a:rPr lang="en-US" i="1" dirty="0">
+              <a:t> GPT 3.5</a:t>
+            </a:r>
+          </a:p>
+          <a:p>
+            <a:pPr marL="457200" indent="-457200"/>
+            <a:r>
+              <a:rPr lang="en-US" dirty="0">
+                <a:solidFill>
+                  <a:schemeClr val="accent6">
+                    <a:lumMod val="50000"/>
+                  </a:schemeClr>
+                </a:solidFill>
+                <a:hlinkClick r:id="rId5"/>
+              </a:rPr>
+              <a:t>Nomic’s GPT4All</a:t>
+            </a:r>
+            <a:r>
+              <a:rPr lang="en-US" dirty="0">
                 <a:latin typeface="National 2" panose="020B0504030502020203" pitchFamily="34" charset="77"/>
+                <a:hlinkClick r:id="rId5"/>
               </a:rPr>
-              <a:t>Web API</a:t>
+              <a:t> </a:t>
             </a:r>
             <a:r>
               <a:rPr lang="en-US" dirty="0">
                 <a:latin typeface="National 2" panose="020B0504030502020203" pitchFamily="34" charset="77"/>
               </a:rPr>
-              <a:t>):</a:t>
-            </a:r>
-          </a:p>
-          <a:p>
-            <a:pPr marL="919162" lvl="1" indent="-457200">
-              <a:buSzPct val="80000"/>
-              <a:buFont typeface="System Font Regular"/>
-              <a:buChar char="🛒"/>
-            </a:pPr>
+              <a:t>Falcon Q4_0</a:t>
+            </a:r>
+            <a:endParaRPr lang="en-US" dirty="0">
+              <a:solidFill>
+                <a:schemeClr val="accent6">
+                  <a:lumMod val="50000"/>
+                </a:schemeClr>
+              </a:solidFill>
+            </a:endParaRPr>
+          </a:p>
+          <a:p>
+            <a:pPr marL="457200" indent="-457200"/>
             <a:r>
               <a:rPr lang="en-US" dirty="0">
-                <a:latin typeface="National 2" panose="020B0504030502020203" pitchFamily="34" charset="77"/>
+                <a:solidFill>
+                  <a:schemeClr val="accent6">
+                    <a:lumMod val="50000"/>
+                  </a:schemeClr>
+                </a:solidFill>
               </a:rPr>
-              <a:t>Only download the data you actually want</a:t>
-            </a:r>
-          </a:p>
-          <a:p>
-            <a:pPr marL="919162" lvl="1" indent="-457200">
-              <a:buSzPct val="80000"/>
-              <a:buFont typeface="System Font Regular"/>
-              <a:buChar char="🗓️"/>
-            </a:pPr>
+              <a:t>Materials: </a:t>
+            </a:r>
             <a:r>
               <a:rPr lang="en-US" dirty="0">
-                <a:latin typeface="National 2" panose="020B0504030502020203" pitchFamily="34" charset="77"/>
+                <a:latin typeface="National 2 Medium" panose="020B0504030502020203" pitchFamily="34" charset="77"/>
+                <a:hlinkClick r:id="rId6"/>
               </a:rPr>
-              <a:t>Data is always current</a:t>
-            </a:r>
-          </a:p>
-          <a:p>
-            <a:pPr marL="461962" indent="-457200">
-              <a:buSzPct val="80000"/>
-              <a:buFont typeface="System Font Regular"/>
-              <a:buChar char="☝️"/>
-            </a:pPr>
+              <a:t>www.dartgo.org/</a:t>
+            </a:r>
+            <a:r>
+              <a:rPr lang="en-US" dirty="0" err="1">
+                <a:latin typeface="National 2 Medium" panose="020B0504030502020203" pitchFamily="34" charset="77"/>
+                <a:hlinkClick r:id="rId6"/>
+              </a:rPr>
+              <a:t>rr</a:t>
+            </a:r>
+            <a:r>
+              <a:rPr lang="en-US" dirty="0">
+                <a:latin typeface="National 2 Medium" panose="020B0504030502020203" pitchFamily="34" charset="77"/>
+                <a:hlinkClick r:id="rId6"/>
+              </a:rPr>
+              <a:t>-chatty-documents</a:t>
+            </a:r>
             <a:endParaRPr lang="en-US" dirty="0">
-              <a:latin typeface="National 2" panose="020B0504030502020203" pitchFamily="34" charset="77"/>
+              <a:latin typeface="National 2 Medium" panose="020B0504030502020203" pitchFamily="34" charset="77"/>
             </a:endParaRPr>
+          </a:p>
+          <a:p>
+            <a:pPr marL="457200" indent="-457200"/>
+            <a:endParaRPr lang="en-US" dirty="0"/>
           </a:p>
         </p:txBody>
       </p:sp>
@@ -10748,7 +10829,7 @@
           <p:cNvPr id="3" name="Title 2">
             <a:extLst>
               <a:ext uri="{FF2B5EF4-FFF2-40B4-BE49-F238E27FC236}">
-                <a16:creationId xmlns:a16="http://schemas.microsoft.com/office/drawing/2014/main" id="{D6C3D70B-F697-CE72-CC1A-0129AD1DD7A9}"/>
+                <a16:creationId xmlns:a16="http://schemas.microsoft.com/office/drawing/2014/main" id="{E1596C84-A306-B189-CDA1-74458B43CBD8}"/>
               </a:ext>
             </a:extLst>
           </p:cNvPr>
@@ -10766,7 +10847,7 @@
           <a:p>
             <a:r>
               <a:rPr lang="en-US" dirty="0"/>
-              <a:t>Why use an API over the web?</a:t>
+              <a:t>What we will work with in this workshop</a:t>
             </a:r>
           </a:p>
         </p:txBody>
@@ -10776,7 +10857,7 @@
           <p:cNvPr id="4" name="Footer Placeholder 3">
             <a:extLst>
               <a:ext uri="{FF2B5EF4-FFF2-40B4-BE49-F238E27FC236}">
-                <a16:creationId xmlns:a16="http://schemas.microsoft.com/office/drawing/2014/main" id="{8AD73267-12C3-5AF1-40CD-D6E195026C3C}"/>
+                <a16:creationId xmlns:a16="http://schemas.microsoft.com/office/drawing/2014/main" id="{8AB0CDEB-4997-14D9-3B11-92B6181671E9}"/>
               </a:ext>
             </a:extLst>
           </p:cNvPr>
@@ -10805,7 +10886,7 @@
           <p:cNvPr id="5" name="Slide Number Placeholder 4">
             <a:extLst>
               <a:ext uri="{FF2B5EF4-FFF2-40B4-BE49-F238E27FC236}">
-                <a16:creationId xmlns:a16="http://schemas.microsoft.com/office/drawing/2014/main" id="{26CD214A-B78A-621F-824E-1B58D4E120FC}"/>
+                <a16:creationId xmlns:a16="http://schemas.microsoft.com/office/drawing/2014/main" id="{FD2F5860-3C05-603D-96AF-B25858484956}"/>
               </a:ext>
             </a:extLst>
           </p:cNvPr>
@@ -10830,10 +10911,174 @@
           </a:p>
         </p:txBody>
       </p:sp>
+      <p:pic>
+        <p:nvPicPr>
+          <p:cNvPr id="10" name="Picture 9">
+            <a:extLst>
+              <a:ext uri="{FF2B5EF4-FFF2-40B4-BE49-F238E27FC236}">
+                <a16:creationId xmlns:a16="http://schemas.microsoft.com/office/drawing/2014/main" id="{24BECAAE-AACA-A31F-8366-040E3F54D9CC}"/>
+              </a:ext>
+            </a:extLst>
+          </p:cNvPr>
+          <p:cNvPicPr>
+            <a:picLocks noChangeAspect="1"/>
+          </p:cNvPicPr>
+          <p:nvPr/>
+        </p:nvPicPr>
+        <p:blipFill>
+          <a:blip r:embed="rId7"/>
+          <a:stretch>
+            <a:fillRect/>
+          </a:stretch>
+        </p:blipFill>
+        <p:spPr>
+          <a:xfrm>
+            <a:off x="9085721" y="2574569"/>
+            <a:ext cx="2517652" cy="747428"/>
+          </a:xfrm>
+          <a:prstGeom prst="rect">
+            <a:avLst/>
+          </a:prstGeom>
+        </p:spPr>
+      </p:pic>
+      <p:pic>
+        <p:nvPicPr>
+          <p:cNvPr id="8" name="Graphic 7">
+            <a:extLst>
+              <a:ext uri="{FF2B5EF4-FFF2-40B4-BE49-F238E27FC236}">
+                <a16:creationId xmlns:a16="http://schemas.microsoft.com/office/drawing/2014/main" id="{4C4B5B2F-82EB-95C1-5064-68EE6840BFFF}"/>
+              </a:ext>
+            </a:extLst>
+          </p:cNvPr>
+          <p:cNvPicPr>
+            <a:picLocks noChangeAspect="1"/>
+          </p:cNvPicPr>
+          <p:nvPr/>
+        </p:nvPicPr>
+        <p:blipFill>
+          <a:blip r:embed="rId8">
+            <a:extLst>
+              <a:ext uri="{96DAC541-7B7A-43D3-8B79-37D633B846F1}">
+                <asvg:svgBlip xmlns:asvg="http://schemas.microsoft.com/office/drawing/2016/SVG/main" r:embed="rId9"/>
+              </a:ext>
+            </a:extLst>
+          </a:blip>
+          <a:stretch>
+            <a:fillRect/>
+          </a:stretch>
+        </p:blipFill>
+        <p:spPr>
+          <a:xfrm>
+            <a:off x="7262137" y="2113064"/>
+            <a:ext cx="1561897" cy="1798548"/>
+          </a:xfrm>
+          <a:prstGeom prst="rect">
+            <a:avLst/>
+          </a:prstGeom>
+        </p:spPr>
+      </p:pic>
+      <p:sp>
+        <p:nvSpPr>
+          <p:cNvPr id="7" name="TextBox 6">
+            <a:extLst>
+              <a:ext uri="{FF2B5EF4-FFF2-40B4-BE49-F238E27FC236}">
+                <a16:creationId xmlns:a16="http://schemas.microsoft.com/office/drawing/2014/main" id="{174A1E0E-DEDA-FE75-0C2B-939BEE3463F1}"/>
+              </a:ext>
+            </a:extLst>
+          </p:cNvPr>
+          <p:cNvSpPr txBox="1"/>
+          <p:nvPr/>
+        </p:nvSpPr>
+        <p:spPr>
+          <a:xfrm>
+            <a:off x="7738083" y="4121199"/>
+            <a:ext cx="2110375" cy="1107996"/>
+          </a:xfrm>
+          <a:prstGeom prst="rect">
+            <a:avLst/>
+          </a:prstGeom>
+          <a:noFill/>
+        </p:spPr>
+        <p:txBody>
+          <a:bodyPr wrap="square">
+            <a:spAutoFit/>
+          </a:bodyPr>
+          <a:lstStyle/>
+          <a:p>
+            <a:pPr marL="457200" indent="-457200"/>
+            <a:r>
+              <a:rPr lang="en-US" sz="6600" dirty="0">
+                <a:latin typeface="National 2" panose="020B0504030502020203" pitchFamily="34" charset="77"/>
+              </a:rPr>
+              <a:t>🦜🔗</a:t>
+            </a:r>
+          </a:p>
+        </p:txBody>
+      </p:sp>
+      <p:pic>
+        <p:nvPicPr>
+          <p:cNvPr id="11" name="Picture 10" descr="A black background with a black square&#10;&#10;Description automatically generated with medium confidence">
+            <a:extLst>
+              <a:ext uri="{FF2B5EF4-FFF2-40B4-BE49-F238E27FC236}">
+                <a16:creationId xmlns:a16="http://schemas.microsoft.com/office/drawing/2014/main" id="{22C0F057-FA92-6FF6-B4CB-B042C17E1574}"/>
+              </a:ext>
+            </a:extLst>
+          </p:cNvPr>
+          <p:cNvPicPr>
+            <a:picLocks noChangeAspect="1"/>
+          </p:cNvPicPr>
+          <p:nvPr/>
+        </p:nvPicPr>
+        <p:blipFill>
+          <a:blip r:embed="rId10"/>
+          <a:stretch>
+            <a:fillRect/>
+          </a:stretch>
+        </p:blipFill>
+        <p:spPr>
+          <a:xfrm>
+            <a:off x="10134600" y="3875291"/>
+            <a:ext cx="1107996" cy="1107996"/>
+          </a:xfrm>
+          <a:prstGeom prst="rect">
+            <a:avLst/>
+          </a:prstGeom>
+        </p:spPr>
+      </p:pic>
+      <p:pic>
+        <p:nvPicPr>
+          <p:cNvPr id="12" name="Picture 11">
+            <a:extLst>
+              <a:ext uri="{FF2B5EF4-FFF2-40B4-BE49-F238E27FC236}">
+                <a16:creationId xmlns:a16="http://schemas.microsoft.com/office/drawing/2014/main" id="{8F0ED7CC-B932-9387-1240-17983CF28193}"/>
+              </a:ext>
+            </a:extLst>
+          </p:cNvPr>
+          <p:cNvPicPr>
+            <a:picLocks noChangeAspect="1"/>
+          </p:cNvPicPr>
+          <p:nvPr/>
+        </p:nvPicPr>
+        <p:blipFill>
+          <a:blip r:embed="rId11"/>
+          <a:stretch>
+            <a:fillRect/>
+          </a:stretch>
+        </p:blipFill>
+        <p:spPr>
+          <a:xfrm>
+            <a:off x="10134600" y="5334000"/>
+            <a:ext cx="812800" cy="812800"/>
+          </a:xfrm>
+          <a:prstGeom prst="rect">
+            <a:avLst/>
+          </a:prstGeom>
+        </p:spPr>
+      </p:pic>
     </p:spTree>
     <p:extLst>
       <p:ext uri="{BB962C8B-B14F-4D97-AF65-F5344CB8AC3E}">
-        <p14:creationId xmlns:p14="http://schemas.microsoft.com/office/powerpoint/2010/main" val="1550838777"/>
+        <p14:creationId xmlns:p14="http://schemas.microsoft.com/office/powerpoint/2010/main" val="2796429274"/>
       </p:ext>
     </p:extLst>
   </p:cSld>
@@ -10841,7 +11086,7 @@
     <a:masterClrMapping/>
   </p:clrMapOvr>
   <p:transition spd="slow">
-    <p:push/>
+    <p:push dir="u"/>
   </p:transition>
   <p:timing>
     <p:tnLst>
@@ -10864,7 +11109,949 @@
                             </p:stCondLst>
                             <p:childTnLst>
                               <p:par>
-                                <p:cTn id="5" presetID="10" presetClass="entr" presetSubtype="0" fill="hold" nodeType="clickEffect">
+                                <p:cTn id="5" presetID="10" presetClass="entr" presetSubtype="0" fill="hold" grpId="0" nodeType="clickEffect">
+                                  <p:stCondLst>
+                                    <p:cond delay="0"/>
+                                  </p:stCondLst>
+                                  <p:childTnLst>
+                                    <p:set>
+                                      <p:cBhvr>
+                                        <p:cTn id="6" dur="1" fill="hold">
+                                          <p:stCondLst>
+                                            <p:cond delay="0"/>
+                                          </p:stCondLst>
+                                        </p:cTn>
+                                        <p:tgtEl>
+                                          <p:spTgt spid="2">
+                                            <p:txEl>
+                                              <p:pRg st="0" end="0"/>
+                                            </p:txEl>
+                                          </p:spTgt>
+                                        </p:tgtEl>
+                                        <p:attrNameLst>
+                                          <p:attrName>style.visibility</p:attrName>
+                                        </p:attrNameLst>
+                                      </p:cBhvr>
+                                      <p:to>
+                                        <p:strVal val="visible"/>
+                                      </p:to>
+                                    </p:set>
+                                    <p:animEffect transition="in" filter="fade">
+                                      <p:cBhvr>
+                                        <p:cTn id="7" dur="500"/>
+                                        <p:tgtEl>
+                                          <p:spTgt spid="2">
+                                            <p:txEl>
+                                              <p:pRg st="0" end="0"/>
+                                            </p:txEl>
+                                          </p:spTgt>
+                                        </p:tgtEl>
+                                      </p:cBhvr>
+                                    </p:animEffect>
+                                  </p:childTnLst>
+                                </p:cTn>
+                              </p:par>
+                              <p:par>
+                                <p:cTn id="8" presetID="10" presetClass="entr" presetSubtype="0" fill="hold" nodeType="withEffect">
+                                  <p:stCondLst>
+                                    <p:cond delay="0"/>
+                                  </p:stCondLst>
+                                  <p:childTnLst>
+                                    <p:set>
+                                      <p:cBhvr>
+                                        <p:cTn id="9" dur="1" fill="hold">
+                                          <p:stCondLst>
+                                            <p:cond delay="0"/>
+                                          </p:stCondLst>
+                                        </p:cTn>
+                                        <p:tgtEl>
+                                          <p:spTgt spid="8"/>
+                                        </p:tgtEl>
+                                        <p:attrNameLst>
+                                          <p:attrName>style.visibility</p:attrName>
+                                        </p:attrNameLst>
+                                      </p:cBhvr>
+                                      <p:to>
+                                        <p:strVal val="visible"/>
+                                      </p:to>
+                                    </p:set>
+                                    <p:animEffect transition="in" filter="fade">
+                                      <p:cBhvr>
+                                        <p:cTn id="10" dur="500"/>
+                                        <p:tgtEl>
+                                          <p:spTgt spid="8"/>
+                                        </p:tgtEl>
+                                      </p:cBhvr>
+                                    </p:animEffect>
+                                  </p:childTnLst>
+                                </p:cTn>
+                              </p:par>
+                            </p:childTnLst>
+                          </p:cTn>
+                        </p:par>
+                      </p:childTnLst>
+                    </p:cTn>
+                  </p:par>
+                  <p:par>
+                    <p:cTn id="11" fill="hold">
+                      <p:stCondLst>
+                        <p:cond delay="indefinite"/>
+                      </p:stCondLst>
+                      <p:childTnLst>
+                        <p:par>
+                          <p:cTn id="12" fill="hold">
+                            <p:stCondLst>
+                              <p:cond delay="0"/>
+                            </p:stCondLst>
+                            <p:childTnLst>
+                              <p:par>
+                                <p:cTn id="13" presetID="10" presetClass="entr" presetSubtype="0" fill="hold" grpId="0" nodeType="clickEffect">
+                                  <p:stCondLst>
+                                    <p:cond delay="0"/>
+                                  </p:stCondLst>
+                                  <p:childTnLst>
+                                    <p:set>
+                                      <p:cBhvr>
+                                        <p:cTn id="14" dur="1" fill="hold">
+                                          <p:stCondLst>
+                                            <p:cond delay="0"/>
+                                          </p:stCondLst>
+                                        </p:cTn>
+                                        <p:tgtEl>
+                                          <p:spTgt spid="2">
+                                            <p:txEl>
+                                              <p:pRg st="1" end="1"/>
+                                            </p:txEl>
+                                          </p:spTgt>
+                                        </p:tgtEl>
+                                        <p:attrNameLst>
+                                          <p:attrName>style.visibility</p:attrName>
+                                        </p:attrNameLst>
+                                      </p:cBhvr>
+                                      <p:to>
+                                        <p:strVal val="visible"/>
+                                      </p:to>
+                                    </p:set>
+                                    <p:animEffect transition="in" filter="fade">
+                                      <p:cBhvr>
+                                        <p:cTn id="15" dur="500"/>
+                                        <p:tgtEl>
+                                          <p:spTgt spid="2">
+                                            <p:txEl>
+                                              <p:pRg st="1" end="1"/>
+                                            </p:txEl>
+                                          </p:spTgt>
+                                        </p:tgtEl>
+                                      </p:cBhvr>
+                                    </p:animEffect>
+                                  </p:childTnLst>
+                                </p:cTn>
+                              </p:par>
+                              <p:par>
+                                <p:cTn id="16" presetID="10" presetClass="entr" presetSubtype="0" fill="hold" nodeType="withEffect">
+                                  <p:stCondLst>
+                                    <p:cond delay="0"/>
+                                  </p:stCondLst>
+                                  <p:childTnLst>
+                                    <p:set>
+                                      <p:cBhvr>
+                                        <p:cTn id="17" dur="1" fill="hold">
+                                          <p:stCondLst>
+                                            <p:cond delay="0"/>
+                                          </p:stCondLst>
+                                        </p:cTn>
+                                        <p:tgtEl>
+                                          <p:spTgt spid="10"/>
+                                        </p:tgtEl>
+                                        <p:attrNameLst>
+                                          <p:attrName>style.visibility</p:attrName>
+                                        </p:attrNameLst>
+                                      </p:cBhvr>
+                                      <p:to>
+                                        <p:strVal val="visible"/>
+                                      </p:to>
+                                    </p:set>
+                                    <p:animEffect transition="in" filter="fade">
+                                      <p:cBhvr>
+                                        <p:cTn id="18" dur="500"/>
+                                        <p:tgtEl>
+                                          <p:spTgt spid="10"/>
+                                        </p:tgtEl>
+                                      </p:cBhvr>
+                                    </p:animEffect>
+                                  </p:childTnLst>
+                                </p:cTn>
+                              </p:par>
+                            </p:childTnLst>
+                          </p:cTn>
+                        </p:par>
+                      </p:childTnLst>
+                    </p:cTn>
+                  </p:par>
+                  <p:par>
+                    <p:cTn id="19" fill="hold">
+                      <p:stCondLst>
+                        <p:cond delay="indefinite"/>
+                      </p:stCondLst>
+                      <p:childTnLst>
+                        <p:par>
+                          <p:cTn id="20" fill="hold">
+                            <p:stCondLst>
+                              <p:cond delay="0"/>
+                            </p:stCondLst>
+                            <p:childTnLst>
+                              <p:par>
+                                <p:cTn id="21" presetID="10" presetClass="entr" presetSubtype="0" fill="hold" grpId="0" nodeType="clickEffect">
+                                  <p:stCondLst>
+                                    <p:cond delay="0"/>
+                                  </p:stCondLst>
+                                  <p:childTnLst>
+                                    <p:set>
+                                      <p:cBhvr>
+                                        <p:cTn id="22" dur="1" fill="hold">
+                                          <p:stCondLst>
+                                            <p:cond delay="0"/>
+                                          </p:stCondLst>
+                                        </p:cTn>
+                                        <p:tgtEl>
+                                          <p:spTgt spid="2">
+                                            <p:txEl>
+                                              <p:pRg st="2" end="2"/>
+                                            </p:txEl>
+                                          </p:spTgt>
+                                        </p:tgtEl>
+                                        <p:attrNameLst>
+                                          <p:attrName>style.visibility</p:attrName>
+                                        </p:attrNameLst>
+                                      </p:cBhvr>
+                                      <p:to>
+                                        <p:strVal val="visible"/>
+                                      </p:to>
+                                    </p:set>
+                                    <p:animEffect transition="in" filter="fade">
+                                      <p:cBhvr>
+                                        <p:cTn id="23" dur="500"/>
+                                        <p:tgtEl>
+                                          <p:spTgt spid="2">
+                                            <p:txEl>
+                                              <p:pRg st="2" end="2"/>
+                                            </p:txEl>
+                                          </p:spTgt>
+                                        </p:tgtEl>
+                                      </p:cBhvr>
+                                    </p:animEffect>
+                                  </p:childTnLst>
+                                </p:cTn>
+                              </p:par>
+                              <p:par>
+                                <p:cTn id="24" presetID="10" presetClass="entr" presetSubtype="0" fill="hold" grpId="0" nodeType="withEffect">
+                                  <p:stCondLst>
+                                    <p:cond delay="0"/>
+                                  </p:stCondLst>
+                                  <p:childTnLst>
+                                    <p:set>
+                                      <p:cBhvr>
+                                        <p:cTn id="25" dur="1" fill="hold">
+                                          <p:stCondLst>
+                                            <p:cond delay="0"/>
+                                          </p:stCondLst>
+                                        </p:cTn>
+                                        <p:tgtEl>
+                                          <p:spTgt spid="7"/>
+                                        </p:tgtEl>
+                                        <p:attrNameLst>
+                                          <p:attrName>style.visibility</p:attrName>
+                                        </p:attrNameLst>
+                                      </p:cBhvr>
+                                      <p:to>
+                                        <p:strVal val="visible"/>
+                                      </p:to>
+                                    </p:set>
+                                    <p:animEffect transition="in" filter="fade">
+                                      <p:cBhvr>
+                                        <p:cTn id="26" dur="500"/>
+                                        <p:tgtEl>
+                                          <p:spTgt spid="7"/>
+                                        </p:tgtEl>
+                                      </p:cBhvr>
+                                    </p:animEffect>
+                                  </p:childTnLst>
+                                </p:cTn>
+                              </p:par>
+                            </p:childTnLst>
+                          </p:cTn>
+                        </p:par>
+                      </p:childTnLst>
+                    </p:cTn>
+                  </p:par>
+                  <p:par>
+                    <p:cTn id="27" fill="hold">
+                      <p:stCondLst>
+                        <p:cond delay="indefinite"/>
+                      </p:stCondLst>
+                      <p:childTnLst>
+                        <p:par>
+                          <p:cTn id="28" fill="hold">
+                            <p:stCondLst>
+                              <p:cond delay="0"/>
+                            </p:stCondLst>
+                            <p:childTnLst>
+                              <p:par>
+                                <p:cTn id="29" presetID="10" presetClass="entr" presetSubtype="0" fill="hold" grpId="0" nodeType="clickEffect">
+                                  <p:stCondLst>
+                                    <p:cond delay="0"/>
+                                  </p:stCondLst>
+                                  <p:childTnLst>
+                                    <p:set>
+                                      <p:cBhvr>
+                                        <p:cTn id="30" dur="1" fill="hold">
+                                          <p:stCondLst>
+                                            <p:cond delay="0"/>
+                                          </p:stCondLst>
+                                        </p:cTn>
+                                        <p:tgtEl>
+                                          <p:spTgt spid="2">
+                                            <p:txEl>
+                                              <p:pRg st="3" end="3"/>
+                                            </p:txEl>
+                                          </p:spTgt>
+                                        </p:tgtEl>
+                                        <p:attrNameLst>
+                                          <p:attrName>style.visibility</p:attrName>
+                                        </p:attrNameLst>
+                                      </p:cBhvr>
+                                      <p:to>
+                                        <p:strVal val="visible"/>
+                                      </p:to>
+                                    </p:set>
+                                    <p:animEffect transition="in" filter="fade">
+                                      <p:cBhvr>
+                                        <p:cTn id="31" dur="500"/>
+                                        <p:tgtEl>
+                                          <p:spTgt spid="2">
+                                            <p:txEl>
+                                              <p:pRg st="3" end="3"/>
+                                            </p:txEl>
+                                          </p:spTgt>
+                                        </p:tgtEl>
+                                      </p:cBhvr>
+                                    </p:animEffect>
+                                  </p:childTnLst>
+                                </p:cTn>
+                              </p:par>
+                              <p:par>
+                                <p:cTn id="32" presetID="10" presetClass="entr" presetSubtype="0" fill="hold" nodeType="withEffect">
+                                  <p:stCondLst>
+                                    <p:cond delay="0"/>
+                                  </p:stCondLst>
+                                  <p:childTnLst>
+                                    <p:set>
+                                      <p:cBhvr>
+                                        <p:cTn id="33" dur="1" fill="hold">
+                                          <p:stCondLst>
+                                            <p:cond delay="0"/>
+                                          </p:stCondLst>
+                                        </p:cTn>
+                                        <p:tgtEl>
+                                          <p:spTgt spid="11"/>
+                                        </p:tgtEl>
+                                        <p:attrNameLst>
+                                          <p:attrName>style.visibility</p:attrName>
+                                        </p:attrNameLst>
+                                      </p:cBhvr>
+                                      <p:to>
+                                        <p:strVal val="visible"/>
+                                      </p:to>
+                                    </p:set>
+                                    <p:animEffect transition="in" filter="fade">
+                                      <p:cBhvr>
+                                        <p:cTn id="34" dur="500"/>
+                                        <p:tgtEl>
+                                          <p:spTgt spid="11"/>
+                                        </p:tgtEl>
+                                      </p:cBhvr>
+                                    </p:animEffect>
+                                  </p:childTnLst>
+                                </p:cTn>
+                              </p:par>
+                            </p:childTnLst>
+                          </p:cTn>
+                        </p:par>
+                      </p:childTnLst>
+                    </p:cTn>
+                  </p:par>
+                  <p:par>
+                    <p:cTn id="35" fill="hold">
+                      <p:stCondLst>
+                        <p:cond delay="indefinite"/>
+                      </p:stCondLst>
+                      <p:childTnLst>
+                        <p:par>
+                          <p:cTn id="36" fill="hold">
+                            <p:stCondLst>
+                              <p:cond delay="0"/>
+                            </p:stCondLst>
+                            <p:childTnLst>
+                              <p:par>
+                                <p:cTn id="37" presetID="10" presetClass="entr" presetSubtype="0" fill="hold" grpId="0" nodeType="clickEffect">
+                                  <p:stCondLst>
+                                    <p:cond delay="0"/>
+                                  </p:stCondLst>
+                                  <p:childTnLst>
+                                    <p:set>
+                                      <p:cBhvr>
+                                        <p:cTn id="38" dur="1" fill="hold">
+                                          <p:stCondLst>
+                                            <p:cond delay="0"/>
+                                          </p:stCondLst>
+                                        </p:cTn>
+                                        <p:tgtEl>
+                                          <p:spTgt spid="2">
+                                            <p:txEl>
+                                              <p:pRg st="4" end="4"/>
+                                            </p:txEl>
+                                          </p:spTgt>
+                                        </p:tgtEl>
+                                        <p:attrNameLst>
+                                          <p:attrName>style.visibility</p:attrName>
+                                        </p:attrNameLst>
+                                      </p:cBhvr>
+                                      <p:to>
+                                        <p:strVal val="visible"/>
+                                      </p:to>
+                                    </p:set>
+                                    <p:animEffect transition="in" filter="fade">
+                                      <p:cBhvr>
+                                        <p:cTn id="39" dur="500"/>
+                                        <p:tgtEl>
+                                          <p:spTgt spid="2">
+                                            <p:txEl>
+                                              <p:pRg st="4" end="4"/>
+                                            </p:txEl>
+                                          </p:spTgt>
+                                        </p:tgtEl>
+                                      </p:cBhvr>
+                                    </p:animEffect>
+                                  </p:childTnLst>
+                                </p:cTn>
+                              </p:par>
+                              <p:par>
+                                <p:cTn id="40" presetID="10" presetClass="entr" presetSubtype="0" fill="hold" nodeType="withEffect">
+                                  <p:stCondLst>
+                                    <p:cond delay="0"/>
+                                  </p:stCondLst>
+                                  <p:childTnLst>
+                                    <p:set>
+                                      <p:cBhvr>
+                                        <p:cTn id="41" dur="1" fill="hold">
+                                          <p:stCondLst>
+                                            <p:cond delay="0"/>
+                                          </p:stCondLst>
+                                        </p:cTn>
+                                        <p:tgtEl>
+                                          <p:spTgt spid="12"/>
+                                        </p:tgtEl>
+                                        <p:attrNameLst>
+                                          <p:attrName>style.visibility</p:attrName>
+                                        </p:attrNameLst>
+                                      </p:cBhvr>
+                                      <p:to>
+                                        <p:strVal val="visible"/>
+                                      </p:to>
+                                    </p:set>
+                                    <p:animEffect transition="in" filter="fade">
+                                      <p:cBhvr>
+                                        <p:cTn id="42" dur="500"/>
+                                        <p:tgtEl>
+                                          <p:spTgt spid="12"/>
+                                        </p:tgtEl>
+                                      </p:cBhvr>
+                                    </p:animEffect>
+                                  </p:childTnLst>
+                                </p:cTn>
+                              </p:par>
+                            </p:childTnLst>
+                          </p:cTn>
+                        </p:par>
+                      </p:childTnLst>
+                    </p:cTn>
+                  </p:par>
+                  <p:par>
+                    <p:cTn id="43" fill="hold">
+                      <p:stCondLst>
+                        <p:cond delay="indefinite"/>
+                      </p:stCondLst>
+                      <p:childTnLst>
+                        <p:par>
+                          <p:cTn id="44" fill="hold">
+                            <p:stCondLst>
+                              <p:cond delay="0"/>
+                            </p:stCondLst>
+                            <p:childTnLst>
+                              <p:par>
+                                <p:cTn id="45" presetID="10" presetClass="entr" presetSubtype="0" fill="hold" grpId="0" nodeType="clickEffect">
+                                  <p:stCondLst>
+                                    <p:cond delay="0"/>
+                                  </p:stCondLst>
+                                  <p:childTnLst>
+                                    <p:set>
+                                      <p:cBhvr>
+                                        <p:cTn id="46" dur="1" fill="hold">
+                                          <p:stCondLst>
+                                            <p:cond delay="0"/>
+                                          </p:stCondLst>
+                                        </p:cTn>
+                                        <p:tgtEl>
+                                          <p:spTgt spid="2">
+                                            <p:txEl>
+                                              <p:pRg st="5" end="5"/>
+                                            </p:txEl>
+                                          </p:spTgt>
+                                        </p:tgtEl>
+                                        <p:attrNameLst>
+                                          <p:attrName>style.visibility</p:attrName>
+                                        </p:attrNameLst>
+                                      </p:cBhvr>
+                                      <p:to>
+                                        <p:strVal val="visible"/>
+                                      </p:to>
+                                    </p:set>
+                                    <p:animEffect transition="in" filter="fade">
+                                      <p:cBhvr>
+                                        <p:cTn id="47" dur="500"/>
+                                        <p:tgtEl>
+                                          <p:spTgt spid="2">
+                                            <p:txEl>
+                                              <p:pRg st="5" end="5"/>
+                                            </p:txEl>
+                                          </p:spTgt>
+                                        </p:tgtEl>
+                                      </p:cBhvr>
+                                    </p:animEffect>
+                                  </p:childTnLst>
+                                </p:cTn>
+                              </p:par>
+                            </p:childTnLst>
+                          </p:cTn>
+                        </p:par>
+                      </p:childTnLst>
+                    </p:cTn>
+                  </p:par>
+                </p:childTnLst>
+              </p:cTn>
+              <p:prevCondLst>
+                <p:cond evt="onPrev" delay="0">
+                  <p:tgtEl>
+                    <p:sldTgt/>
+                  </p:tgtEl>
+                </p:cond>
+              </p:prevCondLst>
+              <p:nextCondLst>
+                <p:cond evt="onNext" delay="0">
+                  <p:tgtEl>
+                    <p:sldTgt/>
+                  </p:tgtEl>
+                </p:cond>
+              </p:nextCondLst>
+            </p:seq>
+          </p:childTnLst>
+        </p:cTn>
+      </p:par>
+    </p:tnLst>
+    <p:bldLst>
+      <p:bldP spid="2" grpId="0" uiExpand="1" build="p"/>
+      <p:bldP spid="7" grpId="0"/>
+    </p:bldLst>
+  </p:timing>
+</p:sld>
+</file>
+
+<file path=ppt/slides/slide11.xml><?xml version="1.0" encoding="utf-8"?>
+<p:sld xmlns:a="http://schemas.openxmlformats.org/drawingml/2006/main" xmlns:r="http://schemas.openxmlformats.org/officeDocument/2006/relationships" xmlns:p="http://schemas.openxmlformats.org/presentationml/2006/main">
+  <p:cSld>
+    <p:spTree>
+      <p:nvGrpSpPr>
+        <p:cNvPr id="1" name=""/>
+        <p:cNvGrpSpPr/>
+        <p:nvPr/>
+      </p:nvGrpSpPr>
+      <p:grpSpPr>
+        <a:xfrm>
+          <a:off x="0" y="0"/>
+          <a:ext cx="0" cy="0"/>
+          <a:chOff x="0" y="0"/>
+          <a:chExt cx="0" cy="0"/>
+        </a:xfrm>
+      </p:grpSpPr>
+      <p:sp>
+        <p:nvSpPr>
+          <p:cNvPr id="10" name="Title 9">
+            <a:extLst>
+              <a:ext uri="{FF2B5EF4-FFF2-40B4-BE49-F238E27FC236}">
+                <a16:creationId xmlns:a16="http://schemas.microsoft.com/office/drawing/2014/main" id="{18D359ED-81E1-4152-B5FF-BC60446F6E05}"/>
+              </a:ext>
+            </a:extLst>
+          </p:cNvPr>
+          <p:cNvSpPr>
+            <a:spLocks noGrp="1"/>
+          </p:cNvSpPr>
+          <p:nvPr>
+            <p:ph type="title"/>
+          </p:nvPr>
+        </p:nvSpPr>
+        <p:spPr>
+          <a:xfrm>
+            <a:off x="381000" y="2772655"/>
+            <a:ext cx="10059418" cy="1312691"/>
+          </a:xfrm>
+        </p:spPr>
+        <p:txBody>
+          <a:bodyPr/>
+          <a:lstStyle/>
+          <a:p>
+            <a:pPr algn="l"/>
+            <a:r>
+              <a:rPr lang="en-AU" dirty="0"/>
+              <a:t>Let’s get started…</a:t>
+            </a:r>
+          </a:p>
+        </p:txBody>
+      </p:sp>
+      <p:sp>
+        <p:nvSpPr>
+          <p:cNvPr id="5" name="Footer Placeholder 4">
+            <a:extLst>
+              <a:ext uri="{FF2B5EF4-FFF2-40B4-BE49-F238E27FC236}">
+                <a16:creationId xmlns:a16="http://schemas.microsoft.com/office/drawing/2014/main" id="{2AB3A763-8648-4E79-A29B-28D21C7710A9}"/>
+              </a:ext>
+            </a:extLst>
+          </p:cNvPr>
+          <p:cNvSpPr>
+            <a:spLocks noGrp="1"/>
+          </p:cNvSpPr>
+          <p:nvPr>
+            <p:ph type="ftr" sz="quarter" idx="11"/>
+          </p:nvPr>
+        </p:nvSpPr>
+        <p:spPr/>
+        <p:txBody>
+          <a:bodyPr/>
+          <a:lstStyle/>
+          <a:p>
+            <a:r>
+              <a:rPr lang="en-AU"/>
+              <a:t>Chatty Documents</a:t>
+            </a:r>
+            <a:endParaRPr lang="en-AU" dirty="0"/>
+          </a:p>
+        </p:txBody>
+      </p:sp>
+      <p:sp>
+        <p:nvSpPr>
+          <p:cNvPr id="6" name="Slide Number Placeholder 5">
+            <a:extLst>
+              <a:ext uri="{FF2B5EF4-FFF2-40B4-BE49-F238E27FC236}">
+                <a16:creationId xmlns:a16="http://schemas.microsoft.com/office/drawing/2014/main" id="{8BE61673-B619-48AC-86E7-428A4A84EFC8}"/>
+              </a:ext>
+            </a:extLst>
+          </p:cNvPr>
+          <p:cNvSpPr>
+            <a:spLocks noGrp="1"/>
+          </p:cNvSpPr>
+          <p:nvPr>
+            <p:ph type="sldNum" sz="quarter" idx="12"/>
+          </p:nvPr>
+        </p:nvSpPr>
+        <p:spPr/>
+        <p:txBody>
+          <a:bodyPr/>
+          <a:lstStyle/>
+          <a:p>
+            <a:fld id="{E917DE0E-AFB1-41FD-BC35-27DB61CA125F}" type="slidenum">
+              <a:rPr lang="en-AU" smtClean="0"/>
+              <a:pPr/>
+              <a:t>11</a:t>
+            </a:fld>
+            <a:endParaRPr lang="en-AU" dirty="0"/>
+          </a:p>
+        </p:txBody>
+      </p:sp>
+    </p:spTree>
+    <p:extLst>
+      <p:ext uri="{BB962C8B-B14F-4D97-AF65-F5344CB8AC3E}">
+        <p14:creationId xmlns:p14="http://schemas.microsoft.com/office/powerpoint/2010/main" val="2185817615"/>
+      </p:ext>
+    </p:extLst>
+  </p:cSld>
+  <p:clrMapOvr>
+    <a:masterClrMapping/>
+  </p:clrMapOvr>
+  <p:transition spd="slow">
+    <p:push dir="u"/>
+  </p:transition>
+</p:sld>
+</file>
+
+<file path=ppt/slides/slide12.xml><?xml version="1.0" encoding="utf-8"?>
+<p:sld xmlns:a="http://schemas.openxmlformats.org/drawingml/2006/main" xmlns:r="http://schemas.openxmlformats.org/officeDocument/2006/relationships" xmlns:p="http://schemas.openxmlformats.org/presentationml/2006/main">
+  <p:cSld>
+    <p:spTree>
+      <p:nvGrpSpPr>
+        <p:cNvPr id="1" name=""/>
+        <p:cNvGrpSpPr/>
+        <p:nvPr/>
+      </p:nvGrpSpPr>
+      <p:grpSpPr>
+        <a:xfrm>
+          <a:off x="0" y="0"/>
+          <a:ext cx="0" cy="0"/>
+          <a:chOff x="0" y="0"/>
+          <a:chExt cx="0" cy="0"/>
+        </a:xfrm>
+      </p:grpSpPr>
+      <p:sp>
+        <p:nvSpPr>
+          <p:cNvPr id="2" name="Content Placeholder 1">
+            <a:extLst>
+              <a:ext uri="{FF2B5EF4-FFF2-40B4-BE49-F238E27FC236}">
+                <a16:creationId xmlns:a16="http://schemas.microsoft.com/office/drawing/2014/main" id="{212D753E-325F-4599-3779-F20D8D419E79}"/>
+              </a:ext>
+            </a:extLst>
+          </p:cNvPr>
+          <p:cNvSpPr>
+            <a:spLocks noGrp="1"/>
+          </p:cNvSpPr>
+          <p:nvPr>
+            <p:ph sz="quarter" idx="11"/>
+          </p:nvPr>
+        </p:nvSpPr>
+        <p:spPr/>
+        <p:txBody>
+          <a:bodyPr>
+            <a:normAutofit lnSpcReduction="10000"/>
+          </a:bodyPr>
+          <a:lstStyle/>
+          <a:p>
+            <a:pPr marL="457200" indent="-457200"/>
+            <a:r>
+              <a:rPr lang="en-US" dirty="0"/>
+              <a:t>To interact with </a:t>
+            </a:r>
+            <a:r>
+              <a:rPr lang="en-US" dirty="0" err="1"/>
+              <a:t>OpenAI’s</a:t>
+            </a:r>
+            <a:r>
+              <a:rPr lang="en-US" dirty="0"/>
+              <a:t> models through code, you need an API key</a:t>
+            </a:r>
+          </a:p>
+          <a:p>
+            <a:pPr marL="457200" indent="-457200"/>
+            <a:r>
+              <a:rPr lang="en-US" dirty="0"/>
+              <a:t>This key is used to identify you as a user and bill you for the cost</a:t>
+            </a:r>
+          </a:p>
+          <a:p>
+            <a:pPr marL="457200" indent="-457200"/>
+            <a:r>
+              <a:rPr lang="en-US" dirty="0"/>
+              <a:t>To get your own API key:</a:t>
+            </a:r>
+          </a:p>
+          <a:p>
+            <a:pPr marL="868680" lvl="1" indent="-457200">
+              <a:buFont typeface="+mj-lt"/>
+              <a:buAutoNum type="arabicPeriod"/>
+            </a:pPr>
+            <a:r>
+              <a:rPr lang="en-US" dirty="0"/>
+              <a:t>Sign up for an </a:t>
+            </a:r>
+            <a:r>
+              <a:rPr lang="en-US" dirty="0" err="1"/>
+              <a:t>OpenAI</a:t>
+            </a:r>
+            <a:r>
+              <a:rPr lang="en-US" dirty="0"/>
+              <a:t> account and log in</a:t>
+            </a:r>
+          </a:p>
+          <a:p>
+            <a:pPr marL="868680" lvl="1" indent="-457200">
+              <a:buFont typeface="+mj-lt"/>
+              <a:buAutoNum type="arabicPeriod"/>
+            </a:pPr>
+            <a:r>
+              <a:rPr lang="en-US" dirty="0"/>
+              <a:t>Go to the API section in your account</a:t>
+            </a:r>
+          </a:p>
+          <a:p>
+            <a:pPr marL="868680" lvl="1" indent="-457200">
+              <a:buFont typeface="+mj-lt"/>
+              <a:buAutoNum type="arabicPeriod"/>
+            </a:pPr>
+            <a:r>
+              <a:rPr lang="en-US" dirty="0"/>
+              <a:t>Generate a new API key and save it (you will only see it here once!)</a:t>
+            </a:r>
+          </a:p>
+          <a:p>
+            <a:pPr marL="868680" lvl="1" indent="-457200">
+              <a:buFont typeface="+mj-lt"/>
+              <a:buAutoNum type="arabicPeriod"/>
+            </a:pPr>
+            <a:r>
+              <a:rPr lang="en-US" dirty="0"/>
+              <a:t>Set up billing and usage limits to avoid surprise charges</a:t>
+            </a:r>
+          </a:p>
+          <a:p>
+            <a:endParaRPr lang="en-US" dirty="0"/>
+          </a:p>
+        </p:txBody>
+      </p:sp>
+      <p:sp>
+        <p:nvSpPr>
+          <p:cNvPr id="3" name="Title 2">
+            <a:extLst>
+              <a:ext uri="{FF2B5EF4-FFF2-40B4-BE49-F238E27FC236}">
+                <a16:creationId xmlns:a16="http://schemas.microsoft.com/office/drawing/2014/main" id="{2C69C40C-46E1-AD8F-8BCB-CDC408E5157C}"/>
+              </a:ext>
+            </a:extLst>
+          </p:cNvPr>
+          <p:cNvSpPr>
+            <a:spLocks noGrp="1"/>
+          </p:cNvSpPr>
+          <p:nvPr>
+            <p:ph type="title"/>
+          </p:nvPr>
+        </p:nvSpPr>
+        <p:spPr/>
+        <p:txBody>
+          <a:bodyPr/>
+          <a:lstStyle/>
+          <a:p>
+            <a:r>
+              <a:rPr lang="en-US" dirty="0"/>
+              <a:t>Getting an </a:t>
+            </a:r>
+            <a:r>
+              <a:rPr lang="en-US" dirty="0" err="1"/>
+              <a:t>OpenAI</a:t>
+            </a:r>
+            <a:r>
+              <a:rPr lang="en-US" dirty="0"/>
+              <a:t> API key</a:t>
+            </a:r>
+          </a:p>
+        </p:txBody>
+      </p:sp>
+      <p:sp>
+        <p:nvSpPr>
+          <p:cNvPr id="4" name="Footer Placeholder 3">
+            <a:extLst>
+              <a:ext uri="{FF2B5EF4-FFF2-40B4-BE49-F238E27FC236}">
+                <a16:creationId xmlns:a16="http://schemas.microsoft.com/office/drawing/2014/main" id="{C0209CC2-13D3-95FE-F813-FF5A037A302D}"/>
+              </a:ext>
+            </a:extLst>
+          </p:cNvPr>
+          <p:cNvSpPr>
+            <a:spLocks noGrp="1"/>
+          </p:cNvSpPr>
+          <p:nvPr>
+            <p:ph type="ftr" sz="quarter" idx="12"/>
+          </p:nvPr>
+        </p:nvSpPr>
+        <p:spPr/>
+        <p:txBody>
+          <a:bodyPr/>
+          <a:lstStyle/>
+          <a:p>
+            <a:r>
+              <a:rPr lang="en-AU"/>
+              <a:t>Chatty Documents</a:t>
+            </a:r>
+            <a:endParaRPr lang="en-AU" dirty="0"/>
+          </a:p>
+        </p:txBody>
+      </p:sp>
+      <p:sp>
+        <p:nvSpPr>
+          <p:cNvPr id="5" name="Slide Number Placeholder 4">
+            <a:extLst>
+              <a:ext uri="{FF2B5EF4-FFF2-40B4-BE49-F238E27FC236}">
+                <a16:creationId xmlns:a16="http://schemas.microsoft.com/office/drawing/2014/main" id="{A6DC4404-977A-47B0-B1F1-829C5EF5426C}"/>
+              </a:ext>
+            </a:extLst>
+          </p:cNvPr>
+          <p:cNvSpPr>
+            <a:spLocks noGrp="1"/>
+          </p:cNvSpPr>
+          <p:nvPr>
+            <p:ph type="sldNum" sz="quarter" idx="13"/>
+          </p:nvPr>
+        </p:nvSpPr>
+        <p:spPr/>
+        <p:txBody>
+          <a:bodyPr/>
+          <a:lstStyle/>
+          <a:p>
+            <a:fld id="{E917DE0E-AFB1-41FD-BC35-27DB61CA125F}" type="slidenum">
+              <a:rPr lang="en-AU" smtClean="0"/>
+              <a:pPr/>
+              <a:t>12</a:t>
+            </a:fld>
+            <a:endParaRPr lang="en-AU" dirty="0"/>
+          </a:p>
+        </p:txBody>
+      </p:sp>
+    </p:spTree>
+    <p:extLst>
+      <p:ext uri="{BB962C8B-B14F-4D97-AF65-F5344CB8AC3E}">
+        <p14:creationId xmlns:p14="http://schemas.microsoft.com/office/powerpoint/2010/main" val="296868011"/>
+      </p:ext>
+    </p:extLst>
+  </p:cSld>
+  <p:clrMapOvr>
+    <a:masterClrMapping/>
+  </p:clrMapOvr>
+  <mc:AlternateContent xmlns:mc="http://schemas.openxmlformats.org/markup-compatibility/2006" xmlns:p14="http://schemas.microsoft.com/office/powerpoint/2010/main">
+    <mc:Choice Requires="p14">
+      <p:transition spd="med" p14:dur="700">
+        <p:fade/>
+      </p:transition>
+    </mc:Choice>
+    <mc:Fallback xmlns="">
+      <p:transition spd="med">
+        <p:fade/>
+      </p:transition>
+    </mc:Fallback>
+  </mc:AlternateContent>
+  <p:timing>
+    <p:tnLst>
+      <p:par>
+        <p:cTn id="1" dur="indefinite" restart="never" nodeType="tmRoot">
+          <p:childTnLst>
+            <p:seq concurrent="1" nextAc="seek">
+              <p:cTn id="2" dur="indefinite" nodeType="mainSeq">
+                <p:childTnLst>
+                  <p:par>
+                    <p:cTn id="3" fill="hold">
+                      <p:stCondLst>
+                        <p:cond delay="indefinite"/>
+                      </p:stCondLst>
+                      <p:childTnLst>
+                        <p:par>
+                          <p:cTn id="4" fill="hold">
+                            <p:stCondLst>
+                              <p:cond delay="0"/>
+                            </p:stCondLst>
+                            <p:childTnLst>
+                              <p:par>
+                                <p:cTn id="5" presetID="10" presetClass="entr" presetSubtype="0" fill="hold" grpId="0" nodeType="clickEffect">
                                   <p:stCondLst>
                                     <p:cond delay="0"/>
                                   </p:stCondLst>
@@ -10925,7 +12112,7 @@
                             </p:stCondLst>
                             <p:childTnLst>
                               <p:par>
-                                <p:cTn id="10" presetID="10" presetClass="entr" presetSubtype="0" fill="hold" nodeType="clickEffect">
+                                <p:cTn id="10" presetID="10" presetClass="entr" presetSubtype="0" fill="hold" grpId="0" nodeType="clickEffect">
                                   <p:stCondLst>
                                     <p:cond delay="0"/>
                                   </p:stCondLst>
@@ -10940,7 +12127,7 @@
                                         <p:tgtEl>
                                           <p:spTgt spid="2">
                                             <p:txEl>
-                                              <p:pRg st="2" end="2"/>
+                                              <p:pRg st="1" end="1"/>
                                             </p:txEl>
                                           </p:spTgt>
                                         </p:tgtEl>
@@ -10958,7 +12145,7 @@
                                         <p:tgtEl>
                                           <p:spTgt spid="2">
                                             <p:txEl>
-                                              <p:pRg st="2" end="2"/>
+                                              <p:pRg st="1" end="1"/>
                                             </p:txEl>
                                           </p:spTgt>
                                         </p:tgtEl>
@@ -10986,7 +12173,7 @@
                             </p:stCondLst>
                             <p:childTnLst>
                               <p:par>
-                                <p:cTn id="15" presetID="10" presetClass="entr" presetSubtype="0" fill="hold" nodeType="clickEffect">
+                                <p:cTn id="15" presetID="10" presetClass="entr" presetSubtype="0" fill="hold" grpId="0" nodeType="clickEffect">
                                   <p:stCondLst>
                                     <p:cond delay="0"/>
                                   </p:stCondLst>
@@ -10994,6 +12181,49 @@
                                     <p:set>
                                       <p:cBhvr>
                                         <p:cTn id="16" dur="1" fill="hold">
+                                          <p:stCondLst>
+                                            <p:cond delay="0"/>
+                                          </p:stCondLst>
+                                        </p:cTn>
+                                        <p:tgtEl>
+                                          <p:spTgt spid="2">
+                                            <p:txEl>
+                                              <p:pRg st="2" end="2"/>
+                                            </p:txEl>
+                                          </p:spTgt>
+                                        </p:tgtEl>
+                                        <p:attrNameLst>
+                                          <p:attrName>style.visibility</p:attrName>
+                                        </p:attrNameLst>
+                                      </p:cBhvr>
+                                      <p:to>
+                                        <p:strVal val="visible"/>
+                                      </p:to>
+                                    </p:set>
+                                    <p:animEffect transition="in" filter="fade">
+                                      <p:cBhvr>
+                                        <p:cTn id="17" dur="500"/>
+                                        <p:tgtEl>
+                                          <p:spTgt spid="2">
+                                            <p:txEl>
+                                              <p:pRg st="2" end="2"/>
+                                            </p:txEl>
+                                          </p:spTgt>
+                                        </p:tgtEl>
+                                      </p:cBhvr>
+                                    </p:animEffect>
+                                  </p:childTnLst>
+                                </p:cTn>
+                              </p:par>
+                              <p:par>
+                                <p:cTn id="18" presetID="10" presetClass="entr" presetSubtype="0" fill="hold" grpId="0" nodeType="withEffect">
+                                  <p:stCondLst>
+                                    <p:cond delay="0"/>
+                                  </p:stCondLst>
+                                  <p:childTnLst>
+                                    <p:set>
+                                      <p:cBhvr>
+                                        <p:cTn id="19" dur="1" fill="hold">
                                           <p:stCondLst>
                                             <p:cond delay="0"/>
                                           </p:stCondLst>
@@ -11015,7 +12245,7 @@
                                     </p:set>
                                     <p:animEffect transition="in" filter="fade">
                                       <p:cBhvr>
-                                        <p:cTn id="17" dur="500"/>
+                                        <p:cTn id="20" dur="500"/>
                                         <p:tgtEl>
                                           <p:spTgt spid="2">
                                             <p:txEl>
@@ -11028,33 +12258,15 @@
                                   </p:childTnLst>
                                 </p:cTn>
                               </p:par>
-                            </p:childTnLst>
-                          </p:cTn>
-                        </p:par>
-                      </p:childTnLst>
-                    </p:cTn>
-                  </p:par>
-                  <p:par>
-                    <p:cTn id="18" fill="hold">
-                      <p:stCondLst>
-                        <p:cond delay="indefinite"/>
-                      </p:stCondLst>
-                      <p:childTnLst>
-                        <p:par>
-                          <p:cTn id="19" fill="hold">
-                            <p:stCondLst>
-                              <p:cond delay="0"/>
-                            </p:stCondLst>
-                            <p:childTnLst>
                               <p:par>
-                                <p:cTn id="20" presetID="10" presetClass="entr" presetSubtype="0" fill="hold" nodeType="clickEffect">
+                                <p:cTn id="21" presetID="10" presetClass="entr" presetSubtype="0" fill="hold" grpId="0" nodeType="withEffect">
                                   <p:stCondLst>
                                     <p:cond delay="0"/>
                                   </p:stCondLst>
                                   <p:childTnLst>
                                     <p:set>
                                       <p:cBhvr>
-                                        <p:cTn id="21" dur="1" fill="hold">
+                                        <p:cTn id="22" dur="1" fill="hold">
                                           <p:stCondLst>
                                             <p:cond delay="0"/>
                                           </p:stCondLst>
@@ -11076,11 +12288,97 @@
                                     </p:set>
                                     <p:animEffect transition="in" filter="fade">
                                       <p:cBhvr>
-                                        <p:cTn id="22" dur="500"/>
+                                        <p:cTn id="23" dur="500"/>
                                         <p:tgtEl>
                                           <p:spTgt spid="2">
                                             <p:txEl>
                                               <p:pRg st="4" end="4"/>
+                                            </p:txEl>
+                                          </p:spTgt>
+                                        </p:tgtEl>
+                                      </p:cBhvr>
+                                    </p:animEffect>
+                                  </p:childTnLst>
+                                </p:cTn>
+                              </p:par>
+                              <p:par>
+                                <p:cTn id="24" presetID="10" presetClass="entr" presetSubtype="0" fill="hold" grpId="0" nodeType="withEffect">
+                                  <p:stCondLst>
+                                    <p:cond delay="0"/>
+                                  </p:stCondLst>
+                                  <p:childTnLst>
+                                    <p:set>
+                                      <p:cBhvr>
+                                        <p:cTn id="25" dur="1" fill="hold">
+                                          <p:stCondLst>
+                                            <p:cond delay="0"/>
+                                          </p:stCondLst>
+                                        </p:cTn>
+                                        <p:tgtEl>
+                                          <p:spTgt spid="2">
+                                            <p:txEl>
+                                              <p:pRg st="5" end="5"/>
+                                            </p:txEl>
+                                          </p:spTgt>
+                                        </p:tgtEl>
+                                        <p:attrNameLst>
+                                          <p:attrName>style.visibility</p:attrName>
+                                        </p:attrNameLst>
+                                      </p:cBhvr>
+                                      <p:to>
+                                        <p:strVal val="visible"/>
+                                      </p:to>
+                                    </p:set>
+                                    <p:animEffect transition="in" filter="fade">
+                                      <p:cBhvr>
+                                        <p:cTn id="26" dur="500"/>
+                                        <p:tgtEl>
+                                          <p:spTgt spid="2">
+                                            <p:txEl>
+                                              <p:pRg st="5" end="5"/>
+                                            </p:txEl>
+                                          </p:spTgt>
+                                        </p:tgtEl>
+                                      </p:cBhvr>
+                                    </p:animEffect>
+                                  </p:childTnLst>
+                                </p:cTn>
+                              </p:par>
+                              <p:par>
+                                <p:cTn id="27" presetID="10" presetClass="entr" presetSubtype="0" fill="hold" grpId="0" nodeType="withEffect">
+                                  <p:stCondLst>
+                                    <p:cond delay="0"/>
+                                  </p:stCondLst>
+                                  <p:childTnLst>
+                                    <p:set>
+                                      <p:cBhvr>
+                                        <p:cTn id="28" dur="1" fill="hold">
+                                          <p:stCondLst>
+                                            <p:cond delay="0"/>
+                                          </p:stCondLst>
+                                        </p:cTn>
+                                        <p:tgtEl>
+                                          <p:spTgt spid="2">
+                                            <p:txEl>
+                                              <p:pRg st="6" end="6"/>
+                                            </p:txEl>
+                                          </p:spTgt>
+                                        </p:tgtEl>
+                                        <p:attrNameLst>
+                                          <p:attrName>style.visibility</p:attrName>
+                                        </p:attrNameLst>
+                                      </p:cBhvr>
+                                      <p:to>
+                                        <p:strVal val="visible"/>
+                                      </p:to>
+                                    </p:set>
+                                    <p:animEffect transition="in" filter="fade">
+                                      <p:cBhvr>
+                                        <p:cTn id="29" dur="500"/>
+                                        <p:tgtEl>
+                                          <p:spTgt spid="2">
+                                            <p:txEl>
+                                              <p:pRg st="6" end="6"/>
                                             </p:txEl>
                                           </p:spTgt>
                                         </p:tgtEl>
@@ -11116,11 +12414,14 @@
         </p:cTn>
       </p:par>
     </p:tnLst>
+    <p:bldLst>
+      <p:bldP spid="2" grpId="0" build="p"/>
+    </p:bldLst>
   </p:timing>
 </p:sld>
 </file>
 
-<file path=ppt/slides/slide11.xml><?xml version="1.0" encoding="utf-8"?>
+<file path=ppt/slides/slide13.xml><?xml version="1.0" encoding="utf-8"?>
 <p:sld xmlns:a="http://schemas.openxmlformats.org/drawingml/2006/main" xmlns:r="http://schemas.openxmlformats.org/officeDocument/2006/relationships" xmlns:p="http://schemas.openxmlformats.org/presentationml/2006/main">
   <p:cSld>
     <p:spTree>
@@ -11142,7 +12443,7 @@
           <p:cNvPr id="2" name="Content Placeholder 1">
             <a:extLst>
               <a:ext uri="{FF2B5EF4-FFF2-40B4-BE49-F238E27FC236}">
-                <a16:creationId xmlns:a16="http://schemas.microsoft.com/office/drawing/2014/main" id="{27BF64D7-8FF1-F778-4E25-BC990AAA8BEB}"/>
+                <a16:creationId xmlns:a16="http://schemas.microsoft.com/office/drawing/2014/main" id="{212D753E-325F-4599-3779-F20D8D419E79}"/>
               </a:ext>
             </a:extLst>
           </p:cNvPr>
@@ -11153,123 +12454,86 @@
             <p:ph sz="quarter" idx="11"/>
           </p:nvPr>
         </p:nvSpPr>
-        <p:spPr>
-          <a:xfrm>
-            <a:off x="381000" y="2365638"/>
-            <a:ext cx="11260891" cy="4127303"/>
-          </a:xfrm>
-        </p:spPr>
+        <p:spPr/>
         <p:txBody>
-          <a:bodyPr anchor="ctr">
-            <a:normAutofit/>
+          <a:bodyPr>
+            <a:normAutofit fontScale="92500" lnSpcReduction="10000"/>
           </a:bodyPr>
           <a:lstStyle/>
           <a:p>
-            <a:pPr marL="457200" indent="-457200"/>
-            <a:r>
-              <a:rPr lang="en-US" sz="3200" dirty="0">
-                <a:latin typeface="National 2 Medium" panose="020B0504030502020203" pitchFamily="34" charset="77"/>
-              </a:rPr>
-              <a:t>How </a:t>
-            </a:r>
-            <a:r>
-              <a:rPr lang="en-US" sz="3200" dirty="0">
-                <a:solidFill>
-                  <a:schemeClr val="accent6">
-                    <a:lumMod val="50000"/>
-                  </a:schemeClr>
-                </a:solidFill>
-              </a:rPr>
-              <a:t>does software communicate via the web</a:t>
-            </a:r>
-          </a:p>
-          <a:p>
-            <a:pPr marL="457200" indent="-457200"/>
-            <a:r>
-              <a:rPr lang="en-US" sz="3200" dirty="0">
-                <a:latin typeface="National 2 Medium" panose="020B0504030502020203" pitchFamily="34" charset="77"/>
-              </a:rPr>
-              <a:t>What </a:t>
-            </a:r>
-            <a:r>
-              <a:rPr lang="en-US" sz="3200" dirty="0">
-                <a:solidFill>
-                  <a:schemeClr val="accent6">
-                    <a:lumMod val="50000"/>
-                  </a:schemeClr>
-                </a:solidFill>
-              </a:rPr>
-              <a:t>is a RESTful web API</a:t>
-            </a:r>
-          </a:p>
-          <a:p>
-            <a:pPr marL="457200" indent="-457200"/>
-            <a:r>
-              <a:rPr lang="en-US" sz="3200" dirty="0">
-                <a:latin typeface="National 2 Medium" panose="020B0504030502020203" pitchFamily="34" charset="77"/>
-              </a:rPr>
-              <a:t>How </a:t>
-            </a:r>
-            <a:r>
-              <a:rPr lang="en-US" sz="3200" dirty="0">
-                <a:solidFill>
-                  <a:schemeClr val="accent6">
-                    <a:lumMod val="50000"/>
-                  </a:schemeClr>
-                </a:solidFill>
-              </a:rPr>
-              <a:t>do you use a RESTful web API</a:t>
-            </a:r>
-          </a:p>
-          <a:p>
-            <a:pPr marL="457200" indent="-457200"/>
-            <a:r>
-              <a:rPr lang="en-US" sz="3200" dirty="0">
-                <a:latin typeface="National 2 Medium" panose="020B0504030502020203" pitchFamily="34" charset="77"/>
-              </a:rPr>
-              <a:t>What </a:t>
-            </a:r>
-            <a:r>
-              <a:rPr lang="en-US" sz="3200" dirty="0">
-                <a:solidFill>
-                  <a:schemeClr val="accent6">
-                    <a:lumMod val="50000"/>
-                  </a:schemeClr>
-                </a:solidFill>
-              </a:rPr>
-              <a:t>is an API wrapper</a:t>
-            </a:r>
-          </a:p>
-          <a:p>
-            <a:pPr marL="457200" indent="-457200"/>
-            <a:r>
-              <a:rPr lang="en-US" sz="3200" dirty="0">
-                <a:latin typeface="National 2 Medium" panose="020B0504030502020203" pitchFamily="34" charset="77"/>
-              </a:rPr>
-              <a:t>How </a:t>
-            </a:r>
-            <a:r>
-              <a:rPr lang="en-US" sz="3200" dirty="0">
-                <a:solidFill>
-                  <a:schemeClr val="accent6">
-                    <a:lumMod val="50000"/>
-                  </a:schemeClr>
-                </a:solidFill>
-              </a:rPr>
-              <a:t>using a Python wrapper can make your life easier</a:t>
+            <a:pPr marL="457200" indent="-457200">
+              <a:buSzPct val="80000"/>
+              <a:buFont typeface="System Font Regular"/>
+              <a:buChar char="🔑"/>
+            </a:pPr>
+            <a:r>
+              <a:rPr lang="en-US" dirty="0"/>
+              <a:t>An API key is as sensitive as a password</a:t>
+            </a:r>
+          </a:p>
+          <a:p>
+            <a:pPr marL="457200" indent="-457200">
+              <a:buSzPct val="80000"/>
+              <a:buFont typeface="System Font Regular"/>
+              <a:buChar char="😱"/>
+            </a:pPr>
+            <a:r>
+              <a:rPr lang="en-US" dirty="0"/>
+              <a:t>Anyone with your API key could use the paid (!) service in your name</a:t>
+            </a:r>
+          </a:p>
+          <a:p>
+            <a:pPr marL="457200" indent="-457200">
+              <a:buSzPct val="110000"/>
+              <a:buBlip>
+                <a:blip r:embed="rId2"/>
+              </a:buBlip>
+            </a:pPr>
+            <a:r>
+              <a:rPr lang="en-US" dirty="0"/>
+              <a:t>Keep it secret, keep it safe!</a:t>
             </a:r>
           </a:p>
           <a:p>
             <a:pPr marL="0" indent="0">
               <a:buNone/>
             </a:pPr>
-            <a:endParaRPr lang="en-US" sz="3200" dirty="0">
-              <a:solidFill>
-                <a:schemeClr val="accent6">
-                  <a:lumMod val="50000"/>
-                </a:schemeClr>
-              </a:solidFill>
-            </a:endParaRPr>
+            <a:r>
+              <a:rPr lang="en-US" dirty="0">
+                <a:latin typeface="National 2 Medium" panose="020B0504030502020203" pitchFamily="34" charset="77"/>
+              </a:rPr>
+              <a:t>Good practice: </a:t>
+            </a:r>
+          </a:p>
+          <a:p>
+            <a:pPr marL="457200" indent="-457200">
+              <a:buFont typeface="System Font Regular"/>
+              <a:buChar char="☝️"/>
+            </a:pPr>
+            <a:r>
+              <a:rPr lang="en-US" dirty="0"/>
+              <a:t>Never use the key explicitly in your code</a:t>
+            </a:r>
+          </a:p>
+          <a:p>
+            <a:pPr marL="457200" indent="-457200">
+              <a:buFont typeface="System Font Regular"/>
+              <a:buChar char="☝️"/>
+            </a:pPr>
+            <a:r>
+              <a:rPr lang="en-US" dirty="0"/>
+              <a:t>Refer to the key from an environment variable</a:t>
+            </a:r>
+          </a:p>
+          <a:p>
+            <a:pPr marL="457200" indent="-457200">
+              <a:buFont typeface="System Font Regular"/>
+              <a:buChar char="☝️"/>
+            </a:pPr>
+            <a:r>
+              <a:rPr lang="en-US" dirty="0"/>
+              <a:t>Never check your key into version control (e.g., git)!</a:t>
+            </a:r>
           </a:p>
         </p:txBody>
       </p:sp>
@@ -11278,7 +12542,7 @@
           <p:cNvPr id="3" name="Title 2">
             <a:extLst>
               <a:ext uri="{FF2B5EF4-FFF2-40B4-BE49-F238E27FC236}">
-                <a16:creationId xmlns:a16="http://schemas.microsoft.com/office/drawing/2014/main" id="{E1596C84-A306-B189-CDA1-74458B43CBD8}"/>
+                <a16:creationId xmlns:a16="http://schemas.microsoft.com/office/drawing/2014/main" id="{2C69C40C-46E1-AD8F-8BCB-CDC408E5157C}"/>
               </a:ext>
             </a:extLst>
           </p:cNvPr>
@@ -11296,7 +12560,7 @@
           <a:p>
             <a:r>
               <a:rPr lang="en-US" dirty="0"/>
-              <a:t>What you will learn in this workshop</a:t>
+              <a:t>Using your API key</a:t>
             </a:r>
           </a:p>
         </p:txBody>
@@ -11306,7 +12570,7 @@
           <p:cNvPr id="4" name="Footer Placeholder 3">
             <a:extLst>
               <a:ext uri="{FF2B5EF4-FFF2-40B4-BE49-F238E27FC236}">
-                <a16:creationId xmlns:a16="http://schemas.microsoft.com/office/drawing/2014/main" id="{8AB0CDEB-4997-14D9-3B11-92B6181671E9}"/>
+                <a16:creationId xmlns:a16="http://schemas.microsoft.com/office/drawing/2014/main" id="{C0209CC2-13D3-95FE-F813-FF5A037A302D}"/>
               </a:ext>
             </a:extLst>
           </p:cNvPr>
@@ -11335,7 +12599,7 @@
           <p:cNvPr id="5" name="Slide Number Placeholder 4">
             <a:extLst>
               <a:ext uri="{FF2B5EF4-FFF2-40B4-BE49-F238E27FC236}">
-                <a16:creationId xmlns:a16="http://schemas.microsoft.com/office/drawing/2014/main" id="{FD2F5860-3C05-603D-96AF-B25858484956}"/>
+                <a16:creationId xmlns:a16="http://schemas.microsoft.com/office/drawing/2014/main" id="{A6DC4404-977A-47B0-B1F1-829C5EF5426C}"/>
               </a:ext>
             </a:extLst>
           </p:cNvPr>
@@ -11354,7 +12618,7 @@
             <a:fld id="{E917DE0E-AFB1-41FD-BC35-27DB61CA125F}" type="slidenum">
               <a:rPr lang="en-AU" smtClean="0"/>
               <a:pPr/>
-              <a:t>11</a:t>
+              <a:t>13</a:t>
             </a:fld>
             <a:endParaRPr lang="en-AU" dirty="0"/>
           </a:p>
@@ -11363,16 +12627,1528 @@
     </p:spTree>
     <p:extLst>
       <p:ext uri="{BB962C8B-B14F-4D97-AF65-F5344CB8AC3E}">
-        <p14:creationId xmlns:p14="http://schemas.microsoft.com/office/powerpoint/2010/main" val="3807905586"/>
+        <p14:creationId xmlns:p14="http://schemas.microsoft.com/office/powerpoint/2010/main" val="281177636"/>
       </p:ext>
     </p:extLst>
   </p:cSld>
   <p:clrMapOvr>
     <a:masterClrMapping/>
   </p:clrMapOvr>
-  <p:transition spd="slow">
-    <p:push dir="u"/>
-  </p:transition>
+  <mc:AlternateContent xmlns:mc="http://schemas.openxmlformats.org/markup-compatibility/2006" xmlns:p14="http://schemas.microsoft.com/office/powerpoint/2010/main">
+    <mc:Choice Requires="p14">
+      <p:transition spd="med" p14:dur="700">
+        <p:fade/>
+      </p:transition>
+    </mc:Choice>
+    <mc:Fallback xmlns="">
+      <p:transition spd="med">
+        <p:fade/>
+      </p:transition>
+    </mc:Fallback>
+  </mc:AlternateContent>
+  <p:timing>
+    <p:tnLst>
+      <p:par>
+        <p:cTn id="1" dur="indefinite" restart="never" nodeType="tmRoot">
+          <p:childTnLst>
+            <p:seq concurrent="1" nextAc="seek">
+              <p:cTn id="2" dur="indefinite" nodeType="mainSeq">
+                <p:childTnLst>
+                  <p:par>
+                    <p:cTn id="3" fill="hold">
+                      <p:stCondLst>
+                        <p:cond delay="indefinite"/>
+                      </p:stCondLst>
+                      <p:childTnLst>
+                        <p:par>
+                          <p:cTn id="4" fill="hold">
+                            <p:stCondLst>
+                              <p:cond delay="0"/>
+                            </p:stCondLst>
+                            <p:childTnLst>
+                              <p:par>
+                                <p:cTn id="5" presetID="10" presetClass="entr" presetSubtype="0" fill="hold" grpId="0" nodeType="clickEffect">
+                                  <p:stCondLst>
+                                    <p:cond delay="0"/>
+                                  </p:stCondLst>
+                                  <p:childTnLst>
+                                    <p:set>
+                                      <p:cBhvr>
+                                        <p:cTn id="6" dur="1" fill="hold">
+                                          <p:stCondLst>
+                                            <p:cond delay="0"/>
+                                          </p:stCondLst>
+                                        </p:cTn>
+                                        <p:tgtEl>
+                                          <p:spTgt spid="2">
+                                            <p:txEl>
+                                              <p:pRg st="0" end="0"/>
+                                            </p:txEl>
+                                          </p:spTgt>
+                                        </p:tgtEl>
+                                        <p:attrNameLst>
+                                          <p:attrName>style.visibility</p:attrName>
+                                        </p:attrNameLst>
+                                      </p:cBhvr>
+                                      <p:to>
+                                        <p:strVal val="visible"/>
+                                      </p:to>
+                                    </p:set>
+                                    <p:animEffect transition="in" filter="fade">
+                                      <p:cBhvr>
+                                        <p:cTn id="7" dur="500"/>
+                                        <p:tgtEl>
+                                          <p:spTgt spid="2">
+                                            <p:txEl>
+                                              <p:pRg st="0" end="0"/>
+                                            </p:txEl>
+                                          </p:spTgt>
+                                        </p:tgtEl>
+                                      </p:cBhvr>
+                                    </p:animEffect>
+                                  </p:childTnLst>
+                                </p:cTn>
+                              </p:par>
+                            </p:childTnLst>
+                          </p:cTn>
+                        </p:par>
+                      </p:childTnLst>
+                    </p:cTn>
+                  </p:par>
+                  <p:par>
+                    <p:cTn id="8" fill="hold">
+                      <p:stCondLst>
+                        <p:cond delay="indefinite"/>
+                      </p:stCondLst>
+                      <p:childTnLst>
+                        <p:par>
+                          <p:cTn id="9" fill="hold">
+                            <p:stCondLst>
+                              <p:cond delay="0"/>
+                            </p:stCondLst>
+                            <p:childTnLst>
+                              <p:par>
+                                <p:cTn id="10" presetID="10" presetClass="entr" presetSubtype="0" fill="hold" grpId="0" nodeType="clickEffect">
+                                  <p:stCondLst>
+                                    <p:cond delay="0"/>
+                                  </p:stCondLst>
+                                  <p:childTnLst>
+                                    <p:set>
+                                      <p:cBhvr>
+                                        <p:cTn id="11" dur="1" fill="hold">
+                                          <p:stCondLst>
+                                            <p:cond delay="0"/>
+                                          </p:stCondLst>
+                                        </p:cTn>
+                                        <p:tgtEl>
+                                          <p:spTgt spid="2">
+                                            <p:txEl>
+                                              <p:pRg st="1" end="1"/>
+                                            </p:txEl>
+                                          </p:spTgt>
+                                        </p:tgtEl>
+                                        <p:attrNameLst>
+                                          <p:attrName>style.visibility</p:attrName>
+                                        </p:attrNameLst>
+                                      </p:cBhvr>
+                                      <p:to>
+                                        <p:strVal val="visible"/>
+                                      </p:to>
+                                    </p:set>
+                                    <p:animEffect transition="in" filter="fade">
+                                      <p:cBhvr>
+                                        <p:cTn id="12" dur="500"/>
+                                        <p:tgtEl>
+                                          <p:spTgt spid="2">
+                                            <p:txEl>
+                                              <p:pRg st="1" end="1"/>
+                                            </p:txEl>
+                                          </p:spTgt>
+                                        </p:tgtEl>
+                                      </p:cBhvr>
+                                    </p:animEffect>
+                                  </p:childTnLst>
+                                </p:cTn>
+                              </p:par>
+                            </p:childTnLst>
+                          </p:cTn>
+                        </p:par>
+                      </p:childTnLst>
+                    </p:cTn>
+                  </p:par>
+                  <p:par>
+                    <p:cTn id="13" fill="hold">
+                      <p:stCondLst>
+                        <p:cond delay="indefinite"/>
+                      </p:stCondLst>
+                      <p:childTnLst>
+                        <p:par>
+                          <p:cTn id="14" fill="hold">
+                            <p:stCondLst>
+                              <p:cond delay="0"/>
+                            </p:stCondLst>
+                            <p:childTnLst>
+                              <p:par>
+                                <p:cTn id="15" presetID="10" presetClass="entr" presetSubtype="0" fill="hold" grpId="0" nodeType="clickEffect">
+                                  <p:stCondLst>
+                                    <p:cond delay="0"/>
+                                  </p:stCondLst>
+                                  <p:childTnLst>
+                                    <p:set>
+                                      <p:cBhvr>
+                                        <p:cTn id="16" dur="1" fill="hold">
+                                          <p:stCondLst>
+                                            <p:cond delay="0"/>
+                                          </p:stCondLst>
+                                        </p:cTn>
+                                        <p:tgtEl>
+                                          <p:spTgt spid="2">
+                                            <p:txEl>
+                                              <p:pRg st="2" end="2"/>
+                                            </p:txEl>
+                                          </p:spTgt>
+                                        </p:tgtEl>
+                                        <p:attrNameLst>
+                                          <p:attrName>style.visibility</p:attrName>
+                                        </p:attrNameLst>
+                                      </p:cBhvr>
+                                      <p:to>
+                                        <p:strVal val="visible"/>
+                                      </p:to>
+                                    </p:set>
+                                    <p:animEffect transition="in" filter="fade">
+                                      <p:cBhvr>
+                                        <p:cTn id="17" dur="500"/>
+                                        <p:tgtEl>
+                                          <p:spTgt spid="2">
+                                            <p:txEl>
+                                              <p:pRg st="2" end="2"/>
+                                            </p:txEl>
+                                          </p:spTgt>
+                                        </p:tgtEl>
+                                      </p:cBhvr>
+                                    </p:animEffect>
+                                  </p:childTnLst>
+                                </p:cTn>
+                              </p:par>
+                            </p:childTnLst>
+                          </p:cTn>
+                        </p:par>
+                      </p:childTnLst>
+                    </p:cTn>
+                  </p:par>
+                  <p:par>
+                    <p:cTn id="18" fill="hold">
+                      <p:stCondLst>
+                        <p:cond delay="indefinite"/>
+                      </p:stCondLst>
+                      <p:childTnLst>
+                        <p:par>
+                          <p:cTn id="19" fill="hold">
+                            <p:stCondLst>
+                              <p:cond delay="0"/>
+                            </p:stCondLst>
+                            <p:childTnLst>
+                              <p:par>
+                                <p:cTn id="20" presetID="10" presetClass="entr" presetSubtype="0" fill="hold" grpId="0" nodeType="clickEffect">
+                                  <p:stCondLst>
+                                    <p:cond delay="0"/>
+                                  </p:stCondLst>
+                                  <p:childTnLst>
+                                    <p:set>
+                                      <p:cBhvr>
+                                        <p:cTn id="21" dur="1" fill="hold">
+                                          <p:stCondLst>
+                                            <p:cond delay="0"/>
+                                          </p:stCondLst>
+                                        </p:cTn>
+                                        <p:tgtEl>
+                                          <p:spTgt spid="2">
+                                            <p:txEl>
+                                              <p:pRg st="3" end="3"/>
+                                            </p:txEl>
+                                          </p:spTgt>
+                                        </p:tgtEl>
+                                        <p:attrNameLst>
+                                          <p:attrName>style.visibility</p:attrName>
+                                        </p:attrNameLst>
+                                      </p:cBhvr>
+                                      <p:to>
+                                        <p:strVal val="visible"/>
+                                      </p:to>
+                                    </p:set>
+                                    <p:animEffect transition="in" filter="fade">
+                                      <p:cBhvr>
+                                        <p:cTn id="22" dur="500"/>
+                                        <p:tgtEl>
+                                          <p:spTgt spid="2">
+                                            <p:txEl>
+                                              <p:pRg st="3" end="3"/>
+                                            </p:txEl>
+                                          </p:spTgt>
+                                        </p:tgtEl>
+                                      </p:cBhvr>
+                                    </p:animEffect>
+                                  </p:childTnLst>
+                                </p:cTn>
+                              </p:par>
+                            </p:childTnLst>
+                          </p:cTn>
+                        </p:par>
+                      </p:childTnLst>
+                    </p:cTn>
+                  </p:par>
+                  <p:par>
+                    <p:cTn id="23" fill="hold">
+                      <p:stCondLst>
+                        <p:cond delay="indefinite"/>
+                      </p:stCondLst>
+                      <p:childTnLst>
+                        <p:par>
+                          <p:cTn id="24" fill="hold">
+                            <p:stCondLst>
+                              <p:cond delay="0"/>
+                            </p:stCondLst>
+                            <p:childTnLst>
+                              <p:par>
+                                <p:cTn id="25" presetID="10" presetClass="entr" presetSubtype="0" fill="hold" grpId="0" nodeType="clickEffect">
+                                  <p:stCondLst>
+                                    <p:cond delay="0"/>
+                                  </p:stCondLst>
+                                  <p:childTnLst>
+                                    <p:set>
+                                      <p:cBhvr>
+                                        <p:cTn id="26" dur="1" fill="hold">
+                                          <p:stCondLst>
+                                            <p:cond delay="0"/>
+                                          </p:stCondLst>
+                                        </p:cTn>
+                                        <p:tgtEl>
+                                          <p:spTgt spid="2">
+                                            <p:txEl>
+                                              <p:pRg st="4" end="4"/>
+                                            </p:txEl>
+                                          </p:spTgt>
+                                        </p:tgtEl>
+                                        <p:attrNameLst>
+                                          <p:attrName>style.visibility</p:attrName>
+                                        </p:attrNameLst>
+                                      </p:cBhvr>
+                                      <p:to>
+                                        <p:strVal val="visible"/>
+                                      </p:to>
+                                    </p:set>
+                                    <p:animEffect transition="in" filter="fade">
+                                      <p:cBhvr>
+                                        <p:cTn id="27" dur="500"/>
+                                        <p:tgtEl>
+                                          <p:spTgt spid="2">
+                                            <p:txEl>
+                                              <p:pRg st="4" end="4"/>
+                                            </p:txEl>
+                                          </p:spTgt>
+                                        </p:tgtEl>
+                                      </p:cBhvr>
+                                    </p:animEffect>
+                                  </p:childTnLst>
+                                </p:cTn>
+                              </p:par>
+                            </p:childTnLst>
+                          </p:cTn>
+                        </p:par>
+                      </p:childTnLst>
+                    </p:cTn>
+                  </p:par>
+                  <p:par>
+                    <p:cTn id="28" fill="hold">
+                      <p:stCondLst>
+                        <p:cond delay="indefinite"/>
+                      </p:stCondLst>
+                      <p:childTnLst>
+                        <p:par>
+                          <p:cTn id="29" fill="hold">
+                            <p:stCondLst>
+                              <p:cond delay="0"/>
+                            </p:stCondLst>
+                            <p:childTnLst>
+                              <p:par>
+                                <p:cTn id="30" presetID="10" presetClass="entr" presetSubtype="0" fill="hold" grpId="0" nodeType="clickEffect">
+                                  <p:stCondLst>
+                                    <p:cond delay="0"/>
+                                  </p:stCondLst>
+                                  <p:childTnLst>
+                                    <p:set>
+                                      <p:cBhvr>
+                                        <p:cTn id="31" dur="1" fill="hold">
+                                          <p:stCondLst>
+                                            <p:cond delay="0"/>
+                                          </p:stCondLst>
+                                        </p:cTn>
+                                        <p:tgtEl>
+                                          <p:spTgt spid="2">
+                                            <p:txEl>
+                                              <p:pRg st="5" end="5"/>
+                                            </p:txEl>
+                                          </p:spTgt>
+                                        </p:tgtEl>
+                                        <p:attrNameLst>
+                                          <p:attrName>style.visibility</p:attrName>
+                                        </p:attrNameLst>
+                                      </p:cBhvr>
+                                      <p:to>
+                                        <p:strVal val="visible"/>
+                                      </p:to>
+                                    </p:set>
+                                    <p:animEffect transition="in" filter="fade">
+                                      <p:cBhvr>
+                                        <p:cTn id="32" dur="500"/>
+                                        <p:tgtEl>
+                                          <p:spTgt spid="2">
+                                            <p:txEl>
+                                              <p:pRg st="5" end="5"/>
+                                            </p:txEl>
+                                          </p:spTgt>
+                                        </p:tgtEl>
+                                      </p:cBhvr>
+                                    </p:animEffect>
+                                  </p:childTnLst>
+                                </p:cTn>
+                              </p:par>
+                            </p:childTnLst>
+                          </p:cTn>
+                        </p:par>
+                      </p:childTnLst>
+                    </p:cTn>
+                  </p:par>
+                  <p:par>
+                    <p:cTn id="33" fill="hold">
+                      <p:stCondLst>
+                        <p:cond delay="indefinite"/>
+                      </p:stCondLst>
+                      <p:childTnLst>
+                        <p:par>
+                          <p:cTn id="34" fill="hold">
+                            <p:stCondLst>
+                              <p:cond delay="0"/>
+                            </p:stCondLst>
+                            <p:childTnLst>
+                              <p:par>
+                                <p:cTn id="35" presetID="10" presetClass="entr" presetSubtype="0" fill="hold" grpId="0" nodeType="clickEffect">
+                                  <p:stCondLst>
+                                    <p:cond delay="0"/>
+                                  </p:stCondLst>
+                                  <p:childTnLst>
+                                    <p:set>
+                                      <p:cBhvr>
+                                        <p:cTn id="36" dur="1" fill="hold">
+                                          <p:stCondLst>
+                                            <p:cond delay="0"/>
+                                          </p:stCondLst>
+                                        </p:cTn>
+                                        <p:tgtEl>
+                                          <p:spTgt spid="2">
+                                            <p:txEl>
+                                              <p:pRg st="6" end="6"/>
+                                            </p:txEl>
+                                          </p:spTgt>
+                                        </p:tgtEl>
+                                        <p:attrNameLst>
+                                          <p:attrName>style.visibility</p:attrName>
+                                        </p:attrNameLst>
+                                      </p:cBhvr>
+                                      <p:to>
+                                        <p:strVal val="visible"/>
+                                      </p:to>
+                                    </p:set>
+                                    <p:animEffect transition="in" filter="fade">
+                                      <p:cBhvr>
+                                        <p:cTn id="37" dur="500"/>
+                                        <p:tgtEl>
+                                          <p:spTgt spid="2">
+                                            <p:txEl>
+                                              <p:pRg st="6" end="6"/>
+                                            </p:txEl>
+                                          </p:spTgt>
+                                        </p:tgtEl>
+                                      </p:cBhvr>
+                                    </p:animEffect>
+                                  </p:childTnLst>
+                                </p:cTn>
+                              </p:par>
+                            </p:childTnLst>
+                          </p:cTn>
+                        </p:par>
+                      </p:childTnLst>
+                    </p:cTn>
+                  </p:par>
+                </p:childTnLst>
+              </p:cTn>
+              <p:prevCondLst>
+                <p:cond evt="onPrev" delay="0">
+                  <p:tgtEl>
+                    <p:sldTgt/>
+                  </p:tgtEl>
+                </p:cond>
+              </p:prevCondLst>
+              <p:nextCondLst>
+                <p:cond evt="onNext" delay="0">
+                  <p:tgtEl>
+                    <p:sldTgt/>
+                  </p:tgtEl>
+                </p:cond>
+              </p:nextCondLst>
+            </p:seq>
+          </p:childTnLst>
+        </p:cTn>
+      </p:par>
+    </p:tnLst>
+    <p:bldLst>
+      <p:bldP spid="2" grpId="0" build="p"/>
+    </p:bldLst>
+  </p:timing>
+</p:sld>
+</file>
+
+<file path=ppt/slides/slide14.xml><?xml version="1.0" encoding="utf-8"?>
+<p:sld xmlns:a="http://schemas.openxmlformats.org/drawingml/2006/main" xmlns:r="http://schemas.openxmlformats.org/officeDocument/2006/relationships" xmlns:p="http://schemas.openxmlformats.org/presentationml/2006/main">
+  <p:cSld>
+    <p:spTree>
+      <p:nvGrpSpPr>
+        <p:cNvPr id="1" name=""/>
+        <p:cNvGrpSpPr/>
+        <p:nvPr/>
+      </p:nvGrpSpPr>
+      <p:grpSpPr>
+        <a:xfrm>
+          <a:off x="0" y="0"/>
+          <a:ext cx="0" cy="0"/>
+          <a:chOff x="0" y="0"/>
+          <a:chExt cx="0" cy="0"/>
+        </a:xfrm>
+      </p:grpSpPr>
+      <p:sp>
+        <p:nvSpPr>
+          <p:cNvPr id="2" name="Content Placeholder 1">
+            <a:extLst>
+              <a:ext uri="{FF2B5EF4-FFF2-40B4-BE49-F238E27FC236}">
+                <a16:creationId xmlns:a16="http://schemas.microsoft.com/office/drawing/2014/main" id="{212D753E-325F-4599-3779-F20D8D419E79}"/>
+              </a:ext>
+            </a:extLst>
+          </p:cNvPr>
+          <p:cNvSpPr>
+            <a:spLocks noGrp="1"/>
+          </p:cNvSpPr>
+          <p:nvPr>
+            <p:ph sz="quarter" idx="11"/>
+          </p:nvPr>
+        </p:nvSpPr>
+        <p:spPr/>
+        <p:txBody>
+          <a:bodyPr>
+            <a:normAutofit fontScale="55000" lnSpcReduction="20000"/>
+          </a:bodyPr>
+          <a:lstStyle/>
+          <a:p>
+            <a:pPr marL="457200" indent="-457200"/>
+            <a:r>
+              <a:rPr lang="en-US" sz="3300" dirty="0"/>
+              <a:t>Create a new file in the folder </a:t>
+            </a:r>
+            <a:r>
+              <a:rPr lang="en-US" sz="3300" dirty="0">
+                <a:latin typeface="Menlo" panose="020B0609030804020204" pitchFamily="49" charset="0"/>
+                <a:ea typeface="Menlo" panose="020B0609030804020204" pitchFamily="49" charset="0"/>
+                <a:cs typeface="Menlo" panose="020B0609030804020204" pitchFamily="49" charset="0"/>
+              </a:rPr>
+              <a:t>RR-workshops/text-analysis/chatty-documents</a:t>
+            </a:r>
+            <a:r>
+              <a:rPr lang="en-US" sz="3300" dirty="0"/>
+              <a:t>:</a:t>
+            </a:r>
+          </a:p>
+          <a:p>
+            <a:pPr marL="914400" lvl="1" indent="-457200"/>
+            <a:r>
+              <a:rPr lang="en-US" sz="2900" dirty="0"/>
+              <a:t>Navigate to the folder using the file explorer pane</a:t>
+            </a:r>
+          </a:p>
+          <a:p>
+            <a:pPr marL="914400" lvl="1" indent="-457200"/>
+            <a:r>
+              <a:rPr lang="en-US" sz="2900" dirty="0"/>
+              <a:t>Right-click in the empty area and select “New File”</a:t>
+            </a:r>
+          </a:p>
+          <a:p>
+            <a:pPr marL="914400" lvl="1" indent="-457200"/>
+            <a:r>
+              <a:rPr lang="en-US" sz="2900" dirty="0"/>
+              <a:t>Rename the file to “</a:t>
+            </a:r>
+            <a:r>
+              <a:rPr lang="en-US" sz="2900" dirty="0" err="1"/>
+              <a:t>secrets.env</a:t>
+            </a:r>
+            <a:r>
+              <a:rPr lang="en-US" sz="2900" dirty="0"/>
+              <a:t>” (make sure to also change the extension txt!)</a:t>
+            </a:r>
+          </a:p>
+          <a:p>
+            <a:pPr marL="457200" indent="-457200"/>
+            <a:r>
+              <a:rPr lang="en-US" sz="3300" dirty="0"/>
+              <a:t>Add the key to </a:t>
+            </a:r>
+            <a:r>
+              <a:rPr lang="en-US" sz="2500" dirty="0" err="1">
+                <a:latin typeface="Menlo" panose="020B0609030804020204" pitchFamily="49" charset="0"/>
+                <a:ea typeface="Menlo" panose="020B0609030804020204" pitchFamily="49" charset="0"/>
+                <a:cs typeface="Menlo" panose="020B0609030804020204" pitchFamily="49" charset="0"/>
+              </a:rPr>
+              <a:t>secrets.env</a:t>
+            </a:r>
+            <a:endParaRPr lang="en-US" sz="2500" dirty="0">
+              <a:latin typeface="Menlo" panose="020B0609030804020204" pitchFamily="49" charset="0"/>
+              <a:ea typeface="Menlo" panose="020B0609030804020204" pitchFamily="49" charset="0"/>
+              <a:cs typeface="Menlo" panose="020B0609030804020204" pitchFamily="49" charset="0"/>
+            </a:endParaRPr>
+          </a:p>
+          <a:p>
+            <a:pPr marL="914400" lvl="1" indent="-457200"/>
+            <a:r>
+              <a:rPr lang="en-US" sz="2900" dirty="0"/>
+              <a:t>Open the file by double-clicking</a:t>
+            </a:r>
+          </a:p>
+          <a:p>
+            <a:pPr marL="914400" lvl="1" indent="-457200"/>
+            <a:r>
+              <a:rPr lang="en-US" sz="2900" dirty="0"/>
+              <a:t>Add the following line (replacing everything between and including ”&lt;&gt;” with your key):</a:t>
+            </a:r>
+          </a:p>
+          <a:p>
+            <a:pPr marL="9525" lvl="2" indent="0" algn="ctr">
+              <a:buNone/>
+            </a:pPr>
+            <a:r>
+              <a:rPr lang="en-US" sz="2600" dirty="0">
+                <a:latin typeface="Menlo" panose="020B0609030804020204" pitchFamily="49" charset="0"/>
+                <a:ea typeface="Menlo" panose="020B0609030804020204" pitchFamily="49" charset="0"/>
+                <a:cs typeface="Menlo" panose="020B0609030804020204" pitchFamily="49" charset="0"/>
+              </a:rPr>
+              <a:t>OPENAI_API_KEY=“&lt;</a:t>
+            </a:r>
+            <a:r>
+              <a:rPr lang="en-US" sz="2600" dirty="0" err="1">
+                <a:latin typeface="Menlo" panose="020B0609030804020204" pitchFamily="49" charset="0"/>
+                <a:ea typeface="Menlo" panose="020B0609030804020204" pitchFamily="49" charset="0"/>
+                <a:cs typeface="Menlo" panose="020B0609030804020204" pitchFamily="49" charset="0"/>
+              </a:rPr>
+              <a:t>your_key_here</a:t>
+            </a:r>
+            <a:r>
+              <a:rPr lang="en-US" sz="2600" dirty="0">
+                <a:latin typeface="Menlo" panose="020B0609030804020204" pitchFamily="49" charset="0"/>
+                <a:ea typeface="Menlo" panose="020B0609030804020204" pitchFamily="49" charset="0"/>
+                <a:cs typeface="Menlo" panose="020B0609030804020204" pitchFamily="49" charset="0"/>
+              </a:rPr>
+              <a:t>&gt;”</a:t>
+            </a:r>
+          </a:p>
+          <a:p>
+            <a:pPr marL="914400" lvl="1" indent="-457200"/>
+            <a:r>
+              <a:rPr lang="en-US" sz="2900" dirty="0"/>
+              <a:t>For today’s session, you can use the key posted to the Zoom chat</a:t>
+            </a:r>
+          </a:p>
+          <a:p>
+            <a:pPr marL="457200" indent="-457200"/>
+            <a:r>
+              <a:rPr lang="en-US" sz="3300" dirty="0"/>
+              <a:t>We will read the file </a:t>
+            </a:r>
+            <a:r>
+              <a:rPr lang="en-US" sz="2500" dirty="0" err="1">
+                <a:latin typeface="Menlo" panose="020B0609030804020204" pitchFamily="49" charset="0"/>
+                <a:ea typeface="Menlo" panose="020B0609030804020204" pitchFamily="49" charset="0"/>
+                <a:cs typeface="Menlo" panose="020B0609030804020204" pitchFamily="49" charset="0"/>
+              </a:rPr>
+              <a:t>secrets.env</a:t>
+            </a:r>
+            <a:r>
+              <a:rPr lang="en-US" sz="2500" dirty="0">
+                <a:latin typeface="Menlo" panose="020B0609030804020204" pitchFamily="49" charset="0"/>
+                <a:ea typeface="Menlo" panose="020B0609030804020204" pitchFamily="49" charset="0"/>
+                <a:cs typeface="Menlo" panose="020B0609030804020204" pitchFamily="49" charset="0"/>
+              </a:rPr>
+              <a:t> </a:t>
+            </a:r>
+            <a:r>
+              <a:rPr lang="en-US" sz="3300" dirty="0"/>
+              <a:t>from the Python code and only refer to the key using the variable name</a:t>
+            </a:r>
+          </a:p>
+          <a:p>
+            <a:pPr marL="457200" indent="-457200"/>
+            <a:endParaRPr lang="en-US" dirty="0"/>
+          </a:p>
+        </p:txBody>
+      </p:sp>
+      <p:sp>
+        <p:nvSpPr>
+          <p:cNvPr id="3" name="Title 2">
+            <a:extLst>
+              <a:ext uri="{FF2B5EF4-FFF2-40B4-BE49-F238E27FC236}">
+                <a16:creationId xmlns:a16="http://schemas.microsoft.com/office/drawing/2014/main" id="{2C69C40C-46E1-AD8F-8BCB-CDC408E5157C}"/>
+              </a:ext>
+            </a:extLst>
+          </p:cNvPr>
+          <p:cNvSpPr>
+            <a:spLocks noGrp="1"/>
+          </p:cNvSpPr>
+          <p:nvPr>
+            <p:ph type="title"/>
+          </p:nvPr>
+        </p:nvSpPr>
+        <p:spPr/>
+        <p:txBody>
+          <a:bodyPr/>
+          <a:lstStyle/>
+          <a:p>
+            <a:r>
+              <a:rPr lang="en-US" dirty="0"/>
+              <a:t>Setting up the key in your environment on </a:t>
+            </a:r>
+            <a:r>
+              <a:rPr lang="en-US" dirty="0" err="1"/>
+              <a:t>JHub</a:t>
+            </a:r>
+            <a:endParaRPr lang="en-US" dirty="0"/>
+          </a:p>
+        </p:txBody>
+      </p:sp>
+      <p:sp>
+        <p:nvSpPr>
+          <p:cNvPr id="4" name="Footer Placeholder 3">
+            <a:extLst>
+              <a:ext uri="{FF2B5EF4-FFF2-40B4-BE49-F238E27FC236}">
+                <a16:creationId xmlns:a16="http://schemas.microsoft.com/office/drawing/2014/main" id="{C0209CC2-13D3-95FE-F813-FF5A037A302D}"/>
+              </a:ext>
+            </a:extLst>
+          </p:cNvPr>
+          <p:cNvSpPr>
+            <a:spLocks noGrp="1"/>
+          </p:cNvSpPr>
+          <p:nvPr>
+            <p:ph type="ftr" sz="quarter" idx="12"/>
+          </p:nvPr>
+        </p:nvSpPr>
+        <p:spPr/>
+        <p:txBody>
+          <a:bodyPr/>
+          <a:lstStyle/>
+          <a:p>
+            <a:r>
+              <a:rPr lang="en-AU"/>
+              <a:t>Chatty Documents</a:t>
+            </a:r>
+            <a:endParaRPr lang="en-AU" dirty="0"/>
+          </a:p>
+        </p:txBody>
+      </p:sp>
+      <p:sp>
+        <p:nvSpPr>
+          <p:cNvPr id="5" name="Slide Number Placeholder 4">
+            <a:extLst>
+              <a:ext uri="{FF2B5EF4-FFF2-40B4-BE49-F238E27FC236}">
+                <a16:creationId xmlns:a16="http://schemas.microsoft.com/office/drawing/2014/main" id="{A6DC4404-977A-47B0-B1F1-829C5EF5426C}"/>
+              </a:ext>
+            </a:extLst>
+          </p:cNvPr>
+          <p:cNvSpPr>
+            <a:spLocks noGrp="1"/>
+          </p:cNvSpPr>
+          <p:nvPr>
+            <p:ph type="sldNum" sz="quarter" idx="13"/>
+          </p:nvPr>
+        </p:nvSpPr>
+        <p:spPr/>
+        <p:txBody>
+          <a:bodyPr/>
+          <a:lstStyle/>
+          <a:p>
+            <a:fld id="{E917DE0E-AFB1-41FD-BC35-27DB61CA125F}" type="slidenum">
+              <a:rPr lang="en-AU" smtClean="0"/>
+              <a:pPr/>
+              <a:t>14</a:t>
+            </a:fld>
+            <a:endParaRPr lang="en-AU" dirty="0"/>
+          </a:p>
+        </p:txBody>
+      </p:sp>
+    </p:spTree>
+    <p:extLst>
+      <p:ext uri="{BB962C8B-B14F-4D97-AF65-F5344CB8AC3E}">
+        <p14:creationId xmlns:p14="http://schemas.microsoft.com/office/powerpoint/2010/main" val="472345475"/>
+      </p:ext>
+    </p:extLst>
+  </p:cSld>
+  <p:clrMapOvr>
+    <a:masterClrMapping/>
+  </p:clrMapOvr>
+  <mc:AlternateContent xmlns:mc="http://schemas.openxmlformats.org/markup-compatibility/2006" xmlns:p14="http://schemas.microsoft.com/office/powerpoint/2010/main">
+    <mc:Choice Requires="p14">
+      <p:transition spd="med" p14:dur="700">
+        <p:fade/>
+      </p:transition>
+    </mc:Choice>
+    <mc:Fallback xmlns="">
+      <p:transition spd="med">
+        <p:fade/>
+      </p:transition>
+    </mc:Fallback>
+  </mc:AlternateContent>
+  <p:timing>
+    <p:tnLst>
+      <p:par>
+        <p:cTn id="1" dur="indefinite" restart="never" nodeType="tmRoot">
+          <p:childTnLst>
+            <p:seq concurrent="1" nextAc="seek">
+              <p:cTn id="2" dur="indefinite" nodeType="mainSeq">
+                <p:childTnLst>
+                  <p:par>
+                    <p:cTn id="3" fill="hold">
+                      <p:stCondLst>
+                        <p:cond delay="indefinite"/>
+                      </p:stCondLst>
+                      <p:childTnLst>
+                        <p:par>
+                          <p:cTn id="4" fill="hold">
+                            <p:stCondLst>
+                              <p:cond delay="0"/>
+                            </p:stCondLst>
+                            <p:childTnLst>
+                              <p:par>
+                                <p:cTn id="5" presetID="10" presetClass="entr" presetSubtype="0" fill="hold" grpId="0" nodeType="clickEffect">
+                                  <p:stCondLst>
+                                    <p:cond delay="0"/>
+                                  </p:stCondLst>
+                                  <p:childTnLst>
+                                    <p:set>
+                                      <p:cBhvr>
+                                        <p:cTn id="6" dur="1" fill="hold">
+                                          <p:stCondLst>
+                                            <p:cond delay="0"/>
+                                          </p:stCondLst>
+                                        </p:cTn>
+                                        <p:tgtEl>
+                                          <p:spTgt spid="2">
+                                            <p:txEl>
+                                              <p:pRg st="0" end="0"/>
+                                            </p:txEl>
+                                          </p:spTgt>
+                                        </p:tgtEl>
+                                        <p:attrNameLst>
+                                          <p:attrName>style.visibility</p:attrName>
+                                        </p:attrNameLst>
+                                      </p:cBhvr>
+                                      <p:to>
+                                        <p:strVal val="visible"/>
+                                      </p:to>
+                                    </p:set>
+                                    <p:animEffect transition="in" filter="fade">
+                                      <p:cBhvr>
+                                        <p:cTn id="7" dur="500"/>
+                                        <p:tgtEl>
+                                          <p:spTgt spid="2">
+                                            <p:txEl>
+                                              <p:pRg st="0" end="0"/>
+                                            </p:txEl>
+                                          </p:spTgt>
+                                        </p:tgtEl>
+                                      </p:cBhvr>
+                                    </p:animEffect>
+                                  </p:childTnLst>
+                                </p:cTn>
+                              </p:par>
+                              <p:par>
+                                <p:cTn id="8" presetID="10" presetClass="entr" presetSubtype="0" fill="hold" grpId="0" nodeType="withEffect">
+                                  <p:stCondLst>
+                                    <p:cond delay="0"/>
+                                  </p:stCondLst>
+                                  <p:childTnLst>
+                                    <p:set>
+                                      <p:cBhvr>
+                                        <p:cTn id="9" dur="1" fill="hold">
+                                          <p:stCondLst>
+                                            <p:cond delay="0"/>
+                                          </p:stCondLst>
+                                        </p:cTn>
+                                        <p:tgtEl>
+                                          <p:spTgt spid="2">
+                                            <p:txEl>
+                                              <p:pRg st="1" end="1"/>
+                                            </p:txEl>
+                                          </p:spTgt>
+                                        </p:tgtEl>
+                                        <p:attrNameLst>
+                                          <p:attrName>style.visibility</p:attrName>
+                                        </p:attrNameLst>
+                                      </p:cBhvr>
+                                      <p:to>
+                                        <p:strVal val="visible"/>
+                                      </p:to>
+                                    </p:set>
+                                    <p:animEffect transition="in" filter="fade">
+                                      <p:cBhvr>
+                                        <p:cTn id="10" dur="500"/>
+                                        <p:tgtEl>
+                                          <p:spTgt spid="2">
+                                            <p:txEl>
+                                              <p:pRg st="1" end="1"/>
+                                            </p:txEl>
+                                          </p:spTgt>
+                                        </p:tgtEl>
+                                      </p:cBhvr>
+                                    </p:animEffect>
+                                  </p:childTnLst>
+                                </p:cTn>
+                              </p:par>
+                              <p:par>
+                                <p:cTn id="11" presetID="10" presetClass="entr" presetSubtype="0" fill="hold" grpId="0" nodeType="withEffect">
+                                  <p:stCondLst>
+                                    <p:cond delay="0"/>
+                                  </p:stCondLst>
+                                  <p:childTnLst>
+                                    <p:set>
+                                      <p:cBhvr>
+                                        <p:cTn id="12" dur="1" fill="hold">
+                                          <p:stCondLst>
+                                            <p:cond delay="0"/>
+                                          </p:stCondLst>
+                                        </p:cTn>
+                                        <p:tgtEl>
+                                          <p:spTgt spid="2">
+                                            <p:txEl>
+                                              <p:pRg st="2" end="2"/>
+                                            </p:txEl>
+                                          </p:spTgt>
+                                        </p:tgtEl>
+                                        <p:attrNameLst>
+                                          <p:attrName>style.visibility</p:attrName>
+                                        </p:attrNameLst>
+                                      </p:cBhvr>
+                                      <p:to>
+                                        <p:strVal val="visible"/>
+                                      </p:to>
+                                    </p:set>
+                                    <p:animEffect transition="in" filter="fade">
+                                      <p:cBhvr>
+                                        <p:cTn id="13" dur="500"/>
+                                        <p:tgtEl>
+                                          <p:spTgt spid="2">
+                                            <p:txEl>
+                                              <p:pRg st="2" end="2"/>
+                                            </p:txEl>
+                                          </p:spTgt>
+                                        </p:tgtEl>
+                                      </p:cBhvr>
+                                    </p:animEffect>
+                                  </p:childTnLst>
+                                </p:cTn>
+                              </p:par>
+                              <p:par>
+                                <p:cTn id="14" presetID="10" presetClass="entr" presetSubtype="0" fill="hold" grpId="0" nodeType="withEffect">
+                                  <p:stCondLst>
+                                    <p:cond delay="0"/>
+                                  </p:stCondLst>
+                                  <p:childTnLst>
+                                    <p:set>
+                                      <p:cBhvr>
+                                        <p:cTn id="15" dur="1" fill="hold">
+                                          <p:stCondLst>
+                                            <p:cond delay="0"/>
+                                          </p:stCondLst>
+                                        </p:cTn>
+                                        <p:tgtEl>
+                                          <p:spTgt spid="2">
+                                            <p:txEl>
+                                              <p:pRg st="3" end="3"/>
+                                            </p:txEl>
+                                          </p:spTgt>
+                                        </p:tgtEl>
+                                        <p:attrNameLst>
+                                          <p:attrName>style.visibility</p:attrName>
+                                        </p:attrNameLst>
+                                      </p:cBhvr>
+                                      <p:to>
+                                        <p:strVal val="visible"/>
+                                      </p:to>
+                                    </p:set>
+                                    <p:animEffect transition="in" filter="fade">
+                                      <p:cBhvr>
+                                        <p:cTn id="16" dur="500"/>
+                                        <p:tgtEl>
+                                          <p:spTgt spid="2">
+                                            <p:txEl>
+                                              <p:pRg st="3" end="3"/>
+                                            </p:txEl>
+                                          </p:spTgt>
+                                        </p:tgtEl>
+                                      </p:cBhvr>
+                                    </p:animEffect>
+                                  </p:childTnLst>
+                                </p:cTn>
+                              </p:par>
+                            </p:childTnLst>
+                          </p:cTn>
+                        </p:par>
+                      </p:childTnLst>
+                    </p:cTn>
+                  </p:par>
+                  <p:par>
+                    <p:cTn id="17" fill="hold">
+                      <p:stCondLst>
+                        <p:cond delay="indefinite"/>
+                      </p:stCondLst>
+                      <p:childTnLst>
+                        <p:par>
+                          <p:cTn id="18" fill="hold">
+                            <p:stCondLst>
+                              <p:cond delay="0"/>
+                            </p:stCondLst>
+                            <p:childTnLst>
+                              <p:par>
+                                <p:cTn id="19" presetID="10" presetClass="entr" presetSubtype="0" fill="hold" grpId="0" nodeType="clickEffect">
+                                  <p:stCondLst>
+                                    <p:cond delay="0"/>
+                                  </p:stCondLst>
+                                  <p:childTnLst>
+                                    <p:set>
+                                      <p:cBhvr>
+                                        <p:cTn id="20" dur="1" fill="hold">
+                                          <p:stCondLst>
+                                            <p:cond delay="0"/>
+                                          </p:stCondLst>
+                                        </p:cTn>
+                                        <p:tgtEl>
+                                          <p:spTgt spid="2">
+                                            <p:txEl>
+                                              <p:pRg st="4" end="4"/>
+                                            </p:txEl>
+                                          </p:spTgt>
+                                        </p:tgtEl>
+                                        <p:attrNameLst>
+                                          <p:attrName>style.visibility</p:attrName>
+                                        </p:attrNameLst>
+                                      </p:cBhvr>
+                                      <p:to>
+                                        <p:strVal val="visible"/>
+                                      </p:to>
+                                    </p:set>
+                                    <p:animEffect transition="in" filter="fade">
+                                      <p:cBhvr>
+                                        <p:cTn id="21" dur="500"/>
+                                        <p:tgtEl>
+                                          <p:spTgt spid="2">
+                                            <p:txEl>
+                                              <p:pRg st="4" end="4"/>
+                                            </p:txEl>
+                                          </p:spTgt>
+                                        </p:tgtEl>
+                                      </p:cBhvr>
+                                    </p:animEffect>
+                                  </p:childTnLst>
+                                </p:cTn>
+                              </p:par>
+                              <p:par>
+                                <p:cTn id="22" presetID="10" presetClass="entr" presetSubtype="0" fill="hold" grpId="0" nodeType="withEffect">
+                                  <p:stCondLst>
+                                    <p:cond delay="0"/>
+                                  </p:stCondLst>
+                                  <p:childTnLst>
+                                    <p:set>
+                                      <p:cBhvr>
+                                        <p:cTn id="23" dur="1" fill="hold">
+                                          <p:stCondLst>
+                                            <p:cond delay="0"/>
+                                          </p:stCondLst>
+                                        </p:cTn>
+                                        <p:tgtEl>
+                                          <p:spTgt spid="2">
+                                            <p:txEl>
+                                              <p:pRg st="5" end="5"/>
+                                            </p:txEl>
+                                          </p:spTgt>
+                                        </p:tgtEl>
+                                        <p:attrNameLst>
+                                          <p:attrName>style.visibility</p:attrName>
+                                        </p:attrNameLst>
+                                      </p:cBhvr>
+                                      <p:to>
+                                        <p:strVal val="visible"/>
+                                      </p:to>
+                                    </p:set>
+                                    <p:animEffect transition="in" filter="fade">
+                                      <p:cBhvr>
+                                        <p:cTn id="24" dur="500"/>
+                                        <p:tgtEl>
+                                          <p:spTgt spid="2">
+                                            <p:txEl>
+                                              <p:pRg st="5" end="5"/>
+                                            </p:txEl>
+                                          </p:spTgt>
+                                        </p:tgtEl>
+                                      </p:cBhvr>
+                                    </p:animEffect>
+                                  </p:childTnLst>
+                                </p:cTn>
+                              </p:par>
+                              <p:par>
+                                <p:cTn id="25" presetID="10" presetClass="entr" presetSubtype="0" fill="hold" grpId="0" nodeType="withEffect">
+                                  <p:stCondLst>
+                                    <p:cond delay="0"/>
+                                  </p:stCondLst>
+                                  <p:childTnLst>
+                                    <p:set>
+                                      <p:cBhvr>
+                                        <p:cTn id="26" dur="1" fill="hold">
+                                          <p:stCondLst>
+                                            <p:cond delay="0"/>
+                                          </p:stCondLst>
+                                        </p:cTn>
+                                        <p:tgtEl>
+                                          <p:spTgt spid="2">
+                                            <p:txEl>
+                                              <p:pRg st="6" end="6"/>
+                                            </p:txEl>
+                                          </p:spTgt>
+                                        </p:tgtEl>
+                                        <p:attrNameLst>
+                                          <p:attrName>style.visibility</p:attrName>
+                                        </p:attrNameLst>
+                                      </p:cBhvr>
+                                      <p:to>
+                                        <p:strVal val="visible"/>
+                                      </p:to>
+                                    </p:set>
+                                    <p:animEffect transition="in" filter="fade">
+                                      <p:cBhvr>
+                                        <p:cTn id="27" dur="500"/>
+                                        <p:tgtEl>
+                                          <p:spTgt spid="2">
+                                            <p:txEl>
+                                              <p:pRg st="6" end="6"/>
+                                            </p:txEl>
+                                          </p:spTgt>
+                                        </p:tgtEl>
+                                      </p:cBhvr>
+                                    </p:animEffect>
+                                  </p:childTnLst>
+                                </p:cTn>
+                              </p:par>
+                              <p:par>
+                                <p:cTn id="28" presetID="10" presetClass="entr" presetSubtype="0" fill="hold" grpId="0" nodeType="withEffect">
+                                  <p:stCondLst>
+                                    <p:cond delay="0"/>
+                                  </p:stCondLst>
+                                  <p:childTnLst>
+                                    <p:set>
+                                      <p:cBhvr>
+                                        <p:cTn id="29" dur="1" fill="hold">
+                                          <p:stCondLst>
+                                            <p:cond delay="0"/>
+                                          </p:stCondLst>
+                                        </p:cTn>
+                                        <p:tgtEl>
+                                          <p:spTgt spid="2">
+                                            <p:txEl>
+                                              <p:pRg st="7" end="7"/>
+                                            </p:txEl>
+                                          </p:spTgt>
+                                        </p:tgtEl>
+                                        <p:attrNameLst>
+                                          <p:attrName>style.visibility</p:attrName>
+                                        </p:attrNameLst>
+                                      </p:cBhvr>
+                                      <p:to>
+                                        <p:strVal val="visible"/>
+                                      </p:to>
+                                    </p:set>
+                                    <p:animEffect transition="in" filter="fade">
+                                      <p:cBhvr>
+                                        <p:cTn id="30" dur="500"/>
+                                        <p:tgtEl>
+                                          <p:spTgt spid="2">
+                                            <p:txEl>
+                                              <p:pRg st="7" end="7"/>
+                                            </p:txEl>
+                                          </p:spTgt>
+                                        </p:tgtEl>
+                                      </p:cBhvr>
+                                    </p:animEffect>
+                                  </p:childTnLst>
+                                </p:cTn>
+                              </p:par>
+                              <p:par>
+                                <p:cTn id="31" presetID="10" presetClass="entr" presetSubtype="0" fill="hold" grpId="0" nodeType="withEffect">
+                                  <p:stCondLst>
+                                    <p:cond delay="0"/>
+                                  </p:stCondLst>
+                                  <p:childTnLst>
+                                    <p:set>
+                                      <p:cBhvr>
+                                        <p:cTn id="32" dur="1" fill="hold">
+                                          <p:stCondLst>
+                                            <p:cond delay="0"/>
+                                          </p:stCondLst>
+                                        </p:cTn>
+                                        <p:tgtEl>
+                                          <p:spTgt spid="2">
+                                            <p:txEl>
+                                              <p:pRg st="8" end="8"/>
+                                            </p:txEl>
+                                          </p:spTgt>
+                                        </p:tgtEl>
+                                        <p:attrNameLst>
+                                          <p:attrName>style.visibility</p:attrName>
+                                        </p:attrNameLst>
+                                      </p:cBhvr>
+                                      <p:to>
+                                        <p:strVal val="visible"/>
+                                      </p:to>
+                                    </p:set>
+                                    <p:animEffect transition="in" filter="fade">
+                                      <p:cBhvr>
+                                        <p:cTn id="33" dur="500"/>
+                                        <p:tgtEl>
+                                          <p:spTgt spid="2">
+                                            <p:txEl>
+                                              <p:pRg st="8" end="8"/>
+                                            </p:txEl>
+                                          </p:spTgt>
+                                        </p:tgtEl>
+                                      </p:cBhvr>
+                                    </p:animEffect>
+                                  </p:childTnLst>
+                                </p:cTn>
+                              </p:par>
+                            </p:childTnLst>
+                          </p:cTn>
+                        </p:par>
+                      </p:childTnLst>
+                    </p:cTn>
+                  </p:par>
+                  <p:par>
+                    <p:cTn id="34" fill="hold">
+                      <p:stCondLst>
+                        <p:cond delay="indefinite"/>
+                      </p:stCondLst>
+                      <p:childTnLst>
+                        <p:par>
+                          <p:cTn id="35" fill="hold">
+                            <p:stCondLst>
+                              <p:cond delay="0"/>
+                            </p:stCondLst>
+                            <p:childTnLst>
+                              <p:par>
+                                <p:cTn id="36" presetID="10" presetClass="entr" presetSubtype="0" fill="hold" grpId="0" nodeType="clickEffect">
+                                  <p:stCondLst>
+                                    <p:cond delay="0"/>
+                                  </p:stCondLst>
+                                  <p:childTnLst>
+                                    <p:set>
+                                      <p:cBhvr>
+                                        <p:cTn id="37" dur="1" fill="hold">
+                                          <p:stCondLst>
+                                            <p:cond delay="0"/>
+                                          </p:stCondLst>
+                                        </p:cTn>
+                                        <p:tgtEl>
+                                          <p:spTgt spid="2">
+                                            <p:txEl>
+                                              <p:pRg st="9" end="9"/>
+                                            </p:txEl>
+                                          </p:spTgt>
+                                        </p:tgtEl>
+                                        <p:attrNameLst>
+                                          <p:attrName>style.visibility</p:attrName>
+                                        </p:attrNameLst>
+                                      </p:cBhvr>
+                                      <p:to>
+                                        <p:strVal val="visible"/>
+                                      </p:to>
+                                    </p:set>
+                                    <p:animEffect transition="in" filter="fade">
+                                      <p:cBhvr>
+                                        <p:cTn id="38" dur="500"/>
+                                        <p:tgtEl>
+                                          <p:spTgt spid="2">
+                                            <p:txEl>
+                                              <p:pRg st="9" end="9"/>
+                                            </p:txEl>
+                                          </p:spTgt>
+                                        </p:tgtEl>
+                                      </p:cBhvr>
+                                    </p:animEffect>
+                                  </p:childTnLst>
+                                </p:cTn>
+                              </p:par>
+                            </p:childTnLst>
+                          </p:cTn>
+                        </p:par>
+                      </p:childTnLst>
+                    </p:cTn>
+                  </p:par>
+                </p:childTnLst>
+              </p:cTn>
+              <p:prevCondLst>
+                <p:cond evt="onPrev" delay="0">
+                  <p:tgtEl>
+                    <p:sldTgt/>
+                  </p:tgtEl>
+                </p:cond>
+              </p:prevCondLst>
+              <p:nextCondLst>
+                <p:cond evt="onNext" delay="0">
+                  <p:tgtEl>
+                    <p:sldTgt/>
+                  </p:tgtEl>
+                </p:cond>
+              </p:nextCondLst>
+            </p:seq>
+          </p:childTnLst>
+        </p:cTn>
+      </p:par>
+    </p:tnLst>
+    <p:bldLst>
+      <p:bldP spid="2" grpId="0" build="p"/>
+    </p:bldLst>
+  </p:timing>
+</p:sld>
+</file>
+
+<file path=ppt/slides/slide15.xml><?xml version="1.0" encoding="utf-8"?>
+<p:sld xmlns:a="http://schemas.openxmlformats.org/drawingml/2006/main" xmlns:r="http://schemas.openxmlformats.org/officeDocument/2006/relationships" xmlns:p="http://schemas.openxmlformats.org/presentationml/2006/main">
+  <p:cSld>
+    <p:spTree>
+      <p:nvGrpSpPr>
+        <p:cNvPr id="1" name=""/>
+        <p:cNvGrpSpPr/>
+        <p:nvPr/>
+      </p:nvGrpSpPr>
+      <p:grpSpPr>
+        <a:xfrm>
+          <a:off x="0" y="0"/>
+          <a:ext cx="0" cy="0"/>
+          <a:chOff x="0" y="0"/>
+          <a:chExt cx="0" cy="0"/>
+        </a:xfrm>
+      </p:grpSpPr>
+      <p:sp>
+        <p:nvSpPr>
+          <p:cNvPr id="2" name="Content Placeholder 1">
+            <a:extLst>
+              <a:ext uri="{FF2B5EF4-FFF2-40B4-BE49-F238E27FC236}">
+                <a16:creationId xmlns:a16="http://schemas.microsoft.com/office/drawing/2014/main" id="{98EC427A-EFB4-BE17-DCA6-39CCE7D47588}"/>
+              </a:ext>
+            </a:extLst>
+          </p:cNvPr>
+          <p:cNvSpPr>
+            <a:spLocks noGrp="1"/>
+          </p:cNvSpPr>
+          <p:nvPr>
+            <p:ph sz="quarter" idx="11"/>
+          </p:nvPr>
+        </p:nvSpPr>
+        <p:spPr>
+          <a:xfrm>
+            <a:off x="319053" y="2323089"/>
+            <a:ext cx="11546007" cy="4127303"/>
+          </a:xfrm>
+        </p:spPr>
+        <p:txBody>
+          <a:bodyPr>
+            <a:normAutofit/>
+          </a:bodyPr>
+          <a:lstStyle/>
+          <a:p>
+            <a:pPr marL="409575" indent="-409575">
+              <a:buSzPct val="80000"/>
+              <a:buFont typeface="System Font Regular"/>
+              <a:buChar char="🚀"/>
+            </a:pPr>
+            <a:r>
+              <a:rPr lang="en-US" dirty="0"/>
+              <a:t>LLMs are a foundational technology</a:t>
+            </a:r>
+          </a:p>
+          <a:p>
+            <a:pPr marL="409575" indent="-400050">
+              <a:buSzPct val="80000"/>
+              <a:buFont typeface="System Font Regular"/>
+              <a:buChar char="📚"/>
+            </a:pPr>
+            <a:r>
+              <a:rPr lang="en-US" dirty="0"/>
+              <a:t>They are a great tool for text processing</a:t>
+            </a:r>
+          </a:p>
+          <a:p>
+            <a:pPr marL="409575" indent="-400050">
+              <a:buSzPct val="80000"/>
+              <a:buFont typeface="System Font Regular"/>
+              <a:buChar char="🤯"/>
+            </a:pPr>
+            <a:r>
+              <a:rPr lang="en-US" dirty="0"/>
+              <a:t>We have mature libraries available to quickly create complex applications involving LLMs</a:t>
+            </a:r>
+          </a:p>
+          <a:p>
+            <a:pPr marL="466725" indent="-457200">
+              <a:buSzPct val="80000"/>
+              <a:buFont typeface="System Font Regular"/>
+              <a:buChar char="🐜"/>
+            </a:pPr>
+            <a:r>
+              <a:rPr lang="en-US" dirty="0"/>
+              <a:t>Smaller LLMs can be used entirely locally</a:t>
+            </a:r>
+          </a:p>
+          <a:p>
+            <a:pPr marL="466725" indent="-457200">
+              <a:buSzPct val="80000"/>
+              <a:buFont typeface="System Font Regular"/>
+              <a:buChar char="🛠️"/>
+            </a:pPr>
+            <a:r>
+              <a:rPr lang="en-US" dirty="0"/>
+              <a:t>LLMs add a completely new, very powerful tool to our belt</a:t>
+            </a:r>
+          </a:p>
+          <a:p>
+            <a:pPr marL="0" indent="0">
+              <a:buNone/>
+            </a:pPr>
+            <a:endParaRPr lang="en-US" dirty="0"/>
+          </a:p>
+        </p:txBody>
+      </p:sp>
+      <p:sp>
+        <p:nvSpPr>
+          <p:cNvPr id="3" name="Title 2">
+            <a:extLst>
+              <a:ext uri="{FF2B5EF4-FFF2-40B4-BE49-F238E27FC236}">
+                <a16:creationId xmlns:a16="http://schemas.microsoft.com/office/drawing/2014/main" id="{F65075DB-54AE-64BA-8DFE-00EC9B4F05EE}"/>
+              </a:ext>
+            </a:extLst>
+          </p:cNvPr>
+          <p:cNvSpPr>
+            <a:spLocks noGrp="1"/>
+          </p:cNvSpPr>
+          <p:nvPr>
+            <p:ph type="title"/>
+          </p:nvPr>
+        </p:nvSpPr>
+        <p:spPr/>
+        <p:txBody>
+          <a:bodyPr/>
+          <a:lstStyle/>
+          <a:p>
+            <a:r>
+              <a:rPr lang="en-US" dirty="0"/>
+              <a:t>Takeaways</a:t>
+            </a:r>
+          </a:p>
+        </p:txBody>
+      </p:sp>
+      <p:sp>
+        <p:nvSpPr>
+          <p:cNvPr id="4" name="Footer Placeholder 3">
+            <a:extLst>
+              <a:ext uri="{FF2B5EF4-FFF2-40B4-BE49-F238E27FC236}">
+                <a16:creationId xmlns:a16="http://schemas.microsoft.com/office/drawing/2014/main" id="{D7654574-7436-2FE7-C4FD-FD18A5AB5C4A}"/>
+              </a:ext>
+            </a:extLst>
+          </p:cNvPr>
+          <p:cNvSpPr>
+            <a:spLocks noGrp="1"/>
+          </p:cNvSpPr>
+          <p:nvPr>
+            <p:ph type="ftr" sz="quarter" idx="12"/>
+          </p:nvPr>
+        </p:nvSpPr>
+        <p:spPr/>
+        <p:txBody>
+          <a:bodyPr/>
+          <a:lstStyle/>
+          <a:p>
+            <a:r>
+              <a:rPr lang="en-AU"/>
+              <a:t>Chatty Documents</a:t>
+            </a:r>
+            <a:endParaRPr lang="en-AU" dirty="0"/>
+          </a:p>
+        </p:txBody>
+      </p:sp>
+      <p:sp>
+        <p:nvSpPr>
+          <p:cNvPr id="5" name="Slide Number Placeholder 4">
+            <a:extLst>
+              <a:ext uri="{FF2B5EF4-FFF2-40B4-BE49-F238E27FC236}">
+                <a16:creationId xmlns:a16="http://schemas.microsoft.com/office/drawing/2014/main" id="{4FEFBEBE-22FC-85B9-CF9D-E7F4206BE9BB}"/>
+              </a:ext>
+            </a:extLst>
+          </p:cNvPr>
+          <p:cNvSpPr>
+            <a:spLocks noGrp="1"/>
+          </p:cNvSpPr>
+          <p:nvPr>
+            <p:ph type="sldNum" sz="quarter" idx="13"/>
+          </p:nvPr>
+        </p:nvSpPr>
+        <p:spPr/>
+        <p:txBody>
+          <a:bodyPr/>
+          <a:lstStyle/>
+          <a:p>
+            <a:fld id="{E917DE0E-AFB1-41FD-BC35-27DB61CA125F}" type="slidenum">
+              <a:rPr lang="en-AU" smtClean="0"/>
+              <a:pPr/>
+              <a:t>15</a:t>
+            </a:fld>
+            <a:endParaRPr lang="en-AU" dirty="0"/>
+          </a:p>
+        </p:txBody>
+      </p:sp>
+    </p:spTree>
+    <p:extLst>
+      <p:ext uri="{BB962C8B-B14F-4D97-AF65-F5344CB8AC3E}">
+        <p14:creationId xmlns:p14="http://schemas.microsoft.com/office/powerpoint/2010/main" val="4109674286"/>
+      </p:ext>
+    </p:extLst>
+  </p:cSld>
+  <p:clrMapOvr>
+    <a:masterClrMapping/>
+  </p:clrMapOvr>
+  <mc:AlternateContent xmlns:mc="http://schemas.openxmlformats.org/markup-compatibility/2006" xmlns:p14="http://schemas.microsoft.com/office/powerpoint/2010/main">
+    <mc:Choice Requires="p14">
+      <p:transition spd="med" p14:dur="700">
+        <p:fade/>
+      </p:transition>
+    </mc:Choice>
+    <mc:Fallback xmlns="">
+      <p:transition spd="med">
+        <p:fade/>
+      </p:transition>
+    </mc:Fallback>
+  </mc:AlternateContent>
   <p:timing>
     <p:tnLst>
       <p:par>
@@ -11714,7 +14490,7 @@
 </p:sld>
 </file>
 
-<file path=ppt/slides/slide12.xml><?xml version="1.0" encoding="utf-8"?>
+<file path=ppt/slides/slide16.xml><?xml version="1.0" encoding="utf-8"?>
 <p:sld xmlns:a="http://schemas.openxmlformats.org/drawingml/2006/main" xmlns:r="http://schemas.openxmlformats.org/officeDocument/2006/relationships" xmlns:p="http://schemas.openxmlformats.org/presentationml/2006/main">
   <p:cSld>
     <p:spTree>
@@ -11736,7 +14512,7 @@
           <p:cNvPr id="2" name="Content Placeholder 1">
             <a:extLst>
               <a:ext uri="{FF2B5EF4-FFF2-40B4-BE49-F238E27FC236}">
-                <a16:creationId xmlns:a16="http://schemas.microsoft.com/office/drawing/2014/main" id="{27BF64D7-8FF1-F778-4E25-BC990AAA8BEB}"/>
+                <a16:creationId xmlns:a16="http://schemas.microsoft.com/office/drawing/2014/main" id="{400A09A0-9830-F3BD-46FB-DF2359A827F8}"/>
               </a:ext>
             </a:extLst>
           </p:cNvPr>
@@ -11747,95 +14523,71 @@
             <p:ph sz="quarter" idx="11"/>
           </p:nvPr>
         </p:nvSpPr>
-        <p:spPr>
-          <a:xfrm>
-            <a:off x="321508" y="2365638"/>
-            <a:ext cx="7755692" cy="4127303"/>
-          </a:xfrm>
-        </p:spPr>
+        <p:spPr/>
         <p:txBody>
           <a:bodyPr>
             <a:normAutofit/>
           </a:bodyPr>
           <a:lstStyle/>
           <a:p>
-            <a:pPr marL="457200" indent="-457200"/>
+            <a:pPr marL="457200" indent="-457200">
+              <a:buSzPct val="80000"/>
+              <a:buFont typeface="System Font Regular"/>
+              <a:buChar char="💬"/>
+            </a:pPr>
+            <a:r>
+              <a:rPr lang="en-US" dirty="0"/>
+              <a:t>Browse prompts for all kinds of applications: </a:t>
+            </a:r>
             <a:r>
               <a:rPr lang="en-US" dirty="0">
-                <a:solidFill>
-                  <a:schemeClr val="accent6">
-                    <a:lumMod val="50000"/>
-                  </a:schemeClr>
-                </a:solidFill>
-              </a:rPr>
-              <a:t>Platform: </a:t>
-            </a:r>
-            <a:r>
-              <a:rPr lang="en-US" dirty="0">
-                <a:latin typeface="National 2" panose="020B0504030502020203" pitchFamily="34" charset="77"/>
                 <a:hlinkClick r:id="rId2"/>
               </a:rPr>
-              <a:t>https://jhub.Dartmouth.edu</a:t>
-            </a:r>
-            <a:endParaRPr lang="en-US" dirty="0">
-              <a:latin typeface="National 2" panose="020B0504030502020203" pitchFamily="34" charset="77"/>
-            </a:endParaRPr>
-          </a:p>
-          <a:p>
-            <a:pPr marL="457200" indent="-457200"/>
+              <a:t>https://smith.langchain.com/hub</a:t>
+            </a:r>
+            <a:r>
+              <a:rPr lang="en-US" dirty="0"/>
+              <a:t>	</a:t>
+            </a:r>
+          </a:p>
+          <a:p>
+            <a:pPr marL="457200" indent="-457200">
+              <a:buSzPct val="80000"/>
+              <a:buFont typeface="System Font Regular"/>
+              <a:buChar char="🧑‍💻"/>
+            </a:pPr>
+            <a:r>
+              <a:rPr lang="en-US" dirty="0"/>
+              <a:t>Create a UI for your application using </a:t>
+            </a:r>
             <a:r>
               <a:rPr lang="en-US" dirty="0">
-                <a:latin typeface="National 2 Medium" panose="020B0504030502020203" pitchFamily="34" charset="77"/>
-              </a:rPr>
-              <a:t>Python</a:t>
-            </a:r>
-            <a:r>
-              <a:rPr lang="en-US" dirty="0">
-                <a:solidFill>
-                  <a:schemeClr val="accent6">
-                    <a:lumMod val="50000"/>
-                  </a:schemeClr>
-                </a:solidFill>
-              </a:rPr>
-              <a:t> </a:t>
-            </a:r>
-          </a:p>
-          <a:p>
-            <a:pPr marL="457200" indent="-457200"/>
-            <a:endParaRPr lang="en-US" dirty="0">
-              <a:solidFill>
-                <a:schemeClr val="accent6">
-                  <a:lumMod val="50000"/>
-                </a:schemeClr>
-              </a:solidFill>
-            </a:endParaRPr>
-          </a:p>
-          <a:p>
-            <a:pPr marL="457200" indent="-457200"/>
-            <a:r>
-              <a:rPr lang="en-US" dirty="0">
-                <a:solidFill>
-                  <a:schemeClr val="accent6">
-                    <a:lumMod val="50000"/>
-                  </a:schemeClr>
-                </a:solidFill>
-              </a:rPr>
-              <a:t>Materials: </a:t>
-            </a:r>
-            <a:r>
-              <a:rPr lang="en-US" dirty="0">
-                <a:latin typeface="National 2 Medium" panose="020B0504030502020203" pitchFamily="34" charset="77"/>
                 <a:hlinkClick r:id="rId3"/>
               </a:rPr>
-              <a:t>www.dartgo.org/rr-apis-in-python</a:t>
-            </a:r>
-            <a:endParaRPr lang="en-US" dirty="0">
-              <a:latin typeface="National 2 Medium" panose="020B0504030502020203" pitchFamily="34" charset="77"/>
-            </a:endParaRPr>
-          </a:p>
-          <a:p>
-            <a:pPr marL="457200" indent="-457200"/>
+              <a:t>Streamlit</a:t>
+            </a:r>
             <a:endParaRPr lang="en-US" dirty="0"/>
+          </a:p>
+          <a:p>
+            <a:pPr marL="457200" indent="-457200">
+              <a:buSzPct val="80000"/>
+              <a:buFont typeface="System Font Regular"/>
+              <a:buChar char="🤖"/>
+            </a:pPr>
+            <a:r>
+              <a:rPr lang="en-US" dirty="0"/>
+              <a:t>Try out more models by </a:t>
+            </a:r>
+            <a:r>
+              <a:rPr lang="en-US" dirty="0">
+                <a:hlinkClick r:id="rId4"/>
+              </a:rPr>
+              <a:t>GPT4All</a:t>
+            </a:r>
+            <a:r>
+              <a:rPr lang="en-US" dirty="0"/>
+              <a:t> for different use cases</a:t>
+            </a:r>
           </a:p>
         </p:txBody>
       </p:sp>
@@ -11844,7 +14596,7 @@
           <p:cNvPr id="3" name="Title 2">
             <a:extLst>
               <a:ext uri="{FF2B5EF4-FFF2-40B4-BE49-F238E27FC236}">
-                <a16:creationId xmlns:a16="http://schemas.microsoft.com/office/drawing/2014/main" id="{E1596C84-A306-B189-CDA1-74458B43CBD8}"/>
+                <a16:creationId xmlns:a16="http://schemas.microsoft.com/office/drawing/2014/main" id="{F9B9B45F-005C-FAB6-7CE1-D5A9B5742CC1}"/>
               </a:ext>
             </a:extLst>
           </p:cNvPr>
@@ -11862,7 +14614,7 @@
           <a:p>
             <a:r>
               <a:rPr lang="en-US" dirty="0"/>
-              <a:t>What we will work with in this workshop</a:t>
+              <a:t>Next steps</a:t>
             </a:r>
           </a:p>
         </p:txBody>
@@ -11872,7 +14624,7 @@
           <p:cNvPr id="4" name="Footer Placeholder 3">
             <a:extLst>
               <a:ext uri="{FF2B5EF4-FFF2-40B4-BE49-F238E27FC236}">
-                <a16:creationId xmlns:a16="http://schemas.microsoft.com/office/drawing/2014/main" id="{8AB0CDEB-4997-14D9-3B11-92B6181671E9}"/>
+                <a16:creationId xmlns:a16="http://schemas.microsoft.com/office/drawing/2014/main" id="{D93A527F-718C-DF4A-685B-80983CE0CA32}"/>
               </a:ext>
             </a:extLst>
           </p:cNvPr>
@@ -11901,7 +14653,7 @@
           <p:cNvPr id="5" name="Slide Number Placeholder 4">
             <a:extLst>
               <a:ext uri="{FF2B5EF4-FFF2-40B4-BE49-F238E27FC236}">
-                <a16:creationId xmlns:a16="http://schemas.microsoft.com/office/drawing/2014/main" id="{FD2F5860-3C05-603D-96AF-B25858484956}"/>
+                <a16:creationId xmlns:a16="http://schemas.microsoft.com/office/drawing/2014/main" id="{374868E8-7ECE-959B-6D9E-2F0A98CD301B}"/>
               </a:ext>
             </a:extLst>
           </p:cNvPr>
@@ -11920,485 +14672,7 @@
             <a:fld id="{E917DE0E-AFB1-41FD-BC35-27DB61CA125F}" type="slidenum">
               <a:rPr lang="en-AU" smtClean="0"/>
               <a:pPr/>
-              <a:t>12</a:t>
-            </a:fld>
-            <a:endParaRPr lang="en-AU" dirty="0"/>
-          </a:p>
-        </p:txBody>
-      </p:sp>
-      <p:pic>
-        <p:nvPicPr>
-          <p:cNvPr id="10" name="Picture 9">
-            <a:extLst>
-              <a:ext uri="{FF2B5EF4-FFF2-40B4-BE49-F238E27FC236}">
-                <a16:creationId xmlns:a16="http://schemas.microsoft.com/office/drawing/2014/main" id="{24BECAAE-AACA-A31F-8366-040E3F54D9CC}"/>
-              </a:ext>
-            </a:extLst>
-          </p:cNvPr>
-          <p:cNvPicPr>
-            <a:picLocks noChangeAspect="1"/>
-          </p:cNvPicPr>
-          <p:nvPr/>
-        </p:nvPicPr>
-        <p:blipFill>
-          <a:blip r:embed="rId4"/>
-          <a:stretch>
-            <a:fillRect/>
-          </a:stretch>
-        </p:blipFill>
-        <p:spPr>
-          <a:xfrm>
-            <a:off x="8824034" y="4537369"/>
-            <a:ext cx="2517652" cy="747428"/>
-          </a:xfrm>
-          <a:prstGeom prst="rect">
-            <a:avLst/>
-          </a:prstGeom>
-        </p:spPr>
-      </p:pic>
-      <p:pic>
-        <p:nvPicPr>
-          <p:cNvPr id="8" name="Graphic 7">
-            <a:extLst>
-              <a:ext uri="{FF2B5EF4-FFF2-40B4-BE49-F238E27FC236}">
-                <a16:creationId xmlns:a16="http://schemas.microsoft.com/office/drawing/2014/main" id="{4C4B5B2F-82EB-95C1-5064-68EE6840BFFF}"/>
-              </a:ext>
-            </a:extLst>
-          </p:cNvPr>
-          <p:cNvPicPr>
-            <a:picLocks noChangeAspect="1"/>
-          </p:cNvPicPr>
-          <p:nvPr/>
-        </p:nvPicPr>
-        <p:blipFill>
-          <a:blip r:embed="rId5">
-            <a:extLst>
-              <a:ext uri="{96DAC541-7B7A-43D3-8B79-37D633B846F1}">
-                <asvg:svgBlip xmlns:asvg="http://schemas.microsoft.com/office/drawing/2016/SVG/main" r:embed="rId6"/>
-              </a:ext>
-            </a:extLst>
-          </a:blip>
-          <a:stretch>
-            <a:fillRect/>
-          </a:stretch>
-        </p:blipFill>
-        <p:spPr>
-          <a:xfrm>
-            <a:off x="8073025" y="1981200"/>
-            <a:ext cx="1962150" cy="2259445"/>
-          </a:xfrm>
-          <a:prstGeom prst="rect">
-            <a:avLst/>
-          </a:prstGeom>
-        </p:spPr>
-      </p:pic>
-    </p:spTree>
-    <p:extLst>
-      <p:ext uri="{BB962C8B-B14F-4D97-AF65-F5344CB8AC3E}">
-        <p14:creationId xmlns:p14="http://schemas.microsoft.com/office/powerpoint/2010/main" val="2796429274"/>
-      </p:ext>
-    </p:extLst>
-  </p:cSld>
-  <p:clrMapOvr>
-    <a:masterClrMapping/>
-  </p:clrMapOvr>
-  <p:transition spd="slow">
-    <p:push dir="u"/>
-  </p:transition>
-  <p:timing>
-    <p:tnLst>
-      <p:par>
-        <p:cTn id="1" dur="indefinite" restart="never" nodeType="tmRoot">
-          <p:childTnLst>
-            <p:seq concurrent="1" nextAc="seek">
-              <p:cTn id="2" dur="indefinite" nodeType="mainSeq">
-                <p:childTnLst>
-                  <p:par>
-                    <p:cTn id="3" fill="hold">
-                      <p:stCondLst>
-                        <p:cond delay="indefinite"/>
-                      </p:stCondLst>
-                      <p:childTnLst>
-                        <p:par>
-                          <p:cTn id="4" fill="hold">
-                            <p:stCondLst>
-                              <p:cond delay="0"/>
-                            </p:stCondLst>
-                            <p:childTnLst>
-                              <p:par>
-                                <p:cTn id="5" presetID="10" presetClass="entr" presetSubtype="0" fill="hold" grpId="0" nodeType="clickEffect">
-                                  <p:stCondLst>
-                                    <p:cond delay="0"/>
-                                  </p:stCondLst>
-                                  <p:childTnLst>
-                                    <p:set>
-                                      <p:cBhvr>
-                                        <p:cTn id="6" dur="1" fill="hold">
-                                          <p:stCondLst>
-                                            <p:cond delay="0"/>
-                                          </p:stCondLst>
-                                        </p:cTn>
-                                        <p:tgtEl>
-                                          <p:spTgt spid="2">
-                                            <p:txEl>
-                                              <p:pRg st="0" end="0"/>
-                                            </p:txEl>
-                                          </p:spTgt>
-                                        </p:tgtEl>
-                                        <p:attrNameLst>
-                                          <p:attrName>style.visibility</p:attrName>
-                                        </p:attrNameLst>
-                                      </p:cBhvr>
-                                      <p:to>
-                                        <p:strVal val="visible"/>
-                                      </p:to>
-                                    </p:set>
-                                    <p:animEffect transition="in" filter="fade">
-                                      <p:cBhvr>
-                                        <p:cTn id="7" dur="500"/>
-                                        <p:tgtEl>
-                                          <p:spTgt spid="2">
-                                            <p:txEl>
-                                              <p:pRg st="0" end="0"/>
-                                            </p:txEl>
-                                          </p:spTgt>
-                                        </p:tgtEl>
-                                      </p:cBhvr>
-                                    </p:animEffect>
-                                  </p:childTnLst>
-                                </p:cTn>
-                              </p:par>
-                              <p:par>
-                                <p:cTn id="8" presetID="10" presetClass="entr" presetSubtype="0" fill="hold" nodeType="withEffect">
-                                  <p:stCondLst>
-                                    <p:cond delay="0"/>
-                                  </p:stCondLst>
-                                  <p:childTnLst>
-                                    <p:set>
-                                      <p:cBhvr>
-                                        <p:cTn id="9" dur="1" fill="hold">
-                                          <p:stCondLst>
-                                            <p:cond delay="0"/>
-                                          </p:stCondLst>
-                                        </p:cTn>
-                                        <p:tgtEl>
-                                          <p:spTgt spid="8"/>
-                                        </p:tgtEl>
-                                        <p:attrNameLst>
-                                          <p:attrName>style.visibility</p:attrName>
-                                        </p:attrNameLst>
-                                      </p:cBhvr>
-                                      <p:to>
-                                        <p:strVal val="visible"/>
-                                      </p:to>
-                                    </p:set>
-                                    <p:animEffect transition="in" filter="fade">
-                                      <p:cBhvr>
-                                        <p:cTn id="10" dur="500"/>
-                                        <p:tgtEl>
-                                          <p:spTgt spid="8"/>
-                                        </p:tgtEl>
-                                      </p:cBhvr>
-                                    </p:animEffect>
-                                  </p:childTnLst>
-                                </p:cTn>
-                              </p:par>
-                            </p:childTnLst>
-                          </p:cTn>
-                        </p:par>
-                      </p:childTnLst>
-                    </p:cTn>
-                  </p:par>
-                  <p:par>
-                    <p:cTn id="11" fill="hold">
-                      <p:stCondLst>
-                        <p:cond delay="indefinite"/>
-                      </p:stCondLst>
-                      <p:childTnLst>
-                        <p:par>
-                          <p:cTn id="12" fill="hold">
-                            <p:stCondLst>
-                              <p:cond delay="0"/>
-                            </p:stCondLst>
-                            <p:childTnLst>
-                              <p:par>
-                                <p:cTn id="13" presetID="10" presetClass="entr" presetSubtype="0" fill="hold" grpId="0" nodeType="clickEffect">
-                                  <p:stCondLst>
-                                    <p:cond delay="0"/>
-                                  </p:stCondLst>
-                                  <p:childTnLst>
-                                    <p:set>
-                                      <p:cBhvr>
-                                        <p:cTn id="14" dur="1" fill="hold">
-                                          <p:stCondLst>
-                                            <p:cond delay="0"/>
-                                          </p:stCondLst>
-                                        </p:cTn>
-                                        <p:tgtEl>
-                                          <p:spTgt spid="2">
-                                            <p:txEl>
-                                              <p:pRg st="1" end="1"/>
-                                            </p:txEl>
-                                          </p:spTgt>
-                                        </p:tgtEl>
-                                        <p:attrNameLst>
-                                          <p:attrName>style.visibility</p:attrName>
-                                        </p:attrNameLst>
-                                      </p:cBhvr>
-                                      <p:to>
-                                        <p:strVal val="visible"/>
-                                      </p:to>
-                                    </p:set>
-                                    <p:animEffect transition="in" filter="fade">
-                                      <p:cBhvr>
-                                        <p:cTn id="15" dur="500"/>
-                                        <p:tgtEl>
-                                          <p:spTgt spid="2">
-                                            <p:txEl>
-                                              <p:pRg st="1" end="1"/>
-                                            </p:txEl>
-                                          </p:spTgt>
-                                        </p:tgtEl>
-                                      </p:cBhvr>
-                                    </p:animEffect>
-                                  </p:childTnLst>
-                                </p:cTn>
-                              </p:par>
-                              <p:par>
-                                <p:cTn id="16" presetID="10" presetClass="entr" presetSubtype="0" fill="hold" nodeType="withEffect">
-                                  <p:stCondLst>
-                                    <p:cond delay="0"/>
-                                  </p:stCondLst>
-                                  <p:childTnLst>
-                                    <p:set>
-                                      <p:cBhvr>
-                                        <p:cTn id="17" dur="1" fill="hold">
-                                          <p:stCondLst>
-                                            <p:cond delay="0"/>
-                                          </p:stCondLst>
-                                        </p:cTn>
-                                        <p:tgtEl>
-                                          <p:spTgt spid="10"/>
-                                        </p:tgtEl>
-                                        <p:attrNameLst>
-                                          <p:attrName>style.visibility</p:attrName>
-                                        </p:attrNameLst>
-                                      </p:cBhvr>
-                                      <p:to>
-                                        <p:strVal val="visible"/>
-                                      </p:to>
-                                    </p:set>
-                                    <p:animEffect transition="in" filter="fade">
-                                      <p:cBhvr>
-                                        <p:cTn id="18" dur="500"/>
-                                        <p:tgtEl>
-                                          <p:spTgt spid="10"/>
-                                        </p:tgtEl>
-                                      </p:cBhvr>
-                                    </p:animEffect>
-                                  </p:childTnLst>
-                                </p:cTn>
-                              </p:par>
-                            </p:childTnLst>
-                          </p:cTn>
-                        </p:par>
-                      </p:childTnLst>
-                    </p:cTn>
-                  </p:par>
-                  <p:par>
-                    <p:cTn id="19" fill="hold">
-                      <p:stCondLst>
-                        <p:cond delay="indefinite"/>
-                      </p:stCondLst>
-                      <p:childTnLst>
-                        <p:par>
-                          <p:cTn id="20" fill="hold">
-                            <p:stCondLst>
-                              <p:cond delay="0"/>
-                            </p:stCondLst>
-                            <p:childTnLst>
-                              <p:par>
-                                <p:cTn id="21" presetID="10" presetClass="entr" presetSubtype="0" fill="hold" grpId="0" nodeType="clickEffect">
-                                  <p:stCondLst>
-                                    <p:cond delay="0"/>
-                                  </p:stCondLst>
-                                  <p:childTnLst>
-                                    <p:set>
-                                      <p:cBhvr>
-                                        <p:cTn id="22" dur="1" fill="hold">
-                                          <p:stCondLst>
-                                            <p:cond delay="0"/>
-                                          </p:stCondLst>
-                                        </p:cTn>
-                                        <p:tgtEl>
-                                          <p:spTgt spid="2">
-                                            <p:txEl>
-                                              <p:pRg st="3" end="3"/>
-                                            </p:txEl>
-                                          </p:spTgt>
-                                        </p:tgtEl>
-                                        <p:attrNameLst>
-                                          <p:attrName>style.visibility</p:attrName>
-                                        </p:attrNameLst>
-                                      </p:cBhvr>
-                                      <p:to>
-                                        <p:strVal val="visible"/>
-                                      </p:to>
-                                    </p:set>
-                                    <p:animEffect transition="in" filter="fade">
-                                      <p:cBhvr>
-                                        <p:cTn id="23" dur="500"/>
-                                        <p:tgtEl>
-                                          <p:spTgt spid="2">
-                                            <p:txEl>
-                                              <p:pRg st="3" end="3"/>
-                                            </p:txEl>
-                                          </p:spTgt>
-                                        </p:tgtEl>
-                                      </p:cBhvr>
-                                    </p:animEffect>
-                                  </p:childTnLst>
-                                </p:cTn>
-                              </p:par>
-                            </p:childTnLst>
-                          </p:cTn>
-                        </p:par>
-                      </p:childTnLst>
-                    </p:cTn>
-                  </p:par>
-                </p:childTnLst>
-              </p:cTn>
-              <p:prevCondLst>
-                <p:cond evt="onPrev" delay="0">
-                  <p:tgtEl>
-                    <p:sldTgt/>
-                  </p:tgtEl>
-                </p:cond>
-              </p:prevCondLst>
-              <p:nextCondLst>
-                <p:cond evt="onNext" delay="0">
-                  <p:tgtEl>
-                    <p:sldTgt/>
-                  </p:tgtEl>
-                </p:cond>
-              </p:nextCondLst>
-            </p:seq>
-          </p:childTnLst>
-        </p:cTn>
-      </p:par>
-    </p:tnLst>
-    <p:bldLst>
-      <p:bldP spid="2" grpId="0" uiExpand="1" build="p"/>
-    </p:bldLst>
-  </p:timing>
-</p:sld>
-</file>
-
-<file path=ppt/slides/slide13.xml><?xml version="1.0" encoding="utf-8"?>
-<p:sld xmlns:a="http://schemas.openxmlformats.org/drawingml/2006/main" xmlns:r="http://schemas.openxmlformats.org/officeDocument/2006/relationships" xmlns:p="http://schemas.openxmlformats.org/presentationml/2006/main">
-  <p:cSld>
-    <p:spTree>
-      <p:nvGrpSpPr>
-        <p:cNvPr id="1" name=""/>
-        <p:cNvGrpSpPr/>
-        <p:nvPr/>
-      </p:nvGrpSpPr>
-      <p:grpSpPr>
-        <a:xfrm>
-          <a:off x="0" y="0"/>
-          <a:ext cx="0" cy="0"/>
-          <a:chOff x="0" y="0"/>
-          <a:chExt cx="0" cy="0"/>
-        </a:xfrm>
-      </p:grpSpPr>
-      <p:sp>
-        <p:nvSpPr>
-          <p:cNvPr id="10" name="Title 9">
-            <a:extLst>
-              <a:ext uri="{FF2B5EF4-FFF2-40B4-BE49-F238E27FC236}">
-                <a16:creationId xmlns:a16="http://schemas.microsoft.com/office/drawing/2014/main" id="{18D359ED-81E1-4152-B5FF-BC60446F6E05}"/>
-              </a:ext>
-            </a:extLst>
-          </p:cNvPr>
-          <p:cNvSpPr>
-            <a:spLocks noGrp="1"/>
-          </p:cNvSpPr>
-          <p:nvPr>
-            <p:ph type="title"/>
-          </p:nvPr>
-        </p:nvSpPr>
-        <p:spPr>
-          <a:xfrm>
-            <a:off x="381000" y="2772655"/>
-            <a:ext cx="10059418" cy="1312691"/>
-          </a:xfrm>
-        </p:spPr>
-        <p:txBody>
-          <a:bodyPr/>
-          <a:lstStyle/>
-          <a:p>
-            <a:pPr algn="l"/>
-            <a:r>
-              <a:rPr lang="en-AU" dirty="0"/>
-              <a:t>Let’s get started…</a:t>
-            </a:r>
-          </a:p>
-        </p:txBody>
-      </p:sp>
-      <p:sp>
-        <p:nvSpPr>
-          <p:cNvPr id="5" name="Footer Placeholder 4">
-            <a:extLst>
-              <a:ext uri="{FF2B5EF4-FFF2-40B4-BE49-F238E27FC236}">
-                <a16:creationId xmlns:a16="http://schemas.microsoft.com/office/drawing/2014/main" id="{2AB3A763-8648-4E79-A29B-28D21C7710A9}"/>
-              </a:ext>
-            </a:extLst>
-          </p:cNvPr>
-          <p:cNvSpPr>
-            <a:spLocks noGrp="1"/>
-          </p:cNvSpPr>
-          <p:nvPr>
-            <p:ph type="ftr" sz="quarter" idx="11"/>
-          </p:nvPr>
-        </p:nvSpPr>
-        <p:spPr/>
-        <p:txBody>
-          <a:bodyPr/>
-          <a:lstStyle/>
-          <a:p>
-            <a:r>
-              <a:rPr lang="en-AU"/>
-              <a:t>Chatty Documents</a:t>
-            </a:r>
-            <a:endParaRPr lang="en-AU" dirty="0"/>
-          </a:p>
-        </p:txBody>
-      </p:sp>
-      <p:sp>
-        <p:nvSpPr>
-          <p:cNvPr id="6" name="Slide Number Placeholder 5">
-            <a:extLst>
-              <a:ext uri="{FF2B5EF4-FFF2-40B4-BE49-F238E27FC236}">
-                <a16:creationId xmlns:a16="http://schemas.microsoft.com/office/drawing/2014/main" id="{8BE61673-B619-48AC-86E7-428A4A84EFC8}"/>
-              </a:ext>
-            </a:extLst>
-          </p:cNvPr>
-          <p:cNvSpPr>
-            <a:spLocks noGrp="1"/>
-          </p:cNvSpPr>
-          <p:nvPr>
-            <p:ph type="sldNum" sz="quarter" idx="12"/>
-          </p:nvPr>
-        </p:nvSpPr>
-        <p:spPr/>
-        <p:txBody>
-          <a:bodyPr/>
-          <a:lstStyle/>
-          <a:p>
-            <a:fld id="{E917DE0E-AFB1-41FD-BC35-27DB61CA125F}" type="slidenum">
-              <a:rPr lang="en-AU" smtClean="0"/>
-              <a:pPr/>
-              <a:t>13</a:t>
+              <a:t>16</a:t>
             </a:fld>
             <a:endParaRPr lang="en-AU" dirty="0"/>
           </a:p>
@@ -12407,368 +14681,7 @@
     </p:spTree>
     <p:extLst>
       <p:ext uri="{BB962C8B-B14F-4D97-AF65-F5344CB8AC3E}">
-        <p14:creationId xmlns:p14="http://schemas.microsoft.com/office/powerpoint/2010/main" val="2185817615"/>
-      </p:ext>
-    </p:extLst>
-  </p:cSld>
-  <p:clrMapOvr>
-    <a:masterClrMapping/>
-  </p:clrMapOvr>
-  <p:transition spd="slow">
-    <p:push dir="u"/>
-  </p:transition>
-</p:sld>
-</file>
-
-<file path=ppt/slides/slide14.xml><?xml version="1.0" encoding="utf-8"?>
-<p:sld xmlns:a="http://schemas.openxmlformats.org/drawingml/2006/main" xmlns:r="http://schemas.openxmlformats.org/officeDocument/2006/relationships" xmlns:p="http://schemas.openxmlformats.org/presentationml/2006/main">
-  <p:cSld>
-    <p:spTree>
-      <p:nvGrpSpPr>
-        <p:cNvPr id="1" name=""/>
-        <p:cNvGrpSpPr/>
-        <p:nvPr/>
-      </p:nvGrpSpPr>
-      <p:grpSpPr>
-        <a:xfrm>
-          <a:off x="0" y="0"/>
-          <a:ext cx="0" cy="0"/>
-          <a:chOff x="0" y="0"/>
-          <a:chExt cx="0" cy="0"/>
-        </a:xfrm>
-      </p:grpSpPr>
-      <p:sp>
-        <p:nvSpPr>
-          <p:cNvPr id="2" name="Content Placeholder 1">
-            <a:extLst>
-              <a:ext uri="{FF2B5EF4-FFF2-40B4-BE49-F238E27FC236}">
-                <a16:creationId xmlns:a16="http://schemas.microsoft.com/office/drawing/2014/main" id="{212D753E-325F-4599-3779-F20D8D419E79}"/>
-              </a:ext>
-            </a:extLst>
-          </p:cNvPr>
-          <p:cNvSpPr>
-            <a:spLocks noGrp="1"/>
-          </p:cNvSpPr>
-          <p:nvPr>
-            <p:ph sz="quarter" idx="11"/>
-          </p:nvPr>
-        </p:nvSpPr>
-        <p:spPr/>
-        <p:txBody>
-          <a:bodyPr/>
-          <a:lstStyle/>
-          <a:p>
-            <a:endParaRPr lang="en-US"/>
-          </a:p>
-        </p:txBody>
-      </p:sp>
-      <p:sp>
-        <p:nvSpPr>
-          <p:cNvPr id="3" name="Title 2">
-            <a:extLst>
-              <a:ext uri="{FF2B5EF4-FFF2-40B4-BE49-F238E27FC236}">
-                <a16:creationId xmlns:a16="http://schemas.microsoft.com/office/drawing/2014/main" id="{2C69C40C-46E1-AD8F-8BCB-CDC408E5157C}"/>
-              </a:ext>
-            </a:extLst>
-          </p:cNvPr>
-          <p:cNvSpPr>
-            <a:spLocks noGrp="1"/>
-          </p:cNvSpPr>
-          <p:nvPr>
-            <p:ph type="title"/>
-          </p:nvPr>
-        </p:nvSpPr>
-        <p:spPr/>
-        <p:txBody>
-          <a:bodyPr/>
-          <a:lstStyle/>
-          <a:p>
-            <a:r>
-              <a:rPr lang="en-US" dirty="0"/>
-              <a:t>Getting an </a:t>
-            </a:r>
-            <a:r>
-              <a:rPr lang="en-US" dirty="0" err="1"/>
-              <a:t>OpenAI</a:t>
-            </a:r>
-            <a:r>
-              <a:rPr lang="en-US" dirty="0"/>
-              <a:t> API key</a:t>
-            </a:r>
-          </a:p>
-        </p:txBody>
-      </p:sp>
-      <p:sp>
-        <p:nvSpPr>
-          <p:cNvPr id="4" name="Footer Placeholder 3">
-            <a:extLst>
-              <a:ext uri="{FF2B5EF4-FFF2-40B4-BE49-F238E27FC236}">
-                <a16:creationId xmlns:a16="http://schemas.microsoft.com/office/drawing/2014/main" id="{C0209CC2-13D3-95FE-F813-FF5A037A302D}"/>
-              </a:ext>
-            </a:extLst>
-          </p:cNvPr>
-          <p:cNvSpPr>
-            <a:spLocks noGrp="1"/>
-          </p:cNvSpPr>
-          <p:nvPr>
-            <p:ph type="ftr" sz="quarter" idx="12"/>
-          </p:nvPr>
-        </p:nvSpPr>
-        <p:spPr/>
-        <p:txBody>
-          <a:bodyPr/>
-          <a:lstStyle/>
-          <a:p>
-            <a:r>
-              <a:rPr lang="en-AU"/>
-              <a:t>Chatty Documents</a:t>
-            </a:r>
-            <a:endParaRPr lang="en-AU" dirty="0"/>
-          </a:p>
-        </p:txBody>
-      </p:sp>
-      <p:sp>
-        <p:nvSpPr>
-          <p:cNvPr id="5" name="Slide Number Placeholder 4">
-            <a:extLst>
-              <a:ext uri="{FF2B5EF4-FFF2-40B4-BE49-F238E27FC236}">
-                <a16:creationId xmlns:a16="http://schemas.microsoft.com/office/drawing/2014/main" id="{A6DC4404-977A-47B0-B1F1-829C5EF5426C}"/>
-              </a:ext>
-            </a:extLst>
-          </p:cNvPr>
-          <p:cNvSpPr>
-            <a:spLocks noGrp="1"/>
-          </p:cNvSpPr>
-          <p:nvPr>
-            <p:ph type="sldNum" sz="quarter" idx="13"/>
-          </p:nvPr>
-        </p:nvSpPr>
-        <p:spPr/>
-        <p:txBody>
-          <a:bodyPr/>
-          <a:lstStyle/>
-          <a:p>
-            <a:fld id="{E917DE0E-AFB1-41FD-BC35-27DB61CA125F}" type="slidenum">
-              <a:rPr lang="en-AU" smtClean="0"/>
-              <a:pPr/>
-              <a:t>14</a:t>
-            </a:fld>
-            <a:endParaRPr lang="en-AU" dirty="0"/>
-          </a:p>
-        </p:txBody>
-      </p:sp>
-    </p:spTree>
-    <p:extLst>
-      <p:ext uri="{BB962C8B-B14F-4D97-AF65-F5344CB8AC3E}">
-        <p14:creationId xmlns:p14="http://schemas.microsoft.com/office/powerpoint/2010/main" val="296868011"/>
-      </p:ext>
-    </p:extLst>
-  </p:cSld>
-  <p:clrMapOvr>
-    <a:masterClrMapping/>
-  </p:clrMapOvr>
-  <mc:AlternateContent xmlns:mc="http://schemas.openxmlformats.org/markup-compatibility/2006" xmlns:p14="http://schemas.microsoft.com/office/powerpoint/2010/main">
-    <mc:Choice Requires="p14">
-      <p:transition spd="med" p14:dur="700">
-        <p:fade/>
-      </p:transition>
-    </mc:Choice>
-    <mc:Fallback xmlns="">
-      <p:transition spd="med">
-        <p:fade/>
-      </p:transition>
-    </mc:Fallback>
-  </mc:AlternateContent>
-</p:sld>
-</file>
-
-<file path=ppt/slides/slide15.xml><?xml version="1.0" encoding="utf-8"?>
-<p:sld xmlns:a="http://schemas.openxmlformats.org/drawingml/2006/main" xmlns:r="http://schemas.openxmlformats.org/officeDocument/2006/relationships" xmlns:p="http://schemas.openxmlformats.org/presentationml/2006/main">
-  <p:cSld>
-    <p:spTree>
-      <p:nvGrpSpPr>
-        <p:cNvPr id="1" name=""/>
-        <p:cNvGrpSpPr/>
-        <p:nvPr/>
-      </p:nvGrpSpPr>
-      <p:grpSpPr>
-        <a:xfrm>
-          <a:off x="0" y="0"/>
-          <a:ext cx="0" cy="0"/>
-          <a:chOff x="0" y="0"/>
-          <a:chExt cx="0" cy="0"/>
-        </a:xfrm>
-      </p:grpSpPr>
-      <p:sp>
-        <p:nvSpPr>
-          <p:cNvPr id="2" name="Content Placeholder 1">
-            <a:extLst>
-              <a:ext uri="{FF2B5EF4-FFF2-40B4-BE49-F238E27FC236}">
-                <a16:creationId xmlns:a16="http://schemas.microsoft.com/office/drawing/2014/main" id="{98EC427A-EFB4-BE17-DCA6-39CCE7D47588}"/>
-              </a:ext>
-            </a:extLst>
-          </p:cNvPr>
-          <p:cNvSpPr>
-            <a:spLocks noGrp="1"/>
-          </p:cNvSpPr>
-          <p:nvPr>
-            <p:ph sz="quarter" idx="11"/>
-          </p:nvPr>
-        </p:nvSpPr>
-        <p:spPr>
-          <a:xfrm>
-            <a:off x="319053" y="2323089"/>
-            <a:ext cx="11546007" cy="4127303"/>
-          </a:xfrm>
-        </p:spPr>
-        <p:txBody>
-          <a:bodyPr>
-            <a:normAutofit lnSpcReduction="10000"/>
-          </a:bodyPr>
-          <a:lstStyle/>
-          <a:p>
-            <a:r>
-              <a:rPr lang="en-US" dirty="0"/>
-              <a:t>APIs are a great way to automate data retrieval</a:t>
-            </a:r>
-          </a:p>
-          <a:p>
-            <a:r>
-              <a:rPr lang="en-US" dirty="0"/>
-              <a:t>APIs allow specific and structured data access (cf. scraping)</a:t>
-            </a:r>
-          </a:p>
-          <a:p>
-            <a:r>
-              <a:rPr lang="en-US" dirty="0"/>
-              <a:t>If a Python wrapper is available, we can write clear, concise, and reproducible code</a:t>
-            </a:r>
-          </a:p>
-          <a:p>
-            <a:r>
-              <a:rPr lang="en-US" dirty="0"/>
-              <a:t>Whenever you need data from a source on the web:</a:t>
-            </a:r>
-          </a:p>
-          <a:p>
-            <a:pPr marL="868680" lvl="1" indent="-457200">
-              <a:buFont typeface="+mj-lt"/>
-              <a:buAutoNum type="arabicPeriod"/>
-            </a:pPr>
-            <a:r>
-              <a:rPr lang="en-US" dirty="0"/>
-              <a:t>Check if it offers an API</a:t>
-            </a:r>
-          </a:p>
-          <a:p>
-            <a:pPr marL="868680" lvl="1" indent="-457200">
-              <a:buFont typeface="+mj-lt"/>
-              <a:buAutoNum type="arabicPeriod"/>
-            </a:pPr>
-            <a:r>
-              <a:rPr lang="en-US" dirty="0"/>
-              <a:t>Check if there is a Python wrapper</a:t>
-            </a:r>
-          </a:p>
-          <a:p>
-            <a:pPr marL="0" indent="0">
-              <a:buNone/>
-            </a:pPr>
-            <a:endParaRPr lang="en-US" dirty="0"/>
-          </a:p>
-        </p:txBody>
-      </p:sp>
-      <p:sp>
-        <p:nvSpPr>
-          <p:cNvPr id="3" name="Title 2">
-            <a:extLst>
-              <a:ext uri="{FF2B5EF4-FFF2-40B4-BE49-F238E27FC236}">
-                <a16:creationId xmlns:a16="http://schemas.microsoft.com/office/drawing/2014/main" id="{F65075DB-54AE-64BA-8DFE-00EC9B4F05EE}"/>
-              </a:ext>
-            </a:extLst>
-          </p:cNvPr>
-          <p:cNvSpPr>
-            <a:spLocks noGrp="1"/>
-          </p:cNvSpPr>
-          <p:nvPr>
-            <p:ph type="title"/>
-          </p:nvPr>
-        </p:nvSpPr>
-        <p:spPr/>
-        <p:txBody>
-          <a:bodyPr/>
-          <a:lstStyle/>
-          <a:p>
-            <a:r>
-              <a:rPr lang="en-US" dirty="0"/>
-              <a:t>Takeaways</a:t>
-            </a:r>
-          </a:p>
-        </p:txBody>
-      </p:sp>
-      <p:sp>
-        <p:nvSpPr>
-          <p:cNvPr id="4" name="Footer Placeholder 3">
-            <a:extLst>
-              <a:ext uri="{FF2B5EF4-FFF2-40B4-BE49-F238E27FC236}">
-                <a16:creationId xmlns:a16="http://schemas.microsoft.com/office/drawing/2014/main" id="{D7654574-7436-2FE7-C4FD-FD18A5AB5C4A}"/>
-              </a:ext>
-            </a:extLst>
-          </p:cNvPr>
-          <p:cNvSpPr>
-            <a:spLocks noGrp="1"/>
-          </p:cNvSpPr>
-          <p:nvPr>
-            <p:ph type="ftr" sz="quarter" idx="12"/>
-          </p:nvPr>
-        </p:nvSpPr>
-        <p:spPr/>
-        <p:txBody>
-          <a:bodyPr/>
-          <a:lstStyle/>
-          <a:p>
-            <a:r>
-              <a:rPr lang="en-AU"/>
-              <a:t>Chatty Documents</a:t>
-            </a:r>
-            <a:endParaRPr lang="en-AU" dirty="0"/>
-          </a:p>
-        </p:txBody>
-      </p:sp>
-      <p:sp>
-        <p:nvSpPr>
-          <p:cNvPr id="5" name="Slide Number Placeholder 4">
-            <a:extLst>
-              <a:ext uri="{FF2B5EF4-FFF2-40B4-BE49-F238E27FC236}">
-                <a16:creationId xmlns:a16="http://schemas.microsoft.com/office/drawing/2014/main" id="{4FEFBEBE-22FC-85B9-CF9D-E7F4206BE9BB}"/>
-              </a:ext>
-            </a:extLst>
-          </p:cNvPr>
-          <p:cNvSpPr>
-            <a:spLocks noGrp="1"/>
-          </p:cNvSpPr>
-          <p:nvPr>
-            <p:ph type="sldNum" sz="quarter" idx="13"/>
-          </p:nvPr>
-        </p:nvSpPr>
-        <p:spPr/>
-        <p:txBody>
-          <a:bodyPr/>
-          <a:lstStyle/>
-          <a:p>
-            <a:fld id="{E917DE0E-AFB1-41FD-BC35-27DB61CA125F}" type="slidenum">
-              <a:rPr lang="en-AU" smtClean="0"/>
-              <a:pPr/>
-              <a:t>15</a:t>
-            </a:fld>
-            <a:endParaRPr lang="en-AU" dirty="0"/>
-          </a:p>
-        </p:txBody>
-      </p:sp>
-    </p:spTree>
-    <p:extLst>
-      <p:ext uri="{BB962C8B-B14F-4D97-AF65-F5344CB8AC3E}">
-        <p14:creationId xmlns:p14="http://schemas.microsoft.com/office/powerpoint/2010/main" val="4109674286"/>
+        <p14:creationId xmlns:p14="http://schemas.microsoft.com/office/powerpoint/2010/main" val="1874143986"/>
       </p:ext>
     </p:extLst>
   </p:cSld>
@@ -12964,671 +14877,6 @@
                                           <p:spTgt spid="2">
                                             <p:txEl>
                                               <p:pRg st="2" end="2"/>
-                                            </p:txEl>
-                                          </p:spTgt>
-                                        </p:tgtEl>
-                                      </p:cBhvr>
-                                    </p:animEffect>
-                                  </p:childTnLst>
-                                </p:cTn>
-                              </p:par>
-                            </p:childTnLst>
-                          </p:cTn>
-                        </p:par>
-                      </p:childTnLst>
-                    </p:cTn>
-                  </p:par>
-                  <p:par>
-                    <p:cTn id="18" fill="hold">
-                      <p:stCondLst>
-                        <p:cond delay="indefinite"/>
-                      </p:stCondLst>
-                      <p:childTnLst>
-                        <p:par>
-                          <p:cTn id="19" fill="hold">
-                            <p:stCondLst>
-                              <p:cond delay="0"/>
-                            </p:stCondLst>
-                            <p:childTnLst>
-                              <p:par>
-                                <p:cTn id="20" presetID="10" presetClass="entr" presetSubtype="0" fill="hold" grpId="0" nodeType="clickEffect">
-                                  <p:stCondLst>
-                                    <p:cond delay="0"/>
-                                  </p:stCondLst>
-                                  <p:childTnLst>
-                                    <p:set>
-                                      <p:cBhvr>
-                                        <p:cTn id="21" dur="1" fill="hold">
-                                          <p:stCondLst>
-                                            <p:cond delay="0"/>
-                                          </p:stCondLst>
-                                        </p:cTn>
-                                        <p:tgtEl>
-                                          <p:spTgt spid="2">
-                                            <p:txEl>
-                                              <p:pRg st="3" end="3"/>
-                                            </p:txEl>
-                                          </p:spTgt>
-                                        </p:tgtEl>
-                                        <p:attrNameLst>
-                                          <p:attrName>style.visibility</p:attrName>
-                                        </p:attrNameLst>
-                                      </p:cBhvr>
-                                      <p:to>
-                                        <p:strVal val="visible"/>
-                                      </p:to>
-                                    </p:set>
-                                    <p:animEffect transition="in" filter="fade">
-                                      <p:cBhvr>
-                                        <p:cTn id="22" dur="500"/>
-                                        <p:tgtEl>
-                                          <p:spTgt spid="2">
-                                            <p:txEl>
-                                              <p:pRg st="3" end="3"/>
-                                            </p:txEl>
-                                          </p:spTgt>
-                                        </p:tgtEl>
-                                      </p:cBhvr>
-                                    </p:animEffect>
-                                  </p:childTnLst>
-                                </p:cTn>
-                              </p:par>
-                              <p:par>
-                                <p:cTn id="23" presetID="10" presetClass="entr" presetSubtype="0" fill="hold" grpId="0" nodeType="withEffect">
-                                  <p:stCondLst>
-                                    <p:cond delay="0"/>
-                                  </p:stCondLst>
-                                  <p:childTnLst>
-                                    <p:set>
-                                      <p:cBhvr>
-                                        <p:cTn id="24" dur="1" fill="hold">
-                                          <p:stCondLst>
-                                            <p:cond delay="0"/>
-                                          </p:stCondLst>
-                                        </p:cTn>
-                                        <p:tgtEl>
-                                          <p:spTgt spid="2">
-                                            <p:txEl>
-                                              <p:pRg st="4" end="4"/>
-                                            </p:txEl>
-                                          </p:spTgt>
-                                        </p:tgtEl>
-                                        <p:attrNameLst>
-                                          <p:attrName>style.visibility</p:attrName>
-                                        </p:attrNameLst>
-                                      </p:cBhvr>
-                                      <p:to>
-                                        <p:strVal val="visible"/>
-                                      </p:to>
-                                    </p:set>
-                                    <p:animEffect transition="in" filter="fade">
-                                      <p:cBhvr>
-                                        <p:cTn id="25" dur="500"/>
-                                        <p:tgtEl>
-                                          <p:spTgt spid="2">
-                                            <p:txEl>
-                                              <p:pRg st="4" end="4"/>
-                                            </p:txEl>
-                                          </p:spTgt>
-                                        </p:tgtEl>
-                                      </p:cBhvr>
-                                    </p:animEffect>
-                                  </p:childTnLst>
-                                </p:cTn>
-                              </p:par>
-                              <p:par>
-                                <p:cTn id="26" presetID="10" presetClass="entr" presetSubtype="0" fill="hold" grpId="0" nodeType="withEffect">
-                                  <p:stCondLst>
-                                    <p:cond delay="0"/>
-                                  </p:stCondLst>
-                                  <p:childTnLst>
-                                    <p:set>
-                                      <p:cBhvr>
-                                        <p:cTn id="27" dur="1" fill="hold">
-                                          <p:stCondLst>
-                                            <p:cond delay="0"/>
-                                          </p:stCondLst>
-                                        </p:cTn>
-                                        <p:tgtEl>
-                                          <p:spTgt spid="2">
-                                            <p:txEl>
-                                              <p:pRg st="5" end="5"/>
-                                            </p:txEl>
-                                          </p:spTgt>
-                                        </p:tgtEl>
-                                        <p:attrNameLst>
-                                          <p:attrName>style.visibility</p:attrName>
-                                        </p:attrNameLst>
-                                      </p:cBhvr>
-                                      <p:to>
-                                        <p:strVal val="visible"/>
-                                      </p:to>
-                                    </p:set>
-                                    <p:animEffect transition="in" filter="fade">
-                                      <p:cBhvr>
-                                        <p:cTn id="28" dur="500"/>
-                                        <p:tgtEl>
-                                          <p:spTgt spid="2">
-                                            <p:txEl>
-                                              <p:pRg st="5" end="5"/>
-                                            </p:txEl>
-                                          </p:spTgt>
-                                        </p:tgtEl>
-                                      </p:cBhvr>
-                                    </p:animEffect>
-                                  </p:childTnLst>
-                                </p:cTn>
-                              </p:par>
-                            </p:childTnLst>
-                          </p:cTn>
-                        </p:par>
-                      </p:childTnLst>
-                    </p:cTn>
-                  </p:par>
-                </p:childTnLst>
-              </p:cTn>
-              <p:prevCondLst>
-                <p:cond evt="onPrev" delay="0">
-                  <p:tgtEl>
-                    <p:sldTgt/>
-                  </p:tgtEl>
-                </p:cond>
-              </p:prevCondLst>
-              <p:nextCondLst>
-                <p:cond evt="onNext" delay="0">
-                  <p:tgtEl>
-                    <p:sldTgt/>
-                  </p:tgtEl>
-                </p:cond>
-              </p:nextCondLst>
-            </p:seq>
-          </p:childTnLst>
-        </p:cTn>
-      </p:par>
-    </p:tnLst>
-    <p:bldLst>
-      <p:bldP spid="2" grpId="0" build="p"/>
-    </p:bldLst>
-  </p:timing>
-</p:sld>
-</file>
-
-<file path=ppt/slides/slide16.xml><?xml version="1.0" encoding="utf-8"?>
-<p:sld xmlns:a="http://schemas.openxmlformats.org/drawingml/2006/main" xmlns:r="http://schemas.openxmlformats.org/officeDocument/2006/relationships" xmlns:p="http://schemas.openxmlformats.org/presentationml/2006/main">
-  <p:cSld>
-    <p:spTree>
-      <p:nvGrpSpPr>
-        <p:cNvPr id="1" name=""/>
-        <p:cNvGrpSpPr/>
-        <p:nvPr/>
-      </p:nvGrpSpPr>
-      <p:grpSpPr>
-        <a:xfrm>
-          <a:off x="0" y="0"/>
-          <a:ext cx="0" cy="0"/>
-          <a:chOff x="0" y="0"/>
-          <a:chExt cx="0" cy="0"/>
-        </a:xfrm>
-      </p:grpSpPr>
-      <p:sp>
-        <p:nvSpPr>
-          <p:cNvPr id="2" name="Content Placeholder 1">
-            <a:extLst>
-              <a:ext uri="{FF2B5EF4-FFF2-40B4-BE49-F238E27FC236}">
-                <a16:creationId xmlns:a16="http://schemas.microsoft.com/office/drawing/2014/main" id="{400A09A0-9830-F3BD-46FB-DF2359A827F8}"/>
-              </a:ext>
-            </a:extLst>
-          </p:cNvPr>
-          <p:cNvSpPr>
-            <a:spLocks noGrp="1"/>
-          </p:cNvSpPr>
-          <p:nvPr>
-            <p:ph sz="quarter" idx="11"/>
-          </p:nvPr>
-        </p:nvSpPr>
-        <p:spPr/>
-        <p:txBody>
-          <a:bodyPr>
-            <a:normAutofit/>
-          </a:bodyPr>
-          <a:lstStyle/>
-          <a:p>
-            <a:r>
-              <a:rPr lang="en-US" dirty="0"/>
-              <a:t>Try things!</a:t>
-            </a:r>
-          </a:p>
-          <a:p>
-            <a:pPr marL="742950" lvl="1" indent="-331788">
-              <a:buSzPct val="80000"/>
-              <a:buFont typeface="System Font Regular"/>
-              <a:buChar char="🪐"/>
-            </a:pPr>
-            <a:r>
-              <a:rPr lang="en-US" dirty="0"/>
-              <a:t>NASA: </a:t>
-            </a:r>
-            <a:r>
-              <a:rPr lang="en-US" dirty="0">
-                <a:hlinkClick r:id="rId2"/>
-              </a:rPr>
-              <a:t>https://api.nasa.gov/</a:t>
-            </a:r>
-            <a:endParaRPr lang="en-US" dirty="0"/>
-          </a:p>
-          <a:p>
-            <a:pPr marL="742950" lvl="1" indent="-331788">
-              <a:buSzPct val="80000"/>
-              <a:buFont typeface="System Font Regular"/>
-              <a:buChar char="💬"/>
-            </a:pPr>
-            <a:r>
-              <a:rPr lang="en-US" dirty="0" err="1"/>
-              <a:t>ChatGPT</a:t>
-            </a:r>
-            <a:r>
-              <a:rPr lang="en-US" dirty="0"/>
-              <a:t>: https://</a:t>
-            </a:r>
-            <a:r>
-              <a:rPr lang="en-US" dirty="0" err="1"/>
-              <a:t>github.com</a:t>
-            </a:r>
-            <a:r>
-              <a:rPr lang="en-US" dirty="0"/>
-              <a:t>/</a:t>
-            </a:r>
-            <a:r>
-              <a:rPr lang="en-US" dirty="0" err="1"/>
-              <a:t>openai</a:t>
-            </a:r>
-            <a:r>
-              <a:rPr lang="en-US" dirty="0"/>
-              <a:t>/</a:t>
-            </a:r>
-            <a:r>
-              <a:rPr lang="en-US" dirty="0" err="1"/>
-              <a:t>openai</a:t>
-            </a:r>
-            <a:r>
-              <a:rPr lang="en-US" dirty="0"/>
-              <a:t>-python</a:t>
-            </a:r>
-          </a:p>
-          <a:p>
-            <a:pPr marL="742950" lvl="1" indent="-331788">
-              <a:buSzPct val="80000"/>
-              <a:buFont typeface="System Font Regular"/>
-              <a:buChar char="🎶"/>
-            </a:pPr>
-            <a:r>
-              <a:rPr lang="en-US" dirty="0"/>
-              <a:t>Spotify: </a:t>
-            </a:r>
-            <a:r>
-              <a:rPr lang="en-US" dirty="0">
-                <a:hlinkClick r:id="rId3"/>
-              </a:rPr>
-              <a:t>https://spotipy.readthedocs.io/</a:t>
-            </a:r>
-            <a:endParaRPr lang="en-US" dirty="0"/>
-          </a:p>
-          <a:p>
-            <a:pPr marL="742950" lvl="1" indent="-331788">
-              <a:buSzPct val="80000"/>
-              <a:buFont typeface="System Font Regular"/>
-              <a:buChar char="🎓"/>
-            </a:pPr>
-            <a:r>
-              <a:rPr lang="en-US" dirty="0"/>
-              <a:t>Web of Science: </a:t>
-            </a:r>
-            <a:r>
-              <a:rPr lang="en-US" dirty="0">
-                <a:hlinkClick r:id="rId4"/>
-              </a:rPr>
-              <a:t>https://researchguides.dartmouth.edu/c.php?g=59725&amp;p=9910244</a:t>
-            </a:r>
-            <a:endParaRPr lang="en-US" dirty="0"/>
-          </a:p>
-        </p:txBody>
-      </p:sp>
-      <p:sp>
-        <p:nvSpPr>
-          <p:cNvPr id="3" name="Title 2">
-            <a:extLst>
-              <a:ext uri="{FF2B5EF4-FFF2-40B4-BE49-F238E27FC236}">
-                <a16:creationId xmlns:a16="http://schemas.microsoft.com/office/drawing/2014/main" id="{F9B9B45F-005C-FAB6-7CE1-D5A9B5742CC1}"/>
-              </a:ext>
-            </a:extLst>
-          </p:cNvPr>
-          <p:cNvSpPr>
-            <a:spLocks noGrp="1"/>
-          </p:cNvSpPr>
-          <p:nvPr>
-            <p:ph type="title"/>
-          </p:nvPr>
-        </p:nvSpPr>
-        <p:spPr/>
-        <p:txBody>
-          <a:bodyPr/>
-          <a:lstStyle/>
-          <a:p>
-            <a:r>
-              <a:rPr lang="en-US" dirty="0"/>
-              <a:t>Next steps</a:t>
-            </a:r>
-          </a:p>
-        </p:txBody>
-      </p:sp>
-      <p:sp>
-        <p:nvSpPr>
-          <p:cNvPr id="4" name="Footer Placeholder 3">
-            <a:extLst>
-              <a:ext uri="{FF2B5EF4-FFF2-40B4-BE49-F238E27FC236}">
-                <a16:creationId xmlns:a16="http://schemas.microsoft.com/office/drawing/2014/main" id="{D93A527F-718C-DF4A-685B-80983CE0CA32}"/>
-              </a:ext>
-            </a:extLst>
-          </p:cNvPr>
-          <p:cNvSpPr>
-            <a:spLocks noGrp="1"/>
-          </p:cNvSpPr>
-          <p:nvPr>
-            <p:ph type="ftr" sz="quarter" idx="12"/>
-          </p:nvPr>
-        </p:nvSpPr>
-        <p:spPr/>
-        <p:txBody>
-          <a:bodyPr/>
-          <a:lstStyle/>
-          <a:p>
-            <a:r>
-              <a:rPr lang="en-AU"/>
-              <a:t>Chatty Documents</a:t>
-            </a:r>
-            <a:endParaRPr lang="en-AU" dirty="0"/>
-          </a:p>
-        </p:txBody>
-      </p:sp>
-      <p:sp>
-        <p:nvSpPr>
-          <p:cNvPr id="5" name="Slide Number Placeholder 4">
-            <a:extLst>
-              <a:ext uri="{FF2B5EF4-FFF2-40B4-BE49-F238E27FC236}">
-                <a16:creationId xmlns:a16="http://schemas.microsoft.com/office/drawing/2014/main" id="{374868E8-7ECE-959B-6D9E-2F0A98CD301B}"/>
-              </a:ext>
-            </a:extLst>
-          </p:cNvPr>
-          <p:cNvSpPr>
-            <a:spLocks noGrp="1"/>
-          </p:cNvSpPr>
-          <p:nvPr>
-            <p:ph type="sldNum" sz="quarter" idx="13"/>
-          </p:nvPr>
-        </p:nvSpPr>
-        <p:spPr/>
-        <p:txBody>
-          <a:bodyPr/>
-          <a:lstStyle/>
-          <a:p>
-            <a:fld id="{E917DE0E-AFB1-41FD-BC35-27DB61CA125F}" type="slidenum">
-              <a:rPr lang="en-AU" smtClean="0"/>
-              <a:pPr/>
-              <a:t>16</a:t>
-            </a:fld>
-            <a:endParaRPr lang="en-AU" dirty="0"/>
-          </a:p>
-        </p:txBody>
-      </p:sp>
-    </p:spTree>
-    <p:extLst>
-      <p:ext uri="{BB962C8B-B14F-4D97-AF65-F5344CB8AC3E}">
-        <p14:creationId xmlns:p14="http://schemas.microsoft.com/office/powerpoint/2010/main" val="1874143986"/>
-      </p:ext>
-    </p:extLst>
-  </p:cSld>
-  <p:clrMapOvr>
-    <a:masterClrMapping/>
-  </p:clrMapOvr>
-  <mc:AlternateContent xmlns:mc="http://schemas.openxmlformats.org/markup-compatibility/2006" xmlns:p14="http://schemas.microsoft.com/office/powerpoint/2010/main">
-    <mc:Choice Requires="p14">
-      <p:transition spd="med" p14:dur="700">
-        <p:fade/>
-      </p:transition>
-    </mc:Choice>
-    <mc:Fallback xmlns="">
-      <p:transition spd="med">
-        <p:fade/>
-      </p:transition>
-    </mc:Fallback>
-  </mc:AlternateContent>
-  <p:timing>
-    <p:tnLst>
-      <p:par>
-        <p:cTn id="1" dur="indefinite" restart="never" nodeType="tmRoot">
-          <p:childTnLst>
-            <p:seq concurrent="1" nextAc="seek">
-              <p:cTn id="2" dur="indefinite" nodeType="mainSeq">
-                <p:childTnLst>
-                  <p:par>
-                    <p:cTn id="3" fill="hold">
-                      <p:stCondLst>
-                        <p:cond delay="indefinite"/>
-                      </p:stCondLst>
-                      <p:childTnLst>
-                        <p:par>
-                          <p:cTn id="4" fill="hold">
-                            <p:stCondLst>
-                              <p:cond delay="0"/>
-                            </p:stCondLst>
-                            <p:childTnLst>
-                              <p:par>
-                                <p:cTn id="5" presetID="10" presetClass="entr" presetSubtype="0" fill="hold" grpId="0" nodeType="clickEffect">
-                                  <p:stCondLst>
-                                    <p:cond delay="0"/>
-                                  </p:stCondLst>
-                                  <p:childTnLst>
-                                    <p:set>
-                                      <p:cBhvr>
-                                        <p:cTn id="6" dur="1" fill="hold">
-                                          <p:stCondLst>
-                                            <p:cond delay="0"/>
-                                          </p:stCondLst>
-                                        </p:cTn>
-                                        <p:tgtEl>
-                                          <p:spTgt spid="2">
-                                            <p:txEl>
-                                              <p:pRg st="0" end="0"/>
-                                            </p:txEl>
-                                          </p:spTgt>
-                                        </p:tgtEl>
-                                        <p:attrNameLst>
-                                          <p:attrName>style.visibility</p:attrName>
-                                        </p:attrNameLst>
-                                      </p:cBhvr>
-                                      <p:to>
-                                        <p:strVal val="visible"/>
-                                      </p:to>
-                                    </p:set>
-                                    <p:animEffect transition="in" filter="fade">
-                                      <p:cBhvr>
-                                        <p:cTn id="7" dur="500"/>
-                                        <p:tgtEl>
-                                          <p:spTgt spid="2">
-                                            <p:txEl>
-                                              <p:pRg st="0" end="0"/>
-                                            </p:txEl>
-                                          </p:spTgt>
-                                        </p:tgtEl>
-                                      </p:cBhvr>
-                                    </p:animEffect>
-                                  </p:childTnLst>
-                                </p:cTn>
-                              </p:par>
-                              <p:par>
-                                <p:cTn id="8" presetID="10" presetClass="entr" presetSubtype="0" fill="hold" grpId="0" nodeType="withEffect">
-                                  <p:stCondLst>
-                                    <p:cond delay="0"/>
-                                  </p:stCondLst>
-                                  <p:childTnLst>
-                                    <p:set>
-                                      <p:cBhvr>
-                                        <p:cTn id="9" dur="1" fill="hold">
-                                          <p:stCondLst>
-                                            <p:cond delay="0"/>
-                                          </p:stCondLst>
-                                        </p:cTn>
-                                        <p:tgtEl>
-                                          <p:spTgt spid="2">
-                                            <p:txEl>
-                                              <p:pRg st="1" end="1"/>
-                                            </p:txEl>
-                                          </p:spTgt>
-                                        </p:tgtEl>
-                                        <p:attrNameLst>
-                                          <p:attrName>style.visibility</p:attrName>
-                                        </p:attrNameLst>
-                                      </p:cBhvr>
-                                      <p:to>
-                                        <p:strVal val="visible"/>
-                                      </p:to>
-                                    </p:set>
-                                    <p:animEffect transition="in" filter="fade">
-                                      <p:cBhvr>
-                                        <p:cTn id="10" dur="500"/>
-                                        <p:tgtEl>
-                                          <p:spTgt spid="2">
-                                            <p:txEl>
-                                              <p:pRg st="1" end="1"/>
-                                            </p:txEl>
-                                          </p:spTgt>
-                                        </p:tgtEl>
-                                      </p:cBhvr>
-                                    </p:animEffect>
-                                  </p:childTnLst>
-                                </p:cTn>
-                              </p:par>
-                              <p:par>
-                                <p:cTn id="11" presetID="10" presetClass="entr" presetSubtype="0" fill="hold" grpId="0" nodeType="withEffect">
-                                  <p:stCondLst>
-                                    <p:cond delay="0"/>
-                                  </p:stCondLst>
-                                  <p:childTnLst>
-                                    <p:set>
-                                      <p:cBhvr>
-                                        <p:cTn id="12" dur="1" fill="hold">
-                                          <p:stCondLst>
-                                            <p:cond delay="0"/>
-                                          </p:stCondLst>
-                                        </p:cTn>
-                                        <p:tgtEl>
-                                          <p:spTgt spid="2">
-                                            <p:txEl>
-                                              <p:pRg st="2" end="2"/>
-                                            </p:txEl>
-                                          </p:spTgt>
-                                        </p:tgtEl>
-                                        <p:attrNameLst>
-                                          <p:attrName>style.visibility</p:attrName>
-                                        </p:attrNameLst>
-                                      </p:cBhvr>
-                                      <p:to>
-                                        <p:strVal val="visible"/>
-                                      </p:to>
-                                    </p:set>
-                                    <p:animEffect transition="in" filter="fade">
-                                      <p:cBhvr>
-                                        <p:cTn id="13" dur="500"/>
-                                        <p:tgtEl>
-                                          <p:spTgt spid="2">
-                                            <p:txEl>
-                                              <p:pRg st="2" end="2"/>
-                                            </p:txEl>
-                                          </p:spTgt>
-                                        </p:tgtEl>
-                                      </p:cBhvr>
-                                    </p:animEffect>
-                                  </p:childTnLst>
-                                </p:cTn>
-                              </p:par>
-                              <p:par>
-                                <p:cTn id="14" presetID="10" presetClass="entr" presetSubtype="0" fill="hold" grpId="0" nodeType="withEffect">
-                                  <p:stCondLst>
-                                    <p:cond delay="0"/>
-                                  </p:stCondLst>
-                                  <p:childTnLst>
-                                    <p:set>
-                                      <p:cBhvr>
-                                        <p:cTn id="15" dur="1" fill="hold">
-                                          <p:stCondLst>
-                                            <p:cond delay="0"/>
-                                          </p:stCondLst>
-                                        </p:cTn>
-                                        <p:tgtEl>
-                                          <p:spTgt spid="2">
-                                            <p:txEl>
-                                              <p:pRg st="3" end="3"/>
-                                            </p:txEl>
-                                          </p:spTgt>
-                                        </p:tgtEl>
-                                        <p:attrNameLst>
-                                          <p:attrName>style.visibility</p:attrName>
-                                        </p:attrNameLst>
-                                      </p:cBhvr>
-                                      <p:to>
-                                        <p:strVal val="visible"/>
-                                      </p:to>
-                                    </p:set>
-                                    <p:animEffect transition="in" filter="fade">
-                                      <p:cBhvr>
-                                        <p:cTn id="16" dur="500"/>
-                                        <p:tgtEl>
-                                          <p:spTgt spid="2">
-                                            <p:txEl>
-                                              <p:pRg st="3" end="3"/>
-                                            </p:txEl>
-                                          </p:spTgt>
-                                        </p:tgtEl>
-                                      </p:cBhvr>
-                                    </p:animEffect>
-                                  </p:childTnLst>
-                                </p:cTn>
-                              </p:par>
-                              <p:par>
-                                <p:cTn id="17" presetID="10" presetClass="entr" presetSubtype="0" fill="hold" grpId="0" nodeType="withEffect">
-                                  <p:stCondLst>
-                                    <p:cond delay="0"/>
-                                  </p:stCondLst>
-                                  <p:childTnLst>
-                                    <p:set>
-                                      <p:cBhvr>
-                                        <p:cTn id="18" dur="1" fill="hold">
-                                          <p:stCondLst>
-                                            <p:cond delay="0"/>
-                                          </p:stCondLst>
-                                        </p:cTn>
-                                        <p:tgtEl>
-                                          <p:spTgt spid="2">
-                                            <p:txEl>
-                                              <p:pRg st="4" end="4"/>
-                                            </p:txEl>
-                                          </p:spTgt>
-                                        </p:tgtEl>
-                                        <p:attrNameLst>
-                                          <p:attrName>style.visibility</p:attrName>
-                                        </p:attrNameLst>
-                                      </p:cBhvr>
-                                      <p:to>
-                                        <p:strVal val="visible"/>
-                                      </p:to>
-                                    </p:set>
-                                    <p:animEffect transition="in" filter="fade">
-                                      <p:cBhvr>
-                                        <p:cTn id="19" dur="500"/>
-                                        <p:tgtEl>
-                                          <p:spTgt spid="2">
-                                            <p:txEl>
-                                              <p:pRg st="4" end="4"/>
                                             </p:txEl>
                                           </p:spTgt>
                                         </p:tgtEl>
@@ -16091,21 +17339,83 @@
         <p:spPr/>
         <p:txBody>
           <a:bodyPr anchor="t">
-            <a:normAutofit/>
+            <a:normAutofit lnSpcReduction="10000"/>
           </a:bodyPr>
           <a:lstStyle/>
+          <a:p>
+            <a:pPr marL="461962" indent="-457200">
+              <a:buSzPct val="80000"/>
+              <a:buFont typeface="System Font Regular"/>
+              <a:buChar char="📚"/>
+            </a:pPr>
+            <a:r>
+              <a:rPr lang="en-US" dirty="0">
+                <a:latin typeface="National 2" panose="020B0504030502020203" pitchFamily="34" charset="77"/>
+              </a:rPr>
+              <a:t>Large Language Models are artificial intelligence systems trained on massive amounts of text to “understand” and generate human language</a:t>
+            </a:r>
+          </a:p>
+          <a:p>
+            <a:pPr marL="461962" indent="-457200">
+              <a:buSzPct val="80000"/>
+              <a:buFont typeface="System Font Regular"/>
+              <a:buChar char="🤖"/>
+            </a:pPr>
+            <a:r>
+              <a:rPr lang="en-US" dirty="0">
+                <a:latin typeface="National 2" panose="020B0504030502020203" pitchFamily="34" charset="77"/>
+              </a:rPr>
+              <a:t>Large Language Models are not just chat bots</a:t>
+            </a:r>
+          </a:p>
+          <a:p>
+            <a:pPr marL="461962" indent="-457200">
+              <a:buSzPct val="80000"/>
+              <a:buFont typeface="System Font Regular"/>
+              <a:buChar char="💪"/>
+            </a:pPr>
+            <a:r>
+              <a:rPr lang="en-US" dirty="0">
+                <a:latin typeface="National 2" panose="020B0504030502020203" pitchFamily="34" charset="77"/>
+              </a:rPr>
+              <a:t>They can be powerful text processing and analysis tools</a:t>
+            </a:r>
+          </a:p>
+          <a:p>
+            <a:pPr marL="461962" indent="-457200">
+              <a:buSzPct val="80000"/>
+              <a:buFont typeface="System Font Regular"/>
+              <a:buChar char="💬"/>
+            </a:pPr>
+            <a:r>
+              <a:rPr lang="en-US" dirty="0">
+                <a:latin typeface="National 2" panose="020B0504030502020203" pitchFamily="34" charset="77"/>
+              </a:rPr>
+              <a:t>They allow natural language interaction instead of code</a:t>
+            </a:r>
+          </a:p>
+          <a:p>
+            <a:pPr marL="461962" indent="-457200">
+              <a:buSzPct val="90000"/>
+              <a:buFont typeface="System Font Regular"/>
+              <a:buChar char="🏇"/>
+            </a:pPr>
+            <a:r>
+              <a:rPr lang="en-US" dirty="0">
+                <a:latin typeface="National 2" panose="020B0504030502020203" pitchFamily="34" charset="77"/>
+              </a:rPr>
+              <a:t>They can do many tasks a human reader could do, but at scale</a:t>
+            </a:r>
+          </a:p>
           <a:p>
             <a:pPr marL="461962" indent="-457200">
               <a:buSzPct val="80000"/>
               <a:buFont typeface="System Font Regular"/>
               <a:buChar char="☝️"/>
             </a:pPr>
-            <a:r>
-              <a:rPr lang="en-US" dirty="0">
-                <a:latin typeface="National 2" panose="020B0504030502020203" pitchFamily="34" charset="77"/>
-              </a:rPr>
-              <a:t>API stands for Application Programming Interface</a:t>
-            </a:r>
+            <a:endParaRPr lang="en-US" dirty="0">
+              <a:latin typeface="National 2" panose="020B0504030502020203" pitchFamily="34" charset="77"/>
+            </a:endParaRPr>
           </a:p>
           <a:p>
             <a:pPr marL="461962" indent="-457200">
@@ -16142,7 +17452,7 @@
           <a:p>
             <a:r>
               <a:rPr lang="en-US" dirty="0"/>
-              <a:t>What is an API?</a:t>
+              <a:t>Why use Large Language Models?</a:t>
             </a:r>
           </a:p>
         </p:txBody>
@@ -16218,353 +17528,6 @@
   </p:clrMapOvr>
   <p:transition spd="slow">
     <p:wipe/>
-  </p:transition>
-  <p:timing>
-    <p:tnLst>
-      <p:par>
-        <p:cTn id="1" dur="indefinite" restart="never" nodeType="tmRoot">
-          <p:childTnLst>
-            <p:seq concurrent="1" nextAc="seek">
-              <p:cTn id="2" dur="indefinite" nodeType="mainSeq">
-                <p:childTnLst>
-                  <p:par>
-                    <p:cTn id="3" fill="hold">
-                      <p:stCondLst>
-                        <p:cond delay="indefinite"/>
-                      </p:stCondLst>
-                      <p:childTnLst>
-                        <p:par>
-                          <p:cTn id="4" fill="hold">
-                            <p:stCondLst>
-                              <p:cond delay="0"/>
-                            </p:stCondLst>
-                            <p:childTnLst>
-                              <p:par>
-                                <p:cTn id="5" presetID="10" presetClass="entr" presetSubtype="0" fill="hold" grpId="0" nodeType="clickEffect">
-                                  <p:stCondLst>
-                                    <p:cond delay="0"/>
-                                  </p:stCondLst>
-                                  <p:childTnLst>
-                                    <p:set>
-                                      <p:cBhvr>
-                                        <p:cTn id="6" dur="1" fill="hold">
-                                          <p:stCondLst>
-                                            <p:cond delay="0"/>
-                                          </p:stCondLst>
-                                        </p:cTn>
-                                        <p:tgtEl>
-                                          <p:spTgt spid="2">
-                                            <p:txEl>
-                                              <p:pRg st="0" end="0"/>
-                                            </p:txEl>
-                                          </p:spTgt>
-                                        </p:tgtEl>
-                                        <p:attrNameLst>
-                                          <p:attrName>style.visibility</p:attrName>
-                                        </p:attrNameLst>
-                                      </p:cBhvr>
-                                      <p:to>
-                                        <p:strVal val="visible"/>
-                                      </p:to>
-                                    </p:set>
-                                    <p:animEffect transition="in" filter="fade">
-                                      <p:cBhvr>
-                                        <p:cTn id="7" dur="500"/>
-                                        <p:tgtEl>
-                                          <p:spTgt spid="2">
-                                            <p:txEl>
-                                              <p:pRg st="0" end="0"/>
-                                            </p:txEl>
-                                          </p:spTgt>
-                                        </p:tgtEl>
-                                      </p:cBhvr>
-                                    </p:animEffect>
-                                  </p:childTnLst>
-                                </p:cTn>
-                              </p:par>
-                            </p:childTnLst>
-                          </p:cTn>
-                        </p:par>
-                      </p:childTnLst>
-                    </p:cTn>
-                  </p:par>
-                </p:childTnLst>
-              </p:cTn>
-              <p:prevCondLst>
-                <p:cond evt="onPrev" delay="0">
-                  <p:tgtEl>
-                    <p:sldTgt/>
-                  </p:tgtEl>
-                </p:cond>
-              </p:prevCondLst>
-              <p:nextCondLst>
-                <p:cond evt="onNext" delay="0">
-                  <p:tgtEl>
-                    <p:sldTgt/>
-                  </p:tgtEl>
-                </p:cond>
-              </p:nextCondLst>
-            </p:seq>
-          </p:childTnLst>
-        </p:cTn>
-      </p:par>
-    </p:tnLst>
-    <p:bldLst>
-      <p:bldP spid="2" grpId="0" uiExpand="1" build="p"/>
-    </p:bldLst>
-  </p:timing>
-</p:sld>
-</file>
-
-<file path=ppt/slides/slide7.xml><?xml version="1.0" encoding="utf-8"?>
-<p:sld xmlns:a="http://schemas.openxmlformats.org/drawingml/2006/main" xmlns:r="http://schemas.openxmlformats.org/officeDocument/2006/relationships" xmlns:p="http://schemas.openxmlformats.org/presentationml/2006/main">
-  <p:cSld>
-    <p:spTree>
-      <p:nvGrpSpPr>
-        <p:cNvPr id="1" name=""/>
-        <p:cNvGrpSpPr/>
-        <p:nvPr/>
-      </p:nvGrpSpPr>
-      <p:grpSpPr>
-        <a:xfrm>
-          <a:off x="0" y="0"/>
-          <a:ext cx="0" cy="0"/>
-          <a:chOff x="0" y="0"/>
-          <a:chExt cx="0" cy="0"/>
-        </a:xfrm>
-      </p:grpSpPr>
-      <p:sp>
-        <p:nvSpPr>
-          <p:cNvPr id="2" name="Content Placeholder 1">
-            <a:extLst>
-              <a:ext uri="{FF2B5EF4-FFF2-40B4-BE49-F238E27FC236}">
-                <a16:creationId xmlns:a16="http://schemas.microsoft.com/office/drawing/2014/main" id="{DF0B9363-0028-DBA6-5AE9-18F59C1FBB2D}"/>
-              </a:ext>
-            </a:extLst>
-          </p:cNvPr>
-          <p:cNvSpPr>
-            <a:spLocks noGrp="1"/>
-          </p:cNvSpPr>
-          <p:nvPr>
-            <p:ph sz="quarter" idx="11"/>
-          </p:nvPr>
-        </p:nvSpPr>
-        <p:spPr/>
-        <p:txBody>
-          <a:bodyPr>
-            <a:normAutofit fontScale="92500" lnSpcReduction="20000"/>
-          </a:bodyPr>
-          <a:lstStyle/>
-          <a:p>
-            <a:pPr marL="342900" indent="-388938">
-              <a:buSzPct val="80000"/>
-              <a:buFont typeface="System Font Regular"/>
-              <a:buChar char="🧩"/>
-            </a:pPr>
-            <a:r>
-              <a:rPr lang="en-US" dirty="0"/>
-              <a:t>A piece of software can be thought of in two parts:</a:t>
-            </a:r>
-          </a:p>
-          <a:p>
-            <a:pPr marL="868680" lvl="1" indent="-457200">
-              <a:buFont typeface="+mj-lt"/>
-              <a:buAutoNum type="arabicPeriod"/>
-            </a:pPr>
-            <a:r>
-              <a:rPr lang="en-US" dirty="0"/>
-              <a:t>How it does what it does (the </a:t>
-            </a:r>
-            <a:r>
-              <a:rPr lang="en-US" i="1" dirty="0"/>
-              <a:t>implementation</a:t>
-            </a:r>
-            <a:r>
-              <a:rPr lang="en-US" dirty="0"/>
-              <a:t>)</a:t>
-            </a:r>
-          </a:p>
-          <a:p>
-            <a:pPr marL="868680" lvl="1" indent="-457200">
-              <a:buFont typeface="+mj-lt"/>
-              <a:buAutoNum type="arabicPeriod"/>
-            </a:pPr>
-            <a:r>
-              <a:rPr lang="en-US" dirty="0"/>
-              <a:t>What the user of the software needs to put in and what they can get out (the </a:t>
-            </a:r>
-            <a:r>
-              <a:rPr lang="en-US" i="1" dirty="0"/>
-              <a:t>interface</a:t>
-            </a:r>
-            <a:r>
-              <a:rPr lang="en-US" dirty="0"/>
-              <a:t>)</a:t>
-            </a:r>
-          </a:p>
-          <a:p>
-            <a:pPr marL="342900" indent="-388938">
-              <a:buSzPct val="80000"/>
-              <a:buFont typeface="System Font Regular"/>
-              <a:buChar char="🤷"/>
-            </a:pPr>
-            <a:r>
-              <a:rPr lang="en-US" dirty="0"/>
-              <a:t>The implementation rarely matters to a user</a:t>
-            </a:r>
-          </a:p>
-          <a:p>
-            <a:pPr marL="400050" indent="-395288">
-              <a:buSzPct val="80000"/>
-              <a:buFont typeface="System Font Regular"/>
-              <a:buChar char="💯"/>
-            </a:pPr>
-            <a:r>
-              <a:rPr lang="en-US" dirty="0"/>
-              <a:t>The interface is all we need to know to use the software</a:t>
-            </a:r>
-          </a:p>
-          <a:p>
-            <a:pPr marL="400050" indent="-400050">
-              <a:buSzPct val="80000"/>
-              <a:buFont typeface="System Font Regular"/>
-              <a:buChar char="👌"/>
-            </a:pPr>
-            <a:r>
-              <a:rPr lang="en-US" dirty="0"/>
-              <a:t>The implementation may change, as long as the interface stays the same</a:t>
-            </a:r>
-          </a:p>
-          <a:p>
-            <a:pPr marL="400050" indent="-446088">
-              <a:buSzPct val="80000"/>
-              <a:buFont typeface="System Font Regular"/>
-              <a:buChar char="🤝"/>
-            </a:pPr>
-            <a:r>
-              <a:rPr lang="en-US" dirty="0"/>
-              <a:t>The interface is a contract between the program and the user</a:t>
-            </a:r>
-          </a:p>
-          <a:p>
-            <a:pPr lvl="1"/>
-            <a:endParaRPr lang="en-US" dirty="0"/>
-          </a:p>
-          <a:p>
-            <a:endParaRPr lang="en-US" dirty="0"/>
-          </a:p>
-        </p:txBody>
-      </p:sp>
-      <p:sp>
-        <p:nvSpPr>
-          <p:cNvPr id="3" name="Title 2">
-            <a:extLst>
-              <a:ext uri="{FF2B5EF4-FFF2-40B4-BE49-F238E27FC236}">
-                <a16:creationId xmlns:a16="http://schemas.microsoft.com/office/drawing/2014/main" id="{FDD1B3FD-D36E-3FAB-632E-1474A3B77516}"/>
-              </a:ext>
-            </a:extLst>
-          </p:cNvPr>
-          <p:cNvSpPr>
-            <a:spLocks noGrp="1"/>
-          </p:cNvSpPr>
-          <p:nvPr>
-            <p:ph type="title"/>
-          </p:nvPr>
-        </p:nvSpPr>
-        <p:spPr/>
-        <p:txBody>
-          <a:bodyPr/>
-          <a:lstStyle/>
-          <a:p>
-            <a:r>
-              <a:rPr lang="en-US" dirty="0"/>
-              <a:t>What is an interface? </a:t>
-            </a:r>
-            <a:r>
-              <a:rPr lang="en-US" dirty="0">
-                <a:solidFill>
-                  <a:schemeClr val="accent6">
-                    <a:lumMod val="75000"/>
-                  </a:schemeClr>
-                </a:solidFill>
-                <a:latin typeface="National 2" panose="020B0504030502020203" pitchFamily="34" charset="77"/>
-              </a:rPr>
-              <a:t>(in software design)</a:t>
-            </a:r>
-          </a:p>
-        </p:txBody>
-      </p:sp>
-      <p:sp>
-        <p:nvSpPr>
-          <p:cNvPr id="4" name="Footer Placeholder 3">
-            <a:extLst>
-              <a:ext uri="{FF2B5EF4-FFF2-40B4-BE49-F238E27FC236}">
-                <a16:creationId xmlns:a16="http://schemas.microsoft.com/office/drawing/2014/main" id="{968242C7-E2D4-8843-F88F-38439C33F64B}"/>
-              </a:ext>
-            </a:extLst>
-          </p:cNvPr>
-          <p:cNvSpPr>
-            <a:spLocks noGrp="1"/>
-          </p:cNvSpPr>
-          <p:nvPr>
-            <p:ph type="ftr" sz="quarter" idx="12"/>
-          </p:nvPr>
-        </p:nvSpPr>
-        <p:spPr/>
-        <p:txBody>
-          <a:bodyPr/>
-          <a:lstStyle/>
-          <a:p>
-            <a:r>
-              <a:rPr lang="en-AU"/>
-              <a:t>Chatty Documents</a:t>
-            </a:r>
-            <a:endParaRPr lang="en-AU" dirty="0"/>
-          </a:p>
-        </p:txBody>
-      </p:sp>
-      <p:sp>
-        <p:nvSpPr>
-          <p:cNvPr id="5" name="Slide Number Placeholder 4">
-            <a:extLst>
-              <a:ext uri="{FF2B5EF4-FFF2-40B4-BE49-F238E27FC236}">
-                <a16:creationId xmlns:a16="http://schemas.microsoft.com/office/drawing/2014/main" id="{D3C6758C-2F79-CBC4-702A-380F8C6F2909}"/>
-              </a:ext>
-            </a:extLst>
-          </p:cNvPr>
-          <p:cNvSpPr>
-            <a:spLocks noGrp="1"/>
-          </p:cNvSpPr>
-          <p:nvPr>
-            <p:ph type="sldNum" sz="quarter" idx="13"/>
-          </p:nvPr>
-        </p:nvSpPr>
-        <p:spPr/>
-        <p:txBody>
-          <a:bodyPr/>
-          <a:lstStyle/>
-          <a:p>
-            <a:fld id="{E917DE0E-AFB1-41FD-BC35-27DB61CA125F}" type="slidenum">
-              <a:rPr lang="en-AU" smtClean="0"/>
-              <a:pPr/>
-              <a:t>7</a:t>
-            </a:fld>
-            <a:endParaRPr lang="en-AU" dirty="0"/>
-          </a:p>
-        </p:txBody>
-      </p:sp>
-    </p:spTree>
-    <p:extLst>
-      <p:ext uri="{BB962C8B-B14F-4D97-AF65-F5344CB8AC3E}">
-        <p14:creationId xmlns:p14="http://schemas.microsoft.com/office/powerpoint/2010/main" val="149818715"/>
-      </p:ext>
-    </p:extLst>
-  </p:cSld>
-  <p:clrMapOvr>
-    <a:masterClrMapping/>
-  </p:clrMapOvr>
-  <p:transition spd="slow">
-    <p:push/>
   </p:transition>
   <p:timing>
     <p:tnLst>
@@ -16879,27 +17842,308 @@
                       </p:childTnLst>
                     </p:cTn>
                   </p:par>
+                </p:childTnLst>
+              </p:cTn>
+              <p:prevCondLst>
+                <p:cond evt="onPrev" delay="0">
+                  <p:tgtEl>
+                    <p:sldTgt/>
+                  </p:tgtEl>
+                </p:cond>
+              </p:prevCondLst>
+              <p:nextCondLst>
+                <p:cond evt="onNext" delay="0">
+                  <p:tgtEl>
+                    <p:sldTgt/>
+                  </p:tgtEl>
+                </p:cond>
+              </p:nextCondLst>
+            </p:seq>
+          </p:childTnLst>
+        </p:cTn>
+      </p:par>
+    </p:tnLst>
+    <p:bldLst>
+      <p:bldP spid="2" grpId="0" uiExpand="1" build="p"/>
+    </p:bldLst>
+  </p:timing>
+</p:sld>
+</file>
+
+<file path=ppt/slides/slide7.xml><?xml version="1.0" encoding="utf-8"?>
+<p:sld xmlns:a="http://schemas.openxmlformats.org/drawingml/2006/main" xmlns:r="http://schemas.openxmlformats.org/officeDocument/2006/relationships" xmlns:p="http://schemas.openxmlformats.org/presentationml/2006/main">
+  <p:cSld>
+    <p:spTree>
+      <p:nvGrpSpPr>
+        <p:cNvPr id="1" name=""/>
+        <p:cNvGrpSpPr/>
+        <p:nvPr/>
+      </p:nvGrpSpPr>
+      <p:grpSpPr>
+        <a:xfrm>
+          <a:off x="0" y="0"/>
+          <a:ext cx="0" cy="0"/>
+          <a:chOff x="0" y="0"/>
+          <a:chExt cx="0" cy="0"/>
+        </a:xfrm>
+      </p:grpSpPr>
+      <p:sp>
+        <p:nvSpPr>
+          <p:cNvPr id="2" name="Content Placeholder 1">
+            <a:extLst>
+              <a:ext uri="{FF2B5EF4-FFF2-40B4-BE49-F238E27FC236}">
+                <a16:creationId xmlns:a16="http://schemas.microsoft.com/office/drawing/2014/main" id="{74DDB33E-DB0A-06D7-B778-D0D01BB6ED7C}"/>
+              </a:ext>
+            </a:extLst>
+          </p:cNvPr>
+          <p:cNvSpPr>
+            <a:spLocks noGrp="1"/>
+          </p:cNvSpPr>
+          <p:nvPr>
+            <p:ph sz="quarter" idx="11"/>
+          </p:nvPr>
+        </p:nvSpPr>
+        <p:spPr/>
+        <p:txBody>
+          <a:bodyPr anchor="t">
+            <a:normAutofit/>
+          </a:bodyPr>
+          <a:lstStyle/>
+          <a:p>
+            <a:pPr marL="461962" indent="-457200">
+              <a:buSzPct val="80000"/>
+              <a:buFont typeface="System Font Regular"/>
+              <a:buChar char="😱"/>
+            </a:pPr>
+            <a:r>
+              <a:rPr lang="en-US" dirty="0">
+                <a:latin typeface="National 2" panose="020B0504030502020203" pitchFamily="34" charset="77"/>
+              </a:rPr>
+              <a:t>Large Language Models are Large and require staggering resources</a:t>
+            </a:r>
+          </a:p>
+          <a:p>
+            <a:pPr marL="461962" indent="-457200">
+              <a:buSzPct val="80000"/>
+              <a:buFont typeface="System Font Regular"/>
+              <a:buChar char="🫤"/>
+            </a:pPr>
+            <a:r>
+              <a:rPr lang="en-US" dirty="0">
+                <a:latin typeface="National 2" panose="020B0504030502020203" pitchFamily="34" charset="77"/>
+              </a:rPr>
+              <a:t>The best Large Language Models are accessible through commercial APIs (</a:t>
+            </a:r>
+            <a:r>
+              <a:rPr lang="en-US" dirty="0" err="1">
+                <a:latin typeface="National 2" panose="020B0504030502020203" pitchFamily="34" charset="77"/>
+              </a:rPr>
+              <a:t>OpenAI</a:t>
+            </a:r>
+            <a:r>
+              <a:rPr lang="en-US" dirty="0">
+                <a:latin typeface="National 2" panose="020B0504030502020203" pitchFamily="34" charset="77"/>
+              </a:rPr>
+              <a:t>, Google </a:t>
+            </a:r>
+            <a:r>
+              <a:rPr lang="en-US" dirty="0" err="1">
+                <a:latin typeface="National 2" panose="020B0504030502020203" pitchFamily="34" charset="77"/>
+              </a:rPr>
+              <a:t>VertexAI</a:t>
+            </a:r>
+            <a:r>
+              <a:rPr lang="en-US" dirty="0">
+                <a:latin typeface="National 2" panose="020B0504030502020203" pitchFamily="34" charset="77"/>
+              </a:rPr>
+              <a:t>):</a:t>
+            </a:r>
+          </a:p>
+          <a:p>
+            <a:pPr marL="919162" lvl="1" indent="-457200">
+              <a:buSzPct val="80000"/>
+              <a:buFont typeface="System Font Regular"/>
+              <a:buChar char="💸"/>
+            </a:pPr>
+            <a:r>
+              <a:rPr lang="en-US" dirty="0">
+                <a:latin typeface="National 2" panose="020B0504030502020203" pitchFamily="34" charset="77"/>
+              </a:rPr>
+              <a:t>Cost may become significant for large amounts of text</a:t>
+            </a:r>
+          </a:p>
+          <a:p>
+            <a:pPr marL="804862" lvl="1" indent="-342900">
+              <a:buSzPct val="80000"/>
+              <a:buFont typeface="System Font Regular"/>
+              <a:buChar char="👀"/>
+            </a:pPr>
+            <a:r>
+              <a:rPr lang="en-US" dirty="0">
+                <a:latin typeface="National 2" panose="020B0504030502020203" pitchFamily="34" charset="77"/>
+              </a:rPr>
+              <a:t>Privacy and confidentiality is at risk</a:t>
+            </a:r>
+          </a:p>
+          <a:p>
+            <a:pPr marL="461962" indent="-457200">
+              <a:buSzPct val="80000"/>
+              <a:buFont typeface="System Font Regular"/>
+              <a:buChar char="☝️"/>
+            </a:pPr>
+            <a:endParaRPr lang="en-US" dirty="0">
+              <a:latin typeface="National 2" panose="020B0504030502020203" pitchFamily="34" charset="77"/>
+            </a:endParaRPr>
+          </a:p>
+          <a:p>
+            <a:pPr marL="461962" indent="-457200">
+              <a:buSzPct val="80000"/>
+              <a:buFont typeface="System Font Regular"/>
+              <a:buChar char="☝️"/>
+            </a:pPr>
+            <a:endParaRPr lang="en-US" dirty="0">
+              <a:latin typeface="National 2" panose="020B0504030502020203" pitchFamily="34" charset="77"/>
+            </a:endParaRPr>
+          </a:p>
+        </p:txBody>
+      </p:sp>
+      <p:sp>
+        <p:nvSpPr>
+          <p:cNvPr id="3" name="Title 2">
+            <a:extLst>
+              <a:ext uri="{FF2B5EF4-FFF2-40B4-BE49-F238E27FC236}">
+                <a16:creationId xmlns:a16="http://schemas.microsoft.com/office/drawing/2014/main" id="{D6C3D70B-F697-CE72-CC1A-0129AD1DD7A9}"/>
+              </a:ext>
+            </a:extLst>
+          </p:cNvPr>
+          <p:cNvSpPr>
+            <a:spLocks noGrp="1"/>
+          </p:cNvSpPr>
+          <p:nvPr>
+            <p:ph type="title"/>
+          </p:nvPr>
+        </p:nvSpPr>
+        <p:spPr/>
+        <p:txBody>
+          <a:bodyPr/>
+          <a:lstStyle/>
+          <a:p>
+            <a:r>
+              <a:rPr lang="en-US" dirty="0"/>
+              <a:t>Why </a:t>
+            </a:r>
+            <a:r>
+              <a:rPr lang="en-US" i="1" dirty="0"/>
+              <a:t>not </a:t>
+            </a:r>
+            <a:r>
+              <a:rPr lang="en-US" dirty="0"/>
+              <a:t>use Large Language Models?</a:t>
+            </a:r>
+          </a:p>
+        </p:txBody>
+      </p:sp>
+      <p:sp>
+        <p:nvSpPr>
+          <p:cNvPr id="4" name="Footer Placeholder 3">
+            <a:extLst>
+              <a:ext uri="{FF2B5EF4-FFF2-40B4-BE49-F238E27FC236}">
+                <a16:creationId xmlns:a16="http://schemas.microsoft.com/office/drawing/2014/main" id="{8AD73267-12C3-5AF1-40CD-D6E195026C3C}"/>
+              </a:ext>
+            </a:extLst>
+          </p:cNvPr>
+          <p:cNvSpPr>
+            <a:spLocks noGrp="1"/>
+          </p:cNvSpPr>
+          <p:nvPr>
+            <p:ph type="ftr" sz="quarter" idx="12"/>
+          </p:nvPr>
+        </p:nvSpPr>
+        <p:spPr/>
+        <p:txBody>
+          <a:bodyPr/>
+          <a:lstStyle/>
+          <a:p>
+            <a:r>
+              <a:rPr lang="en-AU"/>
+              <a:t>Chatty Documents</a:t>
+            </a:r>
+            <a:endParaRPr lang="en-AU" dirty="0"/>
+          </a:p>
+        </p:txBody>
+      </p:sp>
+      <p:sp>
+        <p:nvSpPr>
+          <p:cNvPr id="5" name="Slide Number Placeholder 4">
+            <a:extLst>
+              <a:ext uri="{FF2B5EF4-FFF2-40B4-BE49-F238E27FC236}">
+                <a16:creationId xmlns:a16="http://schemas.microsoft.com/office/drawing/2014/main" id="{26CD214A-B78A-621F-824E-1B58D4E120FC}"/>
+              </a:ext>
+            </a:extLst>
+          </p:cNvPr>
+          <p:cNvSpPr>
+            <a:spLocks noGrp="1"/>
+          </p:cNvSpPr>
+          <p:nvPr>
+            <p:ph type="sldNum" sz="quarter" idx="13"/>
+          </p:nvPr>
+        </p:nvSpPr>
+        <p:spPr/>
+        <p:txBody>
+          <a:bodyPr/>
+          <a:lstStyle/>
+          <a:p>
+            <a:fld id="{E917DE0E-AFB1-41FD-BC35-27DB61CA125F}" type="slidenum">
+              <a:rPr lang="en-AU" smtClean="0"/>
+              <a:pPr/>
+              <a:t>7</a:t>
+            </a:fld>
+            <a:endParaRPr lang="en-AU" dirty="0"/>
+          </a:p>
+        </p:txBody>
+      </p:sp>
+    </p:spTree>
+    <p:extLst>
+      <p:ext uri="{BB962C8B-B14F-4D97-AF65-F5344CB8AC3E}">
+        <p14:creationId xmlns:p14="http://schemas.microsoft.com/office/powerpoint/2010/main" val="1465471012"/>
+      </p:ext>
+    </p:extLst>
+  </p:cSld>
+  <p:clrMapOvr>
+    <a:masterClrMapping/>
+  </p:clrMapOvr>
+  <p:transition spd="slow">
+    <p:wipe/>
+  </p:transition>
+  <p:timing>
+    <p:tnLst>
+      <p:par>
+        <p:cTn id="1" dur="indefinite" restart="never" nodeType="tmRoot">
+          <p:childTnLst>
+            <p:seq concurrent="1" nextAc="seek">
+              <p:cTn id="2" dur="indefinite" nodeType="mainSeq">
+                <p:childTnLst>
                   <p:par>
-                    <p:cTn id="28" fill="hold">
+                    <p:cTn id="3" fill="hold">
                       <p:stCondLst>
                         <p:cond delay="indefinite"/>
                       </p:stCondLst>
                       <p:childTnLst>
                         <p:par>
-                          <p:cTn id="29" fill="hold">
+                          <p:cTn id="4" fill="hold">
                             <p:stCondLst>
                               <p:cond delay="0"/>
                             </p:stCondLst>
                             <p:childTnLst>
                               <p:par>
-                                <p:cTn id="30" presetID="10" presetClass="entr" presetSubtype="0" fill="hold" grpId="0" nodeType="clickEffect">
+                                <p:cTn id="5" presetID="10" presetClass="entr" presetSubtype="0" fill="hold" grpId="0" nodeType="clickEffect">
                                   <p:stCondLst>
                                     <p:cond delay="0"/>
                                   </p:stCondLst>
                                   <p:childTnLst>
                                     <p:set>
                                       <p:cBhvr>
-                                        <p:cTn id="31" dur="1" fill="hold">
+                                        <p:cTn id="6" dur="1" fill="hold">
                                           <p:stCondLst>
                                             <p:cond delay="0"/>
                                           </p:stCondLst>
@@ -16907,7 +18151,7 @@
                                         <p:tgtEl>
                                           <p:spTgt spid="2">
                                             <p:txEl>
-                                              <p:pRg st="5" end="5"/>
+                                              <p:pRg st="0" end="0"/>
                                             </p:txEl>
                                           </p:spTgt>
                                         </p:tgtEl>
@@ -16921,11 +18165,11 @@
                                     </p:set>
                                     <p:animEffect transition="in" filter="fade">
                                       <p:cBhvr>
-                                        <p:cTn id="32" dur="500"/>
+                                        <p:cTn id="7" dur="500"/>
                                         <p:tgtEl>
                                           <p:spTgt spid="2">
                                             <p:txEl>
-                                              <p:pRg st="5" end="5"/>
+                                              <p:pRg st="0" end="0"/>
                                             </p:txEl>
                                           </p:spTgt>
                                         </p:tgtEl>
@@ -16941,26 +18185,26 @@
                     </p:cTn>
                   </p:par>
                   <p:par>
-                    <p:cTn id="33" fill="hold">
+                    <p:cTn id="8" fill="hold">
                       <p:stCondLst>
                         <p:cond delay="indefinite"/>
                       </p:stCondLst>
                       <p:childTnLst>
                         <p:par>
-                          <p:cTn id="34" fill="hold">
+                          <p:cTn id="9" fill="hold">
                             <p:stCondLst>
                               <p:cond delay="0"/>
                             </p:stCondLst>
                             <p:childTnLst>
                               <p:par>
-                                <p:cTn id="35" presetID="10" presetClass="entr" presetSubtype="0" fill="hold" grpId="0" nodeType="clickEffect">
+                                <p:cTn id="10" presetID="10" presetClass="entr" presetSubtype="0" fill="hold" grpId="0" nodeType="clickEffect">
                                   <p:stCondLst>
                                     <p:cond delay="0"/>
                                   </p:stCondLst>
                                   <p:childTnLst>
                                     <p:set>
                                       <p:cBhvr>
-                                        <p:cTn id="36" dur="1" fill="hold">
+                                        <p:cTn id="11" dur="1" fill="hold">
                                           <p:stCondLst>
                                             <p:cond delay="0"/>
                                           </p:stCondLst>
@@ -16968,7 +18212,7 @@
                                         <p:tgtEl>
                                           <p:spTgt spid="2">
                                             <p:txEl>
-                                              <p:pRg st="6" end="6"/>
+                                              <p:pRg st="1" end="1"/>
                                             </p:txEl>
                                           </p:spTgt>
                                         </p:tgtEl>
@@ -16982,11 +18226,133 @@
                                     </p:set>
                                     <p:animEffect transition="in" filter="fade">
                                       <p:cBhvr>
-                                        <p:cTn id="37" dur="500"/>
+                                        <p:cTn id="12" dur="500"/>
                                         <p:tgtEl>
                                           <p:spTgt spid="2">
                                             <p:txEl>
-                                              <p:pRg st="6" end="6"/>
+                                              <p:pRg st="1" end="1"/>
+                                            </p:txEl>
+                                          </p:spTgt>
+                                        </p:tgtEl>
+                                      </p:cBhvr>
+                                    </p:animEffect>
+                                  </p:childTnLst>
+                                </p:cTn>
+                              </p:par>
+                            </p:childTnLst>
+                          </p:cTn>
+                        </p:par>
+                      </p:childTnLst>
+                    </p:cTn>
+                  </p:par>
+                  <p:par>
+                    <p:cTn id="13" fill="hold">
+                      <p:stCondLst>
+                        <p:cond delay="indefinite"/>
+                      </p:stCondLst>
+                      <p:childTnLst>
+                        <p:par>
+                          <p:cTn id="14" fill="hold">
+                            <p:stCondLst>
+                              <p:cond delay="0"/>
+                            </p:stCondLst>
+                            <p:childTnLst>
+                              <p:par>
+                                <p:cTn id="15" presetID="10" presetClass="entr" presetSubtype="0" fill="hold" grpId="0" nodeType="clickEffect">
+                                  <p:stCondLst>
+                                    <p:cond delay="0"/>
+                                  </p:stCondLst>
+                                  <p:childTnLst>
+                                    <p:set>
+                                      <p:cBhvr>
+                                        <p:cTn id="16" dur="1" fill="hold">
+                                          <p:stCondLst>
+                                            <p:cond delay="0"/>
+                                          </p:stCondLst>
+                                        </p:cTn>
+                                        <p:tgtEl>
+                                          <p:spTgt spid="2">
+                                            <p:txEl>
+                                              <p:pRg st="2" end="2"/>
+                                            </p:txEl>
+                                          </p:spTgt>
+                                        </p:tgtEl>
+                                        <p:attrNameLst>
+                                          <p:attrName>style.visibility</p:attrName>
+                                        </p:attrNameLst>
+                                      </p:cBhvr>
+                                      <p:to>
+                                        <p:strVal val="visible"/>
+                                      </p:to>
+                                    </p:set>
+                                    <p:animEffect transition="in" filter="fade">
+                                      <p:cBhvr>
+                                        <p:cTn id="17" dur="500"/>
+                                        <p:tgtEl>
+                                          <p:spTgt spid="2">
+                                            <p:txEl>
+                                              <p:pRg st="2" end="2"/>
+                                            </p:txEl>
+                                          </p:spTgt>
+                                        </p:tgtEl>
+                                      </p:cBhvr>
+                                    </p:animEffect>
+                                  </p:childTnLst>
+                                </p:cTn>
+                              </p:par>
+                            </p:childTnLst>
+                          </p:cTn>
+                        </p:par>
+                      </p:childTnLst>
+                    </p:cTn>
+                  </p:par>
+                  <p:par>
+                    <p:cTn id="18" fill="hold">
+                      <p:stCondLst>
+                        <p:cond delay="indefinite"/>
+                      </p:stCondLst>
+                      <p:childTnLst>
+                        <p:par>
+                          <p:cTn id="19" fill="hold">
+                            <p:stCondLst>
+                              <p:cond delay="0"/>
+                            </p:stCondLst>
+                            <p:childTnLst>
+                              <p:par>
+                                <p:cTn id="20" presetID="10" presetClass="entr" presetSubtype="0" fill="hold" grpId="0" nodeType="clickEffect">
+                                  <p:stCondLst>
+                                    <p:cond delay="0"/>
+                                  </p:stCondLst>
+                                  <p:childTnLst>
+                                    <p:set>
+                                      <p:cBhvr>
+                                        <p:cTn id="21" dur="1" fill="hold">
+                                          <p:stCondLst>
+                                            <p:cond delay="0"/>
+                                          </p:stCondLst>
+                                        </p:cTn>
+                                        <p:tgtEl>
+                                          <p:spTgt spid="2">
+                                            <p:txEl>
+                                              <p:pRg st="3" end="3"/>
+                                            </p:txEl>
+                                          </p:spTgt>
+                                        </p:tgtEl>
+                                        <p:attrNameLst>
+                                          <p:attrName>style.visibility</p:attrName>
+                                        </p:attrNameLst>
+                                      </p:cBhvr>
+                                      <p:to>
+                                        <p:strVal val="visible"/>
+                                      </p:to>
+                                    </p:set>
+                                    <p:animEffect transition="in" filter="fade">
+                                      <p:cBhvr>
+                                        <p:cTn id="22" dur="500"/>
+                                        <p:tgtEl>
+                                          <p:spTgt spid="2">
+                                            <p:txEl>
+                                              <p:pRg st="3" end="3"/>
                                             </p:txEl>
                                           </p:spTgt>
                                         </p:tgtEl>
@@ -17051,1592 +18417,6 @@
           <p:cNvPr id="2" name="Content Placeholder 1">
             <a:extLst>
               <a:ext uri="{FF2B5EF4-FFF2-40B4-BE49-F238E27FC236}">
-                <a16:creationId xmlns:a16="http://schemas.microsoft.com/office/drawing/2014/main" id="{DF0B9363-0028-DBA6-5AE9-18F59C1FBB2D}"/>
-              </a:ext>
-            </a:extLst>
-          </p:cNvPr>
-          <p:cNvSpPr>
-            <a:spLocks noGrp="1"/>
-          </p:cNvSpPr>
-          <p:nvPr>
-            <p:ph sz="quarter" idx="11"/>
-          </p:nvPr>
-        </p:nvSpPr>
-        <p:spPr/>
-        <p:txBody>
-          <a:bodyPr>
-            <a:normAutofit/>
-          </a:bodyPr>
-          <a:lstStyle/>
-          <a:p>
-            <a:pPr marL="0" indent="0">
-              <a:buNone/>
-            </a:pPr>
-            <a:r>
-              <a:rPr lang="en-US" dirty="0">
-                <a:latin typeface="National 2 Medium" panose="020B0504030502020203" pitchFamily="34" charset="77"/>
-              </a:rPr>
-              <a:t>Example:</a:t>
-            </a:r>
-          </a:p>
-          <a:p>
-            <a:endParaRPr lang="en-US" dirty="0"/>
-          </a:p>
-          <a:p>
-            <a:pPr lvl="1"/>
-            <a:endParaRPr lang="en-US" dirty="0"/>
-          </a:p>
-          <a:p>
-            <a:endParaRPr lang="en-US" dirty="0"/>
-          </a:p>
-        </p:txBody>
-      </p:sp>
-      <p:sp>
-        <p:nvSpPr>
-          <p:cNvPr id="3" name="Title 2">
-            <a:extLst>
-              <a:ext uri="{FF2B5EF4-FFF2-40B4-BE49-F238E27FC236}">
-                <a16:creationId xmlns:a16="http://schemas.microsoft.com/office/drawing/2014/main" id="{FDD1B3FD-D36E-3FAB-632E-1474A3B77516}"/>
-              </a:ext>
-            </a:extLst>
-          </p:cNvPr>
-          <p:cNvSpPr>
-            <a:spLocks noGrp="1"/>
-          </p:cNvSpPr>
-          <p:nvPr>
-            <p:ph type="title"/>
-          </p:nvPr>
-        </p:nvSpPr>
-        <p:spPr/>
-        <p:txBody>
-          <a:bodyPr/>
-          <a:lstStyle/>
-          <a:p>
-            <a:r>
-              <a:rPr lang="en-US" dirty="0"/>
-              <a:t>What is an interface? </a:t>
-            </a:r>
-            <a:r>
-              <a:rPr lang="en-US" dirty="0">
-                <a:solidFill>
-                  <a:schemeClr val="accent6">
-                    <a:lumMod val="75000"/>
-                  </a:schemeClr>
-                </a:solidFill>
-                <a:latin typeface="National 2" panose="020B0504030502020203" pitchFamily="34" charset="77"/>
-              </a:rPr>
-              <a:t>(in software design)</a:t>
-            </a:r>
-          </a:p>
-        </p:txBody>
-      </p:sp>
-      <p:sp>
-        <p:nvSpPr>
-          <p:cNvPr id="4" name="Footer Placeholder 3">
-            <a:extLst>
-              <a:ext uri="{FF2B5EF4-FFF2-40B4-BE49-F238E27FC236}">
-                <a16:creationId xmlns:a16="http://schemas.microsoft.com/office/drawing/2014/main" id="{968242C7-E2D4-8843-F88F-38439C33F64B}"/>
-              </a:ext>
-            </a:extLst>
-          </p:cNvPr>
-          <p:cNvSpPr>
-            <a:spLocks noGrp="1"/>
-          </p:cNvSpPr>
-          <p:nvPr>
-            <p:ph type="ftr" sz="quarter" idx="12"/>
-          </p:nvPr>
-        </p:nvSpPr>
-        <p:spPr/>
-        <p:txBody>
-          <a:bodyPr/>
-          <a:lstStyle/>
-          <a:p>
-            <a:r>
-              <a:rPr lang="en-AU"/>
-              <a:t>Chatty Documents</a:t>
-            </a:r>
-            <a:endParaRPr lang="en-AU" dirty="0"/>
-          </a:p>
-        </p:txBody>
-      </p:sp>
-      <p:sp>
-        <p:nvSpPr>
-          <p:cNvPr id="5" name="Slide Number Placeholder 4">
-            <a:extLst>
-              <a:ext uri="{FF2B5EF4-FFF2-40B4-BE49-F238E27FC236}">
-                <a16:creationId xmlns:a16="http://schemas.microsoft.com/office/drawing/2014/main" id="{D3C6758C-2F79-CBC4-702A-380F8C6F2909}"/>
-              </a:ext>
-            </a:extLst>
-          </p:cNvPr>
-          <p:cNvSpPr>
-            <a:spLocks noGrp="1"/>
-          </p:cNvSpPr>
-          <p:nvPr>
-            <p:ph type="sldNum" sz="quarter" idx="13"/>
-          </p:nvPr>
-        </p:nvSpPr>
-        <p:spPr/>
-        <p:txBody>
-          <a:bodyPr/>
-          <a:lstStyle/>
-          <a:p>
-            <a:fld id="{E917DE0E-AFB1-41FD-BC35-27DB61CA125F}" type="slidenum">
-              <a:rPr lang="en-AU" smtClean="0"/>
-              <a:pPr/>
-              <a:t>8</a:t>
-            </a:fld>
-            <a:endParaRPr lang="en-AU" dirty="0"/>
-          </a:p>
-        </p:txBody>
-      </p:sp>
-      <p:sp>
-        <p:nvSpPr>
-          <p:cNvPr id="7" name="TextBox 6">
-            <a:extLst>
-              <a:ext uri="{FF2B5EF4-FFF2-40B4-BE49-F238E27FC236}">
-                <a16:creationId xmlns:a16="http://schemas.microsoft.com/office/drawing/2014/main" id="{75721752-7164-50EE-130F-897EF19A02C7}"/>
-              </a:ext>
-            </a:extLst>
-          </p:cNvPr>
-          <p:cNvSpPr txBox="1"/>
-          <p:nvPr/>
-        </p:nvSpPr>
-        <p:spPr>
-          <a:xfrm>
-            <a:off x="3124200" y="2434206"/>
-            <a:ext cx="7316766" cy="4334328"/>
-          </a:xfrm>
-          <a:prstGeom prst="rect">
-            <a:avLst/>
-          </a:prstGeom>
-          <a:solidFill>
-            <a:schemeClr val="accent6">
-              <a:lumMod val="75000"/>
-            </a:schemeClr>
-          </a:solidFill>
-        </p:spPr>
-        <p:txBody>
-          <a:bodyPr wrap="square">
-            <a:spAutoFit/>
-          </a:bodyPr>
-          <a:lstStyle/>
-          <a:p>
-            <a:pPr>
-              <a:spcAft>
-                <a:spcPts val="600"/>
-              </a:spcAft>
-            </a:pPr>
-            <a:r>
-              <a:rPr lang="en-US" sz="1600" b="1" dirty="0">
-                <a:latin typeface="Cascadia Mono" panose="020B0609020000020004" pitchFamily="34" charset="0"/>
-                <a:ea typeface="Cascadia Mono" panose="020B0609020000020004" pitchFamily="34" charset="0"/>
-                <a:cs typeface="Cascadia Mono" panose="020B0609020000020004" pitchFamily="34" charset="0"/>
-              </a:rPr>
-              <a:t>p</a:t>
-            </a:r>
-            <a:r>
-              <a:rPr lang="en-US" sz="1600" b="1" dirty="0">
-                <a:effectLst/>
-                <a:latin typeface="Cascadia Mono" panose="020B0609020000020004" pitchFamily="34" charset="0"/>
-                <a:ea typeface="Cascadia Mono" panose="020B0609020000020004" pitchFamily="34" charset="0"/>
-                <a:cs typeface="Cascadia Mono" panose="020B0609020000020004" pitchFamily="34" charset="0"/>
-              </a:rPr>
-              <a:t>rint</a:t>
-            </a:r>
-            <a:r>
-              <a:rPr lang="en-US" sz="1600" dirty="0">
-                <a:latin typeface="ui-monospace"/>
-              </a:rPr>
-              <a:t>(</a:t>
-            </a:r>
-            <a:r>
-              <a:rPr lang="en-US" sz="1600" b="0" i="1" dirty="0">
-                <a:effectLst/>
-                <a:latin typeface="ui-monospace"/>
-              </a:rPr>
-              <a:t>*objects</a:t>
-            </a:r>
-            <a:r>
-              <a:rPr lang="en-US" sz="1600" b="0" i="0" dirty="0">
-                <a:effectLst/>
-                <a:latin typeface="ui-monospace"/>
-              </a:rPr>
-              <a:t>, </a:t>
-            </a:r>
-            <a:r>
-              <a:rPr lang="en-US" sz="1600" b="0" i="1" dirty="0" err="1">
-                <a:effectLst/>
-                <a:latin typeface="ui-monospace"/>
-              </a:rPr>
-              <a:t>sep</a:t>
-            </a:r>
-            <a:r>
-              <a:rPr lang="en-US" sz="1600" b="0" i="1" dirty="0">
-                <a:effectLst/>
-                <a:latin typeface="ui-monospace"/>
-              </a:rPr>
-              <a:t>=' '</a:t>
-            </a:r>
-            <a:r>
-              <a:rPr lang="en-US" sz="1600" b="0" i="0" dirty="0">
-                <a:effectLst/>
-                <a:latin typeface="ui-monospace"/>
-              </a:rPr>
-              <a:t>, </a:t>
-            </a:r>
-            <a:r>
-              <a:rPr lang="en-US" sz="1600" b="0" i="1" dirty="0">
-                <a:effectLst/>
-                <a:latin typeface="ui-monospace"/>
-              </a:rPr>
-              <a:t>end='\n'</a:t>
-            </a:r>
-            <a:r>
-              <a:rPr lang="en-US" sz="1600" b="0" i="0" dirty="0">
-                <a:effectLst/>
-                <a:latin typeface="ui-monospace"/>
-              </a:rPr>
-              <a:t>, </a:t>
-            </a:r>
-            <a:r>
-              <a:rPr lang="en-US" sz="1600" b="0" i="1" dirty="0">
-                <a:effectLst/>
-                <a:latin typeface="ui-monospace"/>
-              </a:rPr>
-              <a:t>file=None</a:t>
-            </a:r>
-            <a:r>
-              <a:rPr lang="en-US" sz="1600" b="0" i="0" dirty="0">
-                <a:effectLst/>
-                <a:latin typeface="ui-monospace"/>
-              </a:rPr>
-              <a:t>, </a:t>
-            </a:r>
-            <a:r>
-              <a:rPr lang="en-US" sz="1600" b="0" i="1" dirty="0">
-                <a:effectLst/>
-                <a:latin typeface="ui-monospace"/>
-              </a:rPr>
-              <a:t>flush=False</a:t>
-            </a:r>
-            <a:r>
-              <a:rPr lang="en-US" sz="1600" dirty="0">
-                <a:latin typeface="ui-monospace"/>
-              </a:rPr>
-              <a:t>)</a:t>
-            </a:r>
-          </a:p>
-          <a:p>
-            <a:pPr marL="230188" lvl="1">
-              <a:lnSpc>
-                <a:spcPct val="110000"/>
-              </a:lnSpc>
-              <a:spcAft>
-                <a:spcPts val="600"/>
-              </a:spcAft>
-            </a:pPr>
-            <a:r>
-              <a:rPr lang="en-US" sz="1400" dirty="0">
-                <a:effectLst/>
-                <a:latin typeface="Lucida Grande" panose="020B0600040502020204" pitchFamily="34" charset="0"/>
-                <a:cs typeface="Lucida Grande" panose="020B0600040502020204" pitchFamily="34" charset="0"/>
-              </a:rPr>
-              <a:t>Print </a:t>
-            </a:r>
-            <a:r>
-              <a:rPr lang="en-US" sz="1400" i="1" dirty="0">
-                <a:effectLst/>
-                <a:latin typeface="Lucida Grande" panose="020B0600040502020204" pitchFamily="34" charset="0"/>
-                <a:cs typeface="Lucida Grande" panose="020B0600040502020204" pitchFamily="34" charset="0"/>
-              </a:rPr>
-              <a:t>objects</a:t>
-            </a:r>
-            <a:r>
-              <a:rPr lang="en-US" sz="1400" dirty="0">
-                <a:effectLst/>
-                <a:latin typeface="Lucida Grande" panose="020B0600040502020204" pitchFamily="34" charset="0"/>
-                <a:cs typeface="Lucida Grande" panose="020B0600040502020204" pitchFamily="34" charset="0"/>
-              </a:rPr>
-              <a:t> to the text stream </a:t>
-            </a:r>
-            <a:r>
-              <a:rPr lang="en-US" sz="1400" i="1" dirty="0">
-                <a:effectLst/>
-                <a:latin typeface="Lucida Grande" panose="020B0600040502020204" pitchFamily="34" charset="0"/>
-                <a:cs typeface="Lucida Grande" panose="020B0600040502020204" pitchFamily="34" charset="0"/>
-              </a:rPr>
-              <a:t>file</a:t>
-            </a:r>
-            <a:r>
-              <a:rPr lang="en-US" sz="1400" dirty="0">
-                <a:effectLst/>
-                <a:latin typeface="Lucida Grande" panose="020B0600040502020204" pitchFamily="34" charset="0"/>
-                <a:cs typeface="Lucida Grande" panose="020B0600040502020204" pitchFamily="34" charset="0"/>
-              </a:rPr>
-              <a:t>, separated by </a:t>
-            </a:r>
-            <a:r>
-              <a:rPr lang="en-US" sz="1400" i="1" dirty="0" err="1">
-                <a:effectLst/>
-                <a:latin typeface="Lucida Grande" panose="020B0600040502020204" pitchFamily="34" charset="0"/>
-                <a:cs typeface="Lucida Grande" panose="020B0600040502020204" pitchFamily="34" charset="0"/>
-              </a:rPr>
-              <a:t>sep</a:t>
-            </a:r>
-            <a:r>
-              <a:rPr lang="en-US" sz="1400" dirty="0">
-                <a:effectLst/>
-                <a:latin typeface="Lucida Grande" panose="020B0600040502020204" pitchFamily="34" charset="0"/>
-                <a:cs typeface="Lucida Grande" panose="020B0600040502020204" pitchFamily="34" charset="0"/>
-              </a:rPr>
-              <a:t> and followed by </a:t>
-            </a:r>
-            <a:r>
-              <a:rPr lang="en-US" sz="1400" i="1" dirty="0">
-                <a:effectLst/>
-                <a:latin typeface="Lucida Grande" panose="020B0600040502020204" pitchFamily="34" charset="0"/>
-                <a:cs typeface="Lucida Grande" panose="020B0600040502020204" pitchFamily="34" charset="0"/>
-              </a:rPr>
-              <a:t>end</a:t>
-            </a:r>
-            <a:r>
-              <a:rPr lang="en-US" sz="1400" dirty="0">
-                <a:effectLst/>
-                <a:latin typeface="Lucida Grande" panose="020B0600040502020204" pitchFamily="34" charset="0"/>
-                <a:cs typeface="Lucida Grande" panose="020B0600040502020204" pitchFamily="34" charset="0"/>
-              </a:rPr>
-              <a:t>. </a:t>
-            </a:r>
-            <a:r>
-              <a:rPr lang="en-US" sz="1400" i="1" dirty="0" err="1">
-                <a:effectLst/>
-                <a:latin typeface="Lucida Grande" panose="020B0600040502020204" pitchFamily="34" charset="0"/>
-                <a:cs typeface="Lucida Grande" panose="020B0600040502020204" pitchFamily="34" charset="0"/>
-              </a:rPr>
-              <a:t>sep</a:t>
-            </a:r>
-            <a:r>
-              <a:rPr lang="en-US" sz="1400" dirty="0">
-                <a:effectLst/>
-                <a:latin typeface="Lucida Grande" panose="020B0600040502020204" pitchFamily="34" charset="0"/>
-                <a:cs typeface="Lucida Grande" panose="020B0600040502020204" pitchFamily="34" charset="0"/>
-              </a:rPr>
-              <a:t>, </a:t>
-            </a:r>
-            <a:r>
-              <a:rPr lang="en-US" sz="1400" i="1" dirty="0">
-                <a:effectLst/>
-                <a:latin typeface="Lucida Grande" panose="020B0600040502020204" pitchFamily="34" charset="0"/>
-                <a:cs typeface="Lucida Grande" panose="020B0600040502020204" pitchFamily="34" charset="0"/>
-              </a:rPr>
-              <a:t>end</a:t>
-            </a:r>
-            <a:r>
-              <a:rPr lang="en-US" sz="1400" dirty="0">
-                <a:effectLst/>
-                <a:latin typeface="Lucida Grande" panose="020B0600040502020204" pitchFamily="34" charset="0"/>
-                <a:cs typeface="Lucida Grande" panose="020B0600040502020204" pitchFamily="34" charset="0"/>
-              </a:rPr>
-              <a:t>, </a:t>
-            </a:r>
-            <a:r>
-              <a:rPr lang="en-US" sz="1400" i="1" dirty="0">
-                <a:effectLst/>
-                <a:latin typeface="Lucida Grande" panose="020B0600040502020204" pitchFamily="34" charset="0"/>
-                <a:cs typeface="Lucida Grande" panose="020B0600040502020204" pitchFamily="34" charset="0"/>
-              </a:rPr>
-              <a:t>file</a:t>
-            </a:r>
-            <a:r>
-              <a:rPr lang="en-US" sz="1400" dirty="0">
-                <a:effectLst/>
-                <a:latin typeface="Lucida Grande" panose="020B0600040502020204" pitchFamily="34" charset="0"/>
-                <a:cs typeface="Lucida Grande" panose="020B0600040502020204" pitchFamily="34" charset="0"/>
-              </a:rPr>
-              <a:t>, and </a:t>
-            </a:r>
-            <a:r>
-              <a:rPr lang="en-US" sz="1400" i="1" dirty="0">
-                <a:effectLst/>
-                <a:latin typeface="Lucida Grande" panose="020B0600040502020204" pitchFamily="34" charset="0"/>
-                <a:cs typeface="Lucida Grande" panose="020B0600040502020204" pitchFamily="34" charset="0"/>
-              </a:rPr>
-              <a:t>flush</a:t>
-            </a:r>
-            <a:r>
-              <a:rPr lang="en-US" sz="1400" dirty="0">
-                <a:effectLst/>
-                <a:latin typeface="Lucida Grande" panose="020B0600040502020204" pitchFamily="34" charset="0"/>
-                <a:cs typeface="Lucida Grande" panose="020B0600040502020204" pitchFamily="34" charset="0"/>
-              </a:rPr>
-              <a:t>, if present, must be given as keyword arguments.</a:t>
-            </a:r>
-          </a:p>
-          <a:p>
-            <a:pPr marL="230188" lvl="1">
-              <a:lnSpc>
-                <a:spcPct val="110000"/>
-              </a:lnSpc>
-              <a:spcAft>
-                <a:spcPts val="600"/>
-              </a:spcAft>
-            </a:pPr>
-            <a:r>
-              <a:rPr lang="en-US" sz="1400" dirty="0">
-                <a:effectLst/>
-                <a:latin typeface="Lucida Grande" panose="020B0600040502020204" pitchFamily="34" charset="0"/>
-                <a:cs typeface="Lucida Grande" panose="020B0600040502020204" pitchFamily="34" charset="0"/>
-              </a:rPr>
-              <a:t>All non-keyword arguments are converted to strings like </a:t>
-            </a:r>
-            <a:r>
-              <a:rPr lang="en-US" sz="1400" u="none" strike="noStrike" dirty="0">
-                <a:solidFill>
-                  <a:srgbClr val="77AAFF"/>
-                </a:solidFill>
-                <a:effectLst/>
-                <a:latin typeface="Lucida Grande" panose="020B0600040502020204" pitchFamily="34" charset="0"/>
-                <a:cs typeface="Lucida Grande" panose="020B0600040502020204" pitchFamily="34" charset="0"/>
-                <a:hlinkClick r:id="rId2" tooltip="str"/>
-              </a:rPr>
-              <a:t>str()</a:t>
-            </a:r>
-            <a:r>
-              <a:rPr lang="en-US" sz="1400" dirty="0">
-                <a:effectLst/>
-                <a:latin typeface="Lucida Grande" panose="020B0600040502020204" pitchFamily="34" charset="0"/>
-                <a:cs typeface="Lucida Grande" panose="020B0600040502020204" pitchFamily="34" charset="0"/>
-              </a:rPr>
-              <a:t> does and written to the stream, separated by </a:t>
-            </a:r>
-            <a:r>
-              <a:rPr lang="en-US" sz="1400" i="1" dirty="0" err="1">
-                <a:effectLst/>
-                <a:latin typeface="Lucida Grande" panose="020B0600040502020204" pitchFamily="34" charset="0"/>
-                <a:cs typeface="Lucida Grande" panose="020B0600040502020204" pitchFamily="34" charset="0"/>
-              </a:rPr>
-              <a:t>sep</a:t>
-            </a:r>
-            <a:r>
-              <a:rPr lang="en-US" sz="1400" dirty="0">
-                <a:effectLst/>
-                <a:latin typeface="Lucida Grande" panose="020B0600040502020204" pitchFamily="34" charset="0"/>
-                <a:cs typeface="Lucida Grande" panose="020B0600040502020204" pitchFamily="34" charset="0"/>
-              </a:rPr>
-              <a:t> and followed by </a:t>
-            </a:r>
-            <a:r>
-              <a:rPr lang="en-US" sz="1400" i="1" dirty="0">
-                <a:effectLst/>
-                <a:latin typeface="Lucida Grande" panose="020B0600040502020204" pitchFamily="34" charset="0"/>
-                <a:cs typeface="Lucida Grande" panose="020B0600040502020204" pitchFamily="34" charset="0"/>
-              </a:rPr>
-              <a:t>end</a:t>
-            </a:r>
-            <a:r>
-              <a:rPr lang="en-US" sz="1400" dirty="0">
-                <a:effectLst/>
-                <a:latin typeface="Lucida Grande" panose="020B0600040502020204" pitchFamily="34" charset="0"/>
-                <a:cs typeface="Lucida Grande" panose="020B0600040502020204" pitchFamily="34" charset="0"/>
-              </a:rPr>
-              <a:t>. Both </a:t>
-            </a:r>
-            <a:r>
-              <a:rPr lang="en-US" sz="1400" i="1" dirty="0" err="1">
-                <a:effectLst/>
-                <a:latin typeface="Lucida Grande" panose="020B0600040502020204" pitchFamily="34" charset="0"/>
-                <a:cs typeface="Lucida Grande" panose="020B0600040502020204" pitchFamily="34" charset="0"/>
-              </a:rPr>
-              <a:t>sep</a:t>
-            </a:r>
-            <a:r>
-              <a:rPr lang="en-US" sz="1400" dirty="0">
-                <a:effectLst/>
-                <a:latin typeface="Lucida Grande" panose="020B0600040502020204" pitchFamily="34" charset="0"/>
-                <a:cs typeface="Lucida Grande" panose="020B0600040502020204" pitchFamily="34" charset="0"/>
-              </a:rPr>
-              <a:t> and </a:t>
-            </a:r>
-            <a:r>
-              <a:rPr lang="en-US" sz="1400" i="1" dirty="0">
-                <a:effectLst/>
-                <a:latin typeface="Lucida Grande" panose="020B0600040502020204" pitchFamily="34" charset="0"/>
-                <a:cs typeface="Lucida Grande" panose="020B0600040502020204" pitchFamily="34" charset="0"/>
-              </a:rPr>
-              <a:t>end</a:t>
-            </a:r>
-            <a:r>
-              <a:rPr lang="en-US" sz="1400" dirty="0">
-                <a:effectLst/>
-                <a:latin typeface="Lucida Grande" panose="020B0600040502020204" pitchFamily="34" charset="0"/>
-                <a:cs typeface="Lucida Grande" panose="020B0600040502020204" pitchFamily="34" charset="0"/>
-              </a:rPr>
-              <a:t> must be strings; they can also be None, which means to use the default values. If no </a:t>
-            </a:r>
-            <a:r>
-              <a:rPr lang="en-US" sz="1400" i="1" dirty="0">
-                <a:effectLst/>
-                <a:latin typeface="Lucida Grande" panose="020B0600040502020204" pitchFamily="34" charset="0"/>
-                <a:cs typeface="Lucida Grande" panose="020B0600040502020204" pitchFamily="34" charset="0"/>
-              </a:rPr>
-              <a:t>objects</a:t>
-            </a:r>
-            <a:r>
-              <a:rPr lang="en-US" sz="1400" dirty="0">
-                <a:effectLst/>
-                <a:latin typeface="Lucida Grande" panose="020B0600040502020204" pitchFamily="34" charset="0"/>
-                <a:cs typeface="Lucida Grande" panose="020B0600040502020204" pitchFamily="34" charset="0"/>
-              </a:rPr>
-              <a:t> are given, </a:t>
-            </a:r>
-            <a:r>
-              <a:rPr lang="en-US" sz="1400" u="none" strike="noStrike" dirty="0">
-                <a:solidFill>
-                  <a:srgbClr val="77AAFF"/>
-                </a:solidFill>
-                <a:effectLst/>
-                <a:latin typeface="Lucida Grande" panose="020B0600040502020204" pitchFamily="34" charset="0"/>
-                <a:cs typeface="Lucida Grande" panose="020B0600040502020204" pitchFamily="34" charset="0"/>
-                <a:hlinkClick r:id="rId3" tooltip="print"/>
-              </a:rPr>
-              <a:t>print()</a:t>
-            </a:r>
-            <a:r>
-              <a:rPr lang="en-US" sz="1400" dirty="0">
-                <a:effectLst/>
-                <a:latin typeface="Lucida Grande" panose="020B0600040502020204" pitchFamily="34" charset="0"/>
-                <a:cs typeface="Lucida Grande" panose="020B0600040502020204" pitchFamily="34" charset="0"/>
-              </a:rPr>
-              <a:t> will just write </a:t>
-            </a:r>
-            <a:r>
-              <a:rPr lang="en-US" sz="1400" i="1" dirty="0">
-                <a:effectLst/>
-                <a:latin typeface="Lucida Grande" panose="020B0600040502020204" pitchFamily="34" charset="0"/>
-                <a:cs typeface="Lucida Grande" panose="020B0600040502020204" pitchFamily="34" charset="0"/>
-              </a:rPr>
-              <a:t>end</a:t>
-            </a:r>
-            <a:r>
-              <a:rPr lang="en-US" sz="1400" dirty="0">
-                <a:effectLst/>
-                <a:latin typeface="Lucida Grande" panose="020B0600040502020204" pitchFamily="34" charset="0"/>
-                <a:cs typeface="Lucida Grande" panose="020B0600040502020204" pitchFamily="34" charset="0"/>
-              </a:rPr>
-              <a:t>.</a:t>
-            </a:r>
-          </a:p>
-          <a:p>
-            <a:pPr marL="230188" lvl="1">
-              <a:lnSpc>
-                <a:spcPct val="110000"/>
-              </a:lnSpc>
-              <a:spcAft>
-                <a:spcPts val="600"/>
-              </a:spcAft>
-            </a:pPr>
-            <a:r>
-              <a:rPr lang="en-US" sz="1400" dirty="0">
-                <a:effectLst/>
-                <a:latin typeface="Lucida Grande" panose="020B0600040502020204" pitchFamily="34" charset="0"/>
-                <a:cs typeface="Lucida Grande" panose="020B0600040502020204" pitchFamily="34" charset="0"/>
-              </a:rPr>
-              <a:t>The </a:t>
-            </a:r>
-            <a:r>
-              <a:rPr lang="en-US" sz="1400" i="1" dirty="0">
-                <a:effectLst/>
-                <a:latin typeface="Lucida Grande" panose="020B0600040502020204" pitchFamily="34" charset="0"/>
-                <a:cs typeface="Lucida Grande" panose="020B0600040502020204" pitchFamily="34" charset="0"/>
-              </a:rPr>
-              <a:t>file</a:t>
-            </a:r>
-            <a:r>
-              <a:rPr lang="en-US" sz="1400" dirty="0">
-                <a:effectLst/>
-                <a:latin typeface="Lucida Grande" panose="020B0600040502020204" pitchFamily="34" charset="0"/>
-                <a:cs typeface="Lucida Grande" panose="020B0600040502020204" pitchFamily="34" charset="0"/>
-              </a:rPr>
-              <a:t> argument must be an object with a write(string) method; if it is not present or None, </a:t>
-            </a:r>
-            <a:r>
-              <a:rPr lang="en-US" sz="1400" u="none" strike="noStrike" dirty="0">
-                <a:solidFill>
-                  <a:srgbClr val="77AAFF"/>
-                </a:solidFill>
-                <a:effectLst/>
-                <a:latin typeface="Lucida Grande" panose="020B0600040502020204" pitchFamily="34" charset="0"/>
-                <a:cs typeface="Lucida Grande" panose="020B0600040502020204" pitchFamily="34" charset="0"/>
-                <a:hlinkClick r:id="rId4" tooltip="sys.stdout"/>
-              </a:rPr>
-              <a:t>sys.stdout</a:t>
-            </a:r>
-            <a:r>
-              <a:rPr lang="en-US" sz="1400" dirty="0">
-                <a:effectLst/>
-                <a:latin typeface="Lucida Grande" panose="020B0600040502020204" pitchFamily="34" charset="0"/>
-                <a:cs typeface="Lucida Grande" panose="020B0600040502020204" pitchFamily="34" charset="0"/>
-              </a:rPr>
-              <a:t> will be used. Since printed arguments are converted to text strings, </a:t>
-            </a:r>
-            <a:r>
-              <a:rPr lang="en-US" sz="1400" u="none" strike="noStrike" dirty="0">
-                <a:solidFill>
-                  <a:srgbClr val="77AAFF"/>
-                </a:solidFill>
-                <a:effectLst/>
-                <a:latin typeface="Lucida Grande" panose="020B0600040502020204" pitchFamily="34" charset="0"/>
-                <a:cs typeface="Lucida Grande" panose="020B0600040502020204" pitchFamily="34" charset="0"/>
-                <a:hlinkClick r:id="rId3" tooltip="print"/>
-              </a:rPr>
-              <a:t>print()</a:t>
-            </a:r>
-            <a:r>
-              <a:rPr lang="en-US" sz="1400" dirty="0">
-                <a:effectLst/>
-                <a:latin typeface="Lucida Grande" panose="020B0600040502020204" pitchFamily="34" charset="0"/>
-                <a:cs typeface="Lucida Grande" panose="020B0600040502020204" pitchFamily="34" charset="0"/>
-              </a:rPr>
-              <a:t> cannot be used with binary mode file objects. For these, use </a:t>
-            </a:r>
-            <a:r>
-              <a:rPr lang="en-US" sz="1400" dirty="0" err="1">
-                <a:effectLst/>
-                <a:latin typeface="Lucida Grande" panose="020B0600040502020204" pitchFamily="34" charset="0"/>
-                <a:cs typeface="Lucida Grande" panose="020B0600040502020204" pitchFamily="34" charset="0"/>
-              </a:rPr>
-              <a:t>file.write</a:t>
-            </a:r>
-            <a:r>
-              <a:rPr lang="en-US" sz="1400" dirty="0">
-                <a:effectLst/>
-                <a:latin typeface="Lucida Grande" panose="020B0600040502020204" pitchFamily="34" charset="0"/>
-                <a:cs typeface="Lucida Grande" panose="020B0600040502020204" pitchFamily="34" charset="0"/>
-              </a:rPr>
-              <a:t>(...) instead.</a:t>
-            </a:r>
-          </a:p>
-          <a:p>
-            <a:pPr marL="230188" lvl="1">
-              <a:lnSpc>
-                <a:spcPct val="110000"/>
-              </a:lnSpc>
-              <a:spcAft>
-                <a:spcPts val="600"/>
-              </a:spcAft>
-            </a:pPr>
-            <a:r>
-              <a:rPr lang="en-US" sz="1400" dirty="0">
-                <a:effectLst/>
-                <a:latin typeface="Lucida Grande" panose="020B0600040502020204" pitchFamily="34" charset="0"/>
-                <a:cs typeface="Lucida Grande" panose="020B0600040502020204" pitchFamily="34" charset="0"/>
-              </a:rPr>
-              <a:t>Output buffering is usually determined by </a:t>
-            </a:r>
-            <a:r>
-              <a:rPr lang="en-US" sz="1400" i="1" dirty="0">
-                <a:effectLst/>
-                <a:latin typeface="Lucida Grande" panose="020B0600040502020204" pitchFamily="34" charset="0"/>
-                <a:cs typeface="Lucida Grande" panose="020B0600040502020204" pitchFamily="34" charset="0"/>
-              </a:rPr>
-              <a:t>file</a:t>
-            </a:r>
-            <a:r>
-              <a:rPr lang="en-US" sz="1400" dirty="0">
-                <a:effectLst/>
-                <a:latin typeface="Lucida Grande" panose="020B0600040502020204" pitchFamily="34" charset="0"/>
-                <a:cs typeface="Lucida Grande" panose="020B0600040502020204" pitchFamily="34" charset="0"/>
-              </a:rPr>
-              <a:t>. However, if </a:t>
-            </a:r>
-            <a:r>
-              <a:rPr lang="en-US" sz="1400" i="1" dirty="0">
-                <a:effectLst/>
-                <a:latin typeface="Lucida Grande" panose="020B0600040502020204" pitchFamily="34" charset="0"/>
-                <a:cs typeface="Lucida Grande" panose="020B0600040502020204" pitchFamily="34" charset="0"/>
-              </a:rPr>
-              <a:t>flush</a:t>
-            </a:r>
-            <a:r>
-              <a:rPr lang="en-US" sz="1400" dirty="0">
-                <a:effectLst/>
-                <a:latin typeface="Lucida Grande" panose="020B0600040502020204" pitchFamily="34" charset="0"/>
-                <a:cs typeface="Lucida Grande" panose="020B0600040502020204" pitchFamily="34" charset="0"/>
-              </a:rPr>
-              <a:t> is true, the stream is forcibly flushed.</a:t>
-            </a:r>
-          </a:p>
-          <a:p>
-            <a:pPr marL="230188" lvl="1">
-              <a:lnSpc>
-                <a:spcPct val="110000"/>
-              </a:lnSpc>
-              <a:spcAft>
-                <a:spcPts val="600"/>
-              </a:spcAft>
-            </a:pPr>
-            <a:r>
-              <a:rPr lang="en-US" sz="1400" i="1" dirty="0">
-                <a:effectLst/>
-                <a:latin typeface="Lucida Grande" panose="020B0600040502020204" pitchFamily="34" charset="0"/>
-                <a:cs typeface="Lucida Grande" panose="020B0600040502020204" pitchFamily="34" charset="0"/>
-              </a:rPr>
-              <a:t>Changed in version 3.3: </a:t>
-            </a:r>
-            <a:r>
-              <a:rPr lang="en-US" sz="1400" dirty="0">
-                <a:effectLst/>
-                <a:latin typeface="Lucida Grande" panose="020B0600040502020204" pitchFamily="34" charset="0"/>
-                <a:cs typeface="Lucida Grande" panose="020B0600040502020204" pitchFamily="34" charset="0"/>
-              </a:rPr>
-              <a:t>Added the </a:t>
-            </a:r>
-            <a:r>
-              <a:rPr lang="en-US" sz="1400" i="1" dirty="0">
-                <a:effectLst/>
-                <a:latin typeface="Lucida Grande" panose="020B0600040502020204" pitchFamily="34" charset="0"/>
-                <a:cs typeface="Lucida Grande" panose="020B0600040502020204" pitchFamily="34" charset="0"/>
-              </a:rPr>
-              <a:t>flush</a:t>
-            </a:r>
-            <a:r>
-              <a:rPr lang="en-US" sz="1400" dirty="0">
-                <a:effectLst/>
-                <a:latin typeface="Lucida Grande" panose="020B0600040502020204" pitchFamily="34" charset="0"/>
-                <a:cs typeface="Lucida Grande" panose="020B0600040502020204" pitchFamily="34" charset="0"/>
-              </a:rPr>
-              <a:t> keyword argument.</a:t>
-            </a:r>
-          </a:p>
-          <a:p>
-            <a:pPr marL="230188" lvl="1" algn="r">
-              <a:lnSpc>
-                <a:spcPct val="110000"/>
-              </a:lnSpc>
-              <a:spcAft>
-                <a:spcPts val="600"/>
-              </a:spcAft>
-            </a:pPr>
-            <a:r>
-              <a:rPr lang="en-US" sz="1050" dirty="0">
-                <a:solidFill>
-                  <a:schemeClr val="accent6"/>
-                </a:solidFill>
-                <a:effectLst/>
-                <a:latin typeface="Lucida Grande" panose="020B0600040502020204" pitchFamily="34" charset="0"/>
-                <a:cs typeface="Lucida Grande" panose="020B0600040502020204" pitchFamily="34" charset="0"/>
-              </a:rPr>
-              <a:t>Source: https://</a:t>
-            </a:r>
-            <a:r>
-              <a:rPr lang="en-US" sz="1050" dirty="0" err="1">
-                <a:solidFill>
-                  <a:schemeClr val="accent6"/>
-                </a:solidFill>
-                <a:effectLst/>
-                <a:latin typeface="Lucida Grande" panose="020B0600040502020204" pitchFamily="34" charset="0"/>
-                <a:cs typeface="Lucida Grande" panose="020B0600040502020204" pitchFamily="34" charset="0"/>
-              </a:rPr>
-              <a:t>docs.python.org</a:t>
-            </a:r>
-            <a:r>
-              <a:rPr lang="en-US" sz="1050" dirty="0">
-                <a:solidFill>
-                  <a:schemeClr val="accent6"/>
-                </a:solidFill>
-                <a:effectLst/>
-                <a:latin typeface="Lucida Grande" panose="020B0600040502020204" pitchFamily="34" charset="0"/>
-                <a:cs typeface="Lucida Grande" panose="020B0600040502020204" pitchFamily="34" charset="0"/>
-              </a:rPr>
-              <a:t>/3/library/</a:t>
-            </a:r>
-            <a:r>
-              <a:rPr lang="en-US" sz="1050" dirty="0" err="1">
-                <a:solidFill>
-                  <a:schemeClr val="accent6"/>
-                </a:solidFill>
-                <a:effectLst/>
-                <a:latin typeface="Lucida Grande" panose="020B0600040502020204" pitchFamily="34" charset="0"/>
-                <a:cs typeface="Lucida Grande" panose="020B0600040502020204" pitchFamily="34" charset="0"/>
-              </a:rPr>
-              <a:t>functions.html#print</a:t>
-            </a:r>
-            <a:endParaRPr lang="en-US" sz="1050" dirty="0">
-              <a:solidFill>
-                <a:schemeClr val="accent6"/>
-              </a:solidFill>
-              <a:effectLst/>
-              <a:latin typeface="Lucida Grande" panose="020B0600040502020204" pitchFamily="34" charset="0"/>
-              <a:cs typeface="Lucida Grande" panose="020B0600040502020204" pitchFamily="34" charset="0"/>
-            </a:endParaRPr>
-          </a:p>
-        </p:txBody>
-      </p:sp>
-      <p:grpSp>
-        <p:nvGrpSpPr>
-          <p:cNvPr id="9" name="Group 8">
-            <a:extLst>
-              <a:ext uri="{FF2B5EF4-FFF2-40B4-BE49-F238E27FC236}">
-                <a16:creationId xmlns:a16="http://schemas.microsoft.com/office/drawing/2014/main" id="{0AFAD67F-A6E9-000F-1247-D6EBAEED9523}"/>
-              </a:ext>
-            </a:extLst>
-          </p:cNvPr>
-          <p:cNvGrpSpPr/>
-          <p:nvPr/>
-        </p:nvGrpSpPr>
-        <p:grpSpPr>
-          <a:xfrm>
-            <a:off x="3200400" y="1990173"/>
-            <a:ext cx="4724400" cy="521524"/>
-            <a:chOff x="3200400" y="1990173"/>
-            <a:chExt cx="4724400" cy="521524"/>
-          </a:xfrm>
-        </p:grpSpPr>
-        <p:sp>
-          <p:nvSpPr>
-            <p:cNvPr id="6" name="Left Brace 5">
-              <a:extLst>
-                <a:ext uri="{FF2B5EF4-FFF2-40B4-BE49-F238E27FC236}">
-                  <a16:creationId xmlns:a16="http://schemas.microsoft.com/office/drawing/2014/main" id="{F9F5945D-C42A-A869-BB42-89EA59777F20}"/>
-                </a:ext>
-              </a:extLst>
-            </p:cNvPr>
-            <p:cNvSpPr/>
-            <p:nvPr/>
-          </p:nvSpPr>
-          <p:spPr>
-            <a:xfrm rot="5400000">
-              <a:off x="5450825" y="37722"/>
-              <a:ext cx="223550" cy="4724400"/>
-            </a:xfrm>
-            <a:prstGeom prst="leftBrace">
-              <a:avLst/>
-            </a:prstGeom>
-            <a:ln w="19050">
-              <a:solidFill>
-                <a:schemeClr val="accent1"/>
-              </a:solidFill>
-            </a:ln>
-          </p:spPr>
-          <p:style>
-            <a:lnRef idx="1">
-              <a:schemeClr val="accent1"/>
-            </a:lnRef>
-            <a:fillRef idx="0">
-              <a:schemeClr val="accent1"/>
-            </a:fillRef>
-            <a:effectRef idx="0">
-              <a:schemeClr val="accent1"/>
-            </a:effectRef>
-            <a:fontRef idx="minor">
-              <a:schemeClr val="tx1"/>
-            </a:fontRef>
-          </p:style>
-          <p:txBody>
-            <a:bodyPr rtlCol="0" anchor="ctr"/>
-            <a:lstStyle/>
-            <a:p>
-              <a:pPr algn="ctr"/>
-              <a:endParaRPr lang="en-US" dirty="0"/>
-            </a:p>
-          </p:txBody>
-        </p:sp>
-        <p:sp>
-          <p:nvSpPr>
-            <p:cNvPr id="8" name="TextBox 7">
-              <a:extLst>
-                <a:ext uri="{FF2B5EF4-FFF2-40B4-BE49-F238E27FC236}">
-                  <a16:creationId xmlns:a16="http://schemas.microsoft.com/office/drawing/2014/main" id="{3ECC4642-9464-6E24-97A6-D02F1F3DB43D}"/>
-                </a:ext>
-              </a:extLst>
-            </p:cNvPr>
-            <p:cNvSpPr txBox="1"/>
-            <p:nvPr/>
-          </p:nvSpPr>
-          <p:spPr>
-            <a:xfrm>
-              <a:off x="5012609" y="1990173"/>
-              <a:ext cx="1157689" cy="369332"/>
-            </a:xfrm>
-            <a:prstGeom prst="rect">
-              <a:avLst/>
-            </a:prstGeom>
-            <a:noFill/>
-          </p:spPr>
-          <p:txBody>
-            <a:bodyPr wrap="none" rtlCol="0">
-              <a:spAutoFit/>
-            </a:bodyPr>
-            <a:lstStyle/>
-            <a:p>
-              <a:r>
-                <a:rPr lang="en-US" sz="1800" dirty="0">
-                  <a:solidFill>
-                    <a:schemeClr val="accent1"/>
-                  </a:solidFill>
-                  <a:latin typeface="National 2" panose="020B0504030502020203" pitchFamily="34" charset="77"/>
-                </a:rPr>
-                <a:t>Interface </a:t>
-              </a:r>
-              <a:endParaRPr lang="en-US" dirty="0">
-                <a:solidFill>
-                  <a:schemeClr val="accent1"/>
-                </a:solidFill>
-                <a:latin typeface="National 2" panose="020B0504030502020203" pitchFamily="34" charset="77"/>
-              </a:endParaRPr>
-            </a:p>
-          </p:txBody>
-        </p:sp>
-      </p:grpSp>
-      <p:grpSp>
-        <p:nvGrpSpPr>
-          <p:cNvPr id="19" name="Group 18">
-            <a:extLst>
-              <a:ext uri="{FF2B5EF4-FFF2-40B4-BE49-F238E27FC236}">
-                <a16:creationId xmlns:a16="http://schemas.microsoft.com/office/drawing/2014/main" id="{CCF57471-33E0-A3F8-698C-B639DB235820}"/>
-              </a:ext>
-            </a:extLst>
-          </p:cNvPr>
-          <p:cNvGrpSpPr/>
-          <p:nvPr/>
-        </p:nvGrpSpPr>
-        <p:grpSpPr>
-          <a:xfrm>
-            <a:off x="184026" y="2850449"/>
-            <a:ext cx="3244974" cy="3169351"/>
-            <a:chOff x="184026" y="2850449"/>
-            <a:chExt cx="3244974" cy="3169351"/>
-          </a:xfrm>
-        </p:grpSpPr>
-        <p:sp>
-          <p:nvSpPr>
-            <p:cNvPr id="10" name="Left Brace 9">
-              <a:extLst>
-                <a:ext uri="{FF2B5EF4-FFF2-40B4-BE49-F238E27FC236}">
-                  <a16:creationId xmlns:a16="http://schemas.microsoft.com/office/drawing/2014/main" id="{B33D4C20-E3C2-A721-2DF0-256F8B6E97BC}"/>
-                </a:ext>
-              </a:extLst>
-            </p:cNvPr>
-            <p:cNvSpPr/>
-            <p:nvPr/>
-          </p:nvSpPr>
-          <p:spPr>
-            <a:xfrm>
-              <a:off x="3124200" y="2850449"/>
-              <a:ext cx="304800" cy="3169351"/>
-            </a:xfrm>
-            <a:prstGeom prst="leftBrace">
-              <a:avLst/>
-            </a:prstGeom>
-            <a:ln w="19050"/>
-          </p:spPr>
-          <p:style>
-            <a:lnRef idx="1">
-              <a:schemeClr val="accent1"/>
-            </a:lnRef>
-            <a:fillRef idx="0">
-              <a:schemeClr val="accent1"/>
-            </a:fillRef>
-            <a:effectRef idx="0">
-              <a:schemeClr val="accent1"/>
-            </a:effectRef>
-            <a:fontRef idx="minor">
-              <a:schemeClr val="tx1"/>
-            </a:fontRef>
-          </p:style>
-          <p:txBody>
-            <a:bodyPr rtlCol="0" anchor="ctr"/>
-            <a:lstStyle/>
-            <a:p>
-              <a:pPr algn="ctr"/>
-              <a:endParaRPr lang="en-US"/>
-            </a:p>
-          </p:txBody>
-        </p:sp>
-        <p:sp>
-          <p:nvSpPr>
-            <p:cNvPr id="11" name="TextBox 10">
-              <a:extLst>
-                <a:ext uri="{FF2B5EF4-FFF2-40B4-BE49-F238E27FC236}">
-                  <a16:creationId xmlns:a16="http://schemas.microsoft.com/office/drawing/2014/main" id="{847AC5A7-46F9-C47C-7743-A2B94DF8174F}"/>
-                </a:ext>
-              </a:extLst>
-            </p:cNvPr>
-            <p:cNvSpPr txBox="1"/>
-            <p:nvPr/>
-          </p:nvSpPr>
-          <p:spPr>
-            <a:xfrm>
-              <a:off x="184026" y="4248543"/>
-              <a:ext cx="3244974" cy="369332"/>
-            </a:xfrm>
-            <a:prstGeom prst="rect">
-              <a:avLst/>
-            </a:prstGeom>
-            <a:noFill/>
-          </p:spPr>
-          <p:txBody>
-            <a:bodyPr wrap="square" rtlCol="0">
-              <a:spAutoFit/>
-            </a:bodyPr>
-            <a:lstStyle/>
-            <a:p>
-              <a:r>
-                <a:rPr lang="en-US" sz="1800" dirty="0">
-                  <a:solidFill>
-                    <a:schemeClr val="accent1"/>
-                  </a:solidFill>
-                  <a:latin typeface="National 2" panose="020B0504030502020203" pitchFamily="34" charset="77"/>
-                </a:rPr>
-                <a:t>Description of the interface</a:t>
-              </a:r>
-              <a:endParaRPr lang="en-US" dirty="0">
-                <a:solidFill>
-                  <a:schemeClr val="accent1"/>
-                </a:solidFill>
-                <a:latin typeface="National 2" panose="020B0504030502020203" pitchFamily="34" charset="77"/>
-              </a:endParaRPr>
-            </a:p>
-          </p:txBody>
-        </p:sp>
-      </p:grpSp>
-      <p:grpSp>
-        <p:nvGrpSpPr>
-          <p:cNvPr id="18" name="Group 17">
-            <a:extLst>
-              <a:ext uri="{FF2B5EF4-FFF2-40B4-BE49-F238E27FC236}">
-                <a16:creationId xmlns:a16="http://schemas.microsoft.com/office/drawing/2014/main" id="{3645695D-351F-7A08-F5E8-0C63FBC03FBF}"/>
-              </a:ext>
-            </a:extLst>
-          </p:cNvPr>
-          <p:cNvGrpSpPr/>
-          <p:nvPr/>
-        </p:nvGrpSpPr>
-        <p:grpSpPr>
-          <a:xfrm>
-            <a:off x="381000" y="5767523"/>
-            <a:ext cx="3549774" cy="523220"/>
-            <a:chOff x="381000" y="5767523"/>
-            <a:chExt cx="3549774" cy="523220"/>
-          </a:xfrm>
-        </p:grpSpPr>
-        <p:sp>
-          <p:nvSpPr>
-            <p:cNvPr id="17" name="TextBox 16">
-              <a:extLst>
-                <a:ext uri="{FF2B5EF4-FFF2-40B4-BE49-F238E27FC236}">
-                  <a16:creationId xmlns:a16="http://schemas.microsoft.com/office/drawing/2014/main" id="{537A283E-1EBD-775A-588C-F6911F18CF2D}"/>
-                </a:ext>
-              </a:extLst>
-            </p:cNvPr>
-            <p:cNvSpPr txBox="1"/>
-            <p:nvPr/>
-          </p:nvSpPr>
-          <p:spPr>
-            <a:xfrm>
-              <a:off x="381000" y="5767523"/>
-              <a:ext cx="3549774" cy="523220"/>
-            </a:xfrm>
-            <a:prstGeom prst="rect">
-              <a:avLst/>
-            </a:prstGeom>
-            <a:noFill/>
-          </p:spPr>
-          <p:txBody>
-            <a:bodyPr wrap="square" rtlCol="0">
-              <a:spAutoFit/>
-            </a:bodyPr>
-            <a:lstStyle/>
-            <a:p>
-              <a:r>
-                <a:rPr lang="en-US" sz="1400" dirty="0">
-                  <a:solidFill>
-                    <a:schemeClr val="accent1"/>
-                  </a:solidFill>
-                  <a:latin typeface="National 2" panose="020B0504030502020203" pitchFamily="34" charset="77"/>
-                </a:rPr>
-                <a:t>Notification of a change </a:t>
-              </a:r>
-              <a:br>
-                <a:rPr lang="en-US" sz="1400" dirty="0">
-                  <a:solidFill>
-                    <a:schemeClr val="accent1"/>
-                  </a:solidFill>
-                  <a:latin typeface="National 2" panose="020B0504030502020203" pitchFamily="34" charset="77"/>
-                </a:rPr>
-              </a:br>
-              <a:r>
-                <a:rPr lang="en-US" sz="1400" dirty="0">
-                  <a:solidFill>
-                    <a:schemeClr val="accent1"/>
-                  </a:solidFill>
-                  <a:latin typeface="National 2" panose="020B0504030502020203" pitchFamily="34" charset="77"/>
-                </a:rPr>
-                <a:t>in the “contract”</a:t>
-              </a:r>
-              <a:endParaRPr lang="en-US" sz="1800" dirty="0">
-                <a:solidFill>
-                  <a:schemeClr val="accent1"/>
-                </a:solidFill>
-                <a:latin typeface="National 2" panose="020B0504030502020203" pitchFamily="34" charset="77"/>
-              </a:endParaRPr>
-            </a:p>
-          </p:txBody>
-        </p:sp>
-        <p:cxnSp>
-          <p:nvCxnSpPr>
-            <p:cNvPr id="13" name="Straight Arrow Connector 12">
-              <a:extLst>
-                <a:ext uri="{FF2B5EF4-FFF2-40B4-BE49-F238E27FC236}">
-                  <a16:creationId xmlns:a16="http://schemas.microsoft.com/office/drawing/2014/main" id="{EE66BF80-2A3D-179A-434E-49B446855A03}"/>
-                </a:ext>
-              </a:extLst>
-            </p:cNvPr>
-            <p:cNvCxnSpPr>
-              <a:cxnSpLocks/>
-            </p:cNvCxnSpPr>
-            <p:nvPr/>
-          </p:nvCxnSpPr>
-          <p:spPr>
-            <a:xfrm>
-              <a:off x="1905000" y="6070493"/>
-              <a:ext cx="1524000" cy="177907"/>
-            </a:xfrm>
-            <a:prstGeom prst="straightConnector1">
-              <a:avLst/>
-            </a:prstGeom>
-            <a:ln>
-              <a:tailEnd type="triangle"/>
-            </a:ln>
-          </p:spPr>
-          <p:style>
-            <a:lnRef idx="1">
-              <a:schemeClr val="accent1"/>
-            </a:lnRef>
-            <a:fillRef idx="0">
-              <a:schemeClr val="accent1"/>
-            </a:fillRef>
-            <a:effectRef idx="0">
-              <a:schemeClr val="accent1"/>
-            </a:effectRef>
-            <a:fontRef idx="minor">
-              <a:schemeClr val="tx1"/>
-            </a:fontRef>
-          </p:style>
-        </p:cxnSp>
-      </p:grpSp>
-      <p:sp>
-        <p:nvSpPr>
-          <p:cNvPr id="21" name="Rounded Rectangle 20">
-            <a:extLst>
-              <a:ext uri="{FF2B5EF4-FFF2-40B4-BE49-F238E27FC236}">
-                <a16:creationId xmlns:a16="http://schemas.microsoft.com/office/drawing/2014/main" id="{A4E8AE50-BFD2-C189-23AE-C388CDC42B3D}"/>
-              </a:ext>
-            </a:extLst>
-          </p:cNvPr>
-          <p:cNvSpPr/>
-          <p:nvPr/>
-        </p:nvSpPr>
-        <p:spPr>
-          <a:xfrm>
-            <a:off x="10557197" y="3954619"/>
-            <a:ext cx="1447800" cy="1293502"/>
-          </a:xfrm>
-          <a:prstGeom prst="roundRect">
-            <a:avLst/>
-          </a:prstGeom>
-          <a:ln>
-            <a:noFill/>
-          </a:ln>
-        </p:spPr>
-        <p:style>
-          <a:lnRef idx="2">
-            <a:schemeClr val="accent4">
-              <a:shade val="15000"/>
-            </a:schemeClr>
-          </a:lnRef>
-          <a:fillRef idx="1">
-            <a:schemeClr val="accent4"/>
-          </a:fillRef>
-          <a:effectRef idx="0">
-            <a:schemeClr val="accent4"/>
-          </a:effectRef>
-          <a:fontRef idx="minor">
-            <a:schemeClr val="lt1"/>
-          </a:fontRef>
-        </p:style>
-        <p:txBody>
-          <a:bodyPr rtlCol="0" anchor="ctr"/>
-          <a:lstStyle/>
-          <a:p>
-            <a:pPr algn="ctr"/>
-            <a:r>
-              <a:rPr lang="en-US" sz="1800" dirty="0">
-                <a:latin typeface="National 2" panose="020B0504030502020203" pitchFamily="34" charset="77"/>
-              </a:rPr>
-              <a:t>No </a:t>
-            </a:r>
-            <a:r>
-              <a:rPr lang="en-US" sz="1800" dirty="0" err="1">
-                <a:latin typeface="National 2" panose="020B0504030502020203" pitchFamily="34" charset="77"/>
-              </a:rPr>
-              <a:t>imple</a:t>
-            </a:r>
-            <a:r>
-              <a:rPr lang="en-US" sz="1800" dirty="0">
-                <a:latin typeface="National 2" panose="020B0504030502020203" pitchFamily="34" charset="77"/>
-              </a:rPr>
-              <a:t>-mentation details!</a:t>
-            </a:r>
-          </a:p>
-        </p:txBody>
-      </p:sp>
-    </p:spTree>
-    <p:extLst>
-      <p:ext uri="{BB962C8B-B14F-4D97-AF65-F5344CB8AC3E}">
-        <p14:creationId xmlns:p14="http://schemas.microsoft.com/office/powerpoint/2010/main" val="1692903314"/>
-      </p:ext>
-    </p:extLst>
-  </p:cSld>
-  <p:clrMapOvr>
-    <a:masterClrMapping/>
-  </p:clrMapOvr>
-  <mc:AlternateContent xmlns:mc="http://schemas.openxmlformats.org/markup-compatibility/2006" xmlns:p14="http://schemas.microsoft.com/office/powerpoint/2010/main">
-    <mc:Choice Requires="p14">
-      <p:transition spd="med" p14:dur="700">
-        <p:fade/>
-      </p:transition>
-    </mc:Choice>
-    <mc:Fallback xmlns="">
-      <p:transition spd="med">
-        <p:fade/>
-      </p:transition>
-    </mc:Fallback>
-  </mc:AlternateContent>
-  <p:timing>
-    <p:tnLst>
-      <p:par>
-        <p:cTn id="1" dur="indefinite" restart="never" nodeType="tmRoot">
-          <p:childTnLst>
-            <p:seq concurrent="1" nextAc="seek">
-              <p:cTn id="2" dur="indefinite" nodeType="mainSeq">
-                <p:childTnLst>
-                  <p:par>
-                    <p:cTn id="3" fill="hold">
-                      <p:stCondLst>
-                        <p:cond delay="indefinite"/>
-                      </p:stCondLst>
-                      <p:childTnLst>
-                        <p:par>
-                          <p:cTn id="4" fill="hold">
-                            <p:stCondLst>
-                              <p:cond delay="0"/>
-                            </p:stCondLst>
-                            <p:childTnLst>
-                              <p:par>
-                                <p:cTn id="5" presetID="10" presetClass="entr" presetSubtype="0" fill="hold" grpId="0" nodeType="clickEffect">
-                                  <p:stCondLst>
-                                    <p:cond delay="0"/>
-                                  </p:stCondLst>
-                                  <p:childTnLst>
-                                    <p:set>
-                                      <p:cBhvr>
-                                        <p:cTn id="6" dur="1" fill="hold">
-                                          <p:stCondLst>
-                                            <p:cond delay="0"/>
-                                          </p:stCondLst>
-                                        </p:cTn>
-                                        <p:tgtEl>
-                                          <p:spTgt spid="7"/>
-                                        </p:tgtEl>
-                                        <p:attrNameLst>
-                                          <p:attrName>style.visibility</p:attrName>
-                                        </p:attrNameLst>
-                                      </p:cBhvr>
-                                      <p:to>
-                                        <p:strVal val="visible"/>
-                                      </p:to>
-                                    </p:set>
-                                    <p:animEffect transition="in" filter="fade">
-                                      <p:cBhvr>
-                                        <p:cTn id="7" dur="500"/>
-                                        <p:tgtEl>
-                                          <p:spTgt spid="7"/>
-                                        </p:tgtEl>
-                                      </p:cBhvr>
-                                    </p:animEffect>
-                                  </p:childTnLst>
-                                </p:cTn>
-                              </p:par>
-                            </p:childTnLst>
-                          </p:cTn>
-                        </p:par>
-                      </p:childTnLst>
-                    </p:cTn>
-                  </p:par>
-                  <p:par>
-                    <p:cTn id="8" fill="hold">
-                      <p:stCondLst>
-                        <p:cond delay="indefinite"/>
-                      </p:stCondLst>
-                      <p:childTnLst>
-                        <p:par>
-                          <p:cTn id="9" fill="hold">
-                            <p:stCondLst>
-                              <p:cond delay="0"/>
-                            </p:stCondLst>
-                            <p:childTnLst>
-                              <p:par>
-                                <p:cTn id="10" presetID="10" presetClass="entr" presetSubtype="0" fill="hold" nodeType="clickEffect">
-                                  <p:stCondLst>
-                                    <p:cond delay="0"/>
-                                  </p:stCondLst>
-                                  <p:childTnLst>
-                                    <p:set>
-                                      <p:cBhvr>
-                                        <p:cTn id="11" dur="1" fill="hold">
-                                          <p:stCondLst>
-                                            <p:cond delay="0"/>
-                                          </p:stCondLst>
-                                        </p:cTn>
-                                        <p:tgtEl>
-                                          <p:spTgt spid="9"/>
-                                        </p:tgtEl>
-                                        <p:attrNameLst>
-                                          <p:attrName>style.visibility</p:attrName>
-                                        </p:attrNameLst>
-                                      </p:cBhvr>
-                                      <p:to>
-                                        <p:strVal val="visible"/>
-                                      </p:to>
-                                    </p:set>
-                                    <p:animEffect transition="in" filter="fade">
-                                      <p:cBhvr>
-                                        <p:cTn id="12" dur="500"/>
-                                        <p:tgtEl>
-                                          <p:spTgt spid="9"/>
-                                        </p:tgtEl>
-                                      </p:cBhvr>
-                                    </p:animEffect>
-                                  </p:childTnLst>
-                                </p:cTn>
-                              </p:par>
-                            </p:childTnLst>
-                          </p:cTn>
-                        </p:par>
-                      </p:childTnLst>
-                    </p:cTn>
-                  </p:par>
-                  <p:par>
-                    <p:cTn id="13" fill="hold">
-                      <p:stCondLst>
-                        <p:cond delay="indefinite"/>
-                      </p:stCondLst>
-                      <p:childTnLst>
-                        <p:par>
-                          <p:cTn id="14" fill="hold">
-                            <p:stCondLst>
-                              <p:cond delay="0"/>
-                            </p:stCondLst>
-                            <p:childTnLst>
-                              <p:par>
-                                <p:cTn id="15" presetID="10" presetClass="entr" presetSubtype="0" fill="hold" nodeType="clickEffect">
-                                  <p:stCondLst>
-                                    <p:cond delay="0"/>
-                                  </p:stCondLst>
-                                  <p:childTnLst>
-                                    <p:set>
-                                      <p:cBhvr>
-                                        <p:cTn id="16" dur="1" fill="hold">
-                                          <p:stCondLst>
-                                            <p:cond delay="0"/>
-                                          </p:stCondLst>
-                                        </p:cTn>
-                                        <p:tgtEl>
-                                          <p:spTgt spid="19"/>
-                                        </p:tgtEl>
-                                        <p:attrNameLst>
-                                          <p:attrName>style.visibility</p:attrName>
-                                        </p:attrNameLst>
-                                      </p:cBhvr>
-                                      <p:to>
-                                        <p:strVal val="visible"/>
-                                      </p:to>
-                                    </p:set>
-                                    <p:animEffect transition="in" filter="fade">
-                                      <p:cBhvr>
-                                        <p:cTn id="17" dur="500"/>
-                                        <p:tgtEl>
-                                          <p:spTgt spid="19"/>
-                                        </p:tgtEl>
-                                      </p:cBhvr>
-                                    </p:animEffect>
-                                  </p:childTnLst>
-                                </p:cTn>
-                              </p:par>
-                            </p:childTnLst>
-                          </p:cTn>
-                        </p:par>
-                      </p:childTnLst>
-                    </p:cTn>
-                  </p:par>
-                  <p:par>
-                    <p:cTn id="18" fill="hold">
-                      <p:stCondLst>
-                        <p:cond delay="indefinite"/>
-                      </p:stCondLst>
-                      <p:childTnLst>
-                        <p:par>
-                          <p:cTn id="19" fill="hold">
-                            <p:stCondLst>
-                              <p:cond delay="0"/>
-                            </p:stCondLst>
-                            <p:childTnLst>
-                              <p:par>
-                                <p:cTn id="20" presetID="10" presetClass="entr" presetSubtype="0" fill="hold" nodeType="clickEffect">
-                                  <p:stCondLst>
-                                    <p:cond delay="0"/>
-                                  </p:stCondLst>
-                                  <p:childTnLst>
-                                    <p:set>
-                                      <p:cBhvr>
-                                        <p:cTn id="21" dur="1" fill="hold">
-                                          <p:stCondLst>
-                                            <p:cond delay="0"/>
-                                          </p:stCondLst>
-                                        </p:cTn>
-                                        <p:tgtEl>
-                                          <p:spTgt spid="18"/>
-                                        </p:tgtEl>
-                                        <p:attrNameLst>
-                                          <p:attrName>style.visibility</p:attrName>
-                                        </p:attrNameLst>
-                                      </p:cBhvr>
-                                      <p:to>
-                                        <p:strVal val="visible"/>
-                                      </p:to>
-                                    </p:set>
-                                    <p:animEffect transition="in" filter="fade">
-                                      <p:cBhvr>
-                                        <p:cTn id="22" dur="500"/>
-                                        <p:tgtEl>
-                                          <p:spTgt spid="18"/>
-                                        </p:tgtEl>
-                                      </p:cBhvr>
-                                    </p:animEffect>
-                                  </p:childTnLst>
-                                </p:cTn>
-                              </p:par>
-                            </p:childTnLst>
-                          </p:cTn>
-                        </p:par>
-                      </p:childTnLst>
-                    </p:cTn>
-                  </p:par>
-                  <p:par>
-                    <p:cTn id="23" fill="hold">
-                      <p:stCondLst>
-                        <p:cond delay="indefinite"/>
-                      </p:stCondLst>
-                      <p:childTnLst>
-                        <p:par>
-                          <p:cTn id="24" fill="hold">
-                            <p:stCondLst>
-                              <p:cond delay="0"/>
-                            </p:stCondLst>
-                            <p:childTnLst>
-                              <p:par>
-                                <p:cTn id="25" presetID="10" presetClass="entr" presetSubtype="0" fill="hold" grpId="0" nodeType="clickEffect">
-                                  <p:stCondLst>
-                                    <p:cond delay="0"/>
-                                  </p:stCondLst>
-                                  <p:childTnLst>
-                                    <p:set>
-                                      <p:cBhvr>
-                                        <p:cTn id="26" dur="1" fill="hold">
-                                          <p:stCondLst>
-                                            <p:cond delay="0"/>
-                                          </p:stCondLst>
-                                        </p:cTn>
-                                        <p:tgtEl>
-                                          <p:spTgt spid="21"/>
-                                        </p:tgtEl>
-                                        <p:attrNameLst>
-                                          <p:attrName>style.visibility</p:attrName>
-                                        </p:attrNameLst>
-                                      </p:cBhvr>
-                                      <p:to>
-                                        <p:strVal val="visible"/>
-                                      </p:to>
-                                    </p:set>
-                                    <p:animEffect transition="in" filter="fade">
-                                      <p:cBhvr>
-                                        <p:cTn id="27" dur="500"/>
-                                        <p:tgtEl>
-                                          <p:spTgt spid="21"/>
-                                        </p:tgtEl>
-                                      </p:cBhvr>
-                                    </p:animEffect>
-                                  </p:childTnLst>
-                                </p:cTn>
-                              </p:par>
-                            </p:childTnLst>
-                          </p:cTn>
-                        </p:par>
-                      </p:childTnLst>
-                    </p:cTn>
-                  </p:par>
-                </p:childTnLst>
-              </p:cTn>
-              <p:prevCondLst>
-                <p:cond evt="onPrev" delay="0">
-                  <p:tgtEl>
-                    <p:sldTgt/>
-                  </p:tgtEl>
-                </p:cond>
-              </p:prevCondLst>
-              <p:nextCondLst>
-                <p:cond evt="onNext" delay="0">
-                  <p:tgtEl>
-                    <p:sldTgt/>
-                  </p:tgtEl>
-                </p:cond>
-              </p:nextCondLst>
-            </p:seq>
-          </p:childTnLst>
-        </p:cTn>
-      </p:par>
-    </p:tnLst>
-    <p:bldLst>
-      <p:bldP spid="7" grpId="0" animBg="1"/>
-      <p:bldP spid="21" grpId="0" animBg="1"/>
-    </p:bldLst>
-  </p:timing>
-</p:sld>
-</file>
-
-<file path=ppt/slides/slide9.xml><?xml version="1.0" encoding="utf-8"?>
-<p:sld xmlns:a="http://schemas.openxmlformats.org/drawingml/2006/main" xmlns:r="http://schemas.openxmlformats.org/officeDocument/2006/relationships" xmlns:p="http://schemas.openxmlformats.org/presentationml/2006/main">
-  <p:cSld>
-    <p:spTree>
-      <p:nvGrpSpPr>
-        <p:cNvPr id="1" name=""/>
-        <p:cNvGrpSpPr/>
-        <p:nvPr/>
-      </p:nvGrpSpPr>
-      <p:grpSpPr>
-        <a:xfrm>
-          <a:off x="0" y="0"/>
-          <a:ext cx="0" cy="0"/>
-          <a:chOff x="0" y="0"/>
-          <a:chExt cx="0" cy="0"/>
-        </a:xfrm>
-      </p:grpSpPr>
-      <p:sp>
-        <p:nvSpPr>
-          <p:cNvPr id="2" name="Content Placeholder 1">
-            <a:extLst>
-              <a:ext uri="{FF2B5EF4-FFF2-40B4-BE49-F238E27FC236}">
                 <a16:creationId xmlns:a16="http://schemas.microsoft.com/office/drawing/2014/main" id="{74DDB33E-DB0A-06D7-B778-D0D01BB6ED7C}"/>
               </a:ext>
             </a:extLst>
@@ -18658,85 +18438,78 @@
             <a:pPr marL="461962" indent="-457200">
               <a:buSzPct val="80000"/>
               <a:buFont typeface="System Font Regular"/>
-              <a:buChar char="☝️"/>
+              <a:buChar char="🛠️"/>
             </a:pPr>
             <a:r>
               <a:rPr lang="en-US" dirty="0">
                 <a:latin typeface="National 2" panose="020B0504030502020203" pitchFamily="34" charset="77"/>
               </a:rPr>
-              <a:t>API stands for Application Programming Interface</a:t>
+              <a:t>We can pick and choose the right model for the right task</a:t>
+            </a:r>
+          </a:p>
+          <a:p>
+            <a:pPr marL="919162" lvl="1" indent="-457200">
+              <a:buSzPct val="80000"/>
+              <a:buFont typeface="System Font Regular"/>
+              <a:buChar char="💵"/>
+            </a:pPr>
+            <a:r>
+              <a:rPr lang="en-US" dirty="0">
+                <a:latin typeface="National 2" panose="020B0504030502020203" pitchFamily="34" charset="77"/>
+              </a:rPr>
+              <a:t>Helps to manage cost (e.g., GPT-3.5 is 1/10</a:t>
+            </a:r>
+            <a:r>
+              <a:rPr lang="en-US" baseline="30000" dirty="0">
+                <a:latin typeface="National 2" panose="020B0504030502020203" pitchFamily="34" charset="77"/>
+              </a:rPr>
+              <a:t>th</a:t>
+            </a:r>
+            <a:r>
+              <a:rPr lang="en-US" dirty="0">
+                <a:latin typeface="National 2" panose="020B0504030502020203" pitchFamily="34" charset="77"/>
+              </a:rPr>
+              <a:t> of the cost of GPT-4)</a:t>
             </a:r>
           </a:p>
           <a:p>
             <a:pPr marL="461962" indent="-457200">
               <a:buSzPct val="80000"/>
               <a:buFont typeface="System Font Regular"/>
-              <a:buChar char="🧱"/>
+              <a:buChar char="💻"/>
             </a:pPr>
             <a:r>
               <a:rPr lang="en-US" dirty="0">
                 <a:latin typeface="National 2" panose="020B0504030502020203" pitchFamily="34" charset="77"/>
               </a:rPr>
-              <a:t>It allows us to use someone else’s “code blocks” to build applications/programs/scripts</a:t>
-            </a:r>
-          </a:p>
-          <a:p>
-            <a:pPr marL="461962" indent="-457200">
+              <a:t>We can run smaller, less general-purpose models on our own machine</a:t>
+            </a:r>
+          </a:p>
+          <a:p>
+            <a:pPr marL="919162" lvl="1" indent="-457200">
               <a:buSzPct val="80000"/>
               <a:buFont typeface="System Font Regular"/>
-              <a:buChar char="🛠️"/>
+              <a:buChar char="🤝"/>
             </a:pPr>
             <a:r>
               <a:rPr lang="en-US" dirty="0">
                 <a:latin typeface="National 2" panose="020B0504030502020203" pitchFamily="34" charset="77"/>
               </a:rPr>
-              <a:t>Many APIs are used to bring in functionality (e.g., processing images)</a:t>
-            </a:r>
-          </a:p>
-          <a:p>
-            <a:pPr marL="461962" indent="-457200">
+              <a:t>Trade-offs have to be made between performance and speed,</a:t>
+            </a:r>
+          </a:p>
+          <a:p>
+            <a:pPr marL="919162" lvl="1" indent="-457200">
               <a:buSzPct val="80000"/>
               <a:buFont typeface="System Font Regular"/>
-              <a:buChar char="📈"/>
+              <a:buChar char="👉"/>
             </a:pPr>
             <a:r>
               <a:rPr lang="en-US" dirty="0">
                 <a:latin typeface="National 2" panose="020B0504030502020203" pitchFamily="34" charset="77"/>
               </a:rPr>
-              <a:t>Here, we will focus on APIs that are used to bring in </a:t>
-            </a:r>
-            <a:r>
-              <a:rPr lang="en-US" i="1" dirty="0">
-                <a:latin typeface="National 2" panose="020B0504030502020203" pitchFamily="34" charset="77"/>
-              </a:rPr>
-              <a:t>data</a:t>
-            </a:r>
-            <a:r>
-              <a:rPr lang="en-US" dirty="0">
-                <a:latin typeface="National 2" panose="020B0504030502020203" pitchFamily="34" charset="77"/>
-              </a:rPr>
-              <a:t>!</a:t>
-            </a:r>
-          </a:p>
-          <a:p>
-            <a:pPr marL="461962" indent="-457200">
-              <a:buSzPct val="80000"/>
-              <a:buFont typeface="System Font Regular"/>
-              <a:buChar char="☝️"/>
-            </a:pPr>
-            <a:endParaRPr lang="en-US" dirty="0">
-              <a:latin typeface="National 2" panose="020B0504030502020203" pitchFamily="34" charset="77"/>
-            </a:endParaRPr>
-          </a:p>
-          <a:p>
-            <a:pPr marL="461962" indent="-457200">
-              <a:buSzPct val="80000"/>
-              <a:buFont typeface="System Font Regular"/>
-              <a:buChar char="☝️"/>
-            </a:pPr>
-            <a:endParaRPr lang="en-US" dirty="0">
-              <a:latin typeface="National 2" panose="020B0504030502020203" pitchFamily="34" charset="77"/>
-            </a:endParaRPr>
+              <a:t>See example in workshop</a:t>
+            </a:r>
           </a:p>
           <a:p>
             <a:pPr marL="461962" indent="-457200">
@@ -18773,7 +18546,7 @@
           <a:p>
             <a:r>
               <a:rPr lang="en-US" dirty="0"/>
-              <a:t>What is an API?</a:t>
+              <a:t>But…</a:t>
             </a:r>
           </a:p>
         </p:txBody>
@@ -18831,7 +18604,7 @@
             <a:fld id="{E917DE0E-AFB1-41FD-BC35-27DB61CA125F}" type="slidenum">
               <a:rPr lang="en-AU" smtClean="0"/>
               <a:pPr/>
-              <a:t>9</a:t>
+              <a:t>8</a:t>
             </a:fld>
             <a:endParaRPr lang="en-AU" dirty="0"/>
           </a:p>
@@ -18840,7 +18613,7 @@
     </p:spTree>
     <p:extLst>
       <p:ext uri="{BB962C8B-B14F-4D97-AF65-F5344CB8AC3E}">
-        <p14:creationId xmlns:p14="http://schemas.microsoft.com/office/powerpoint/2010/main" val="575734491"/>
+        <p14:creationId xmlns:p14="http://schemas.microsoft.com/office/powerpoint/2010/main" val="3113424861"/>
       </p:ext>
     </p:extLst>
   </p:cSld>
@@ -18848,7 +18621,7 @@
     <a:masterClrMapping/>
   </p:clrMapOvr>
   <p:transition spd="slow">
-    <p:push dir="r"/>
+    <p:wipe/>
   </p:transition>
   <p:timing>
     <p:tnLst>
@@ -18886,7 +18659,7 @@
                                         <p:tgtEl>
                                           <p:spTgt spid="2">
                                             <p:txEl>
-                                              <p:pRg st="1" end="1"/>
+                                              <p:pRg st="0" end="0"/>
                                             </p:txEl>
                                           </p:spTgt>
                                         </p:tgtEl>
@@ -18904,7 +18677,547 @@
                                         <p:tgtEl>
                                           <p:spTgt spid="2">
                                             <p:txEl>
+                                              <p:pRg st="0" end="0"/>
+                                            </p:txEl>
+                                          </p:spTgt>
+                                        </p:tgtEl>
+                                      </p:cBhvr>
+                                    </p:animEffect>
+                                  </p:childTnLst>
+                                </p:cTn>
+                              </p:par>
+                              <p:par>
+                                <p:cTn id="8" presetID="10" presetClass="entr" presetSubtype="0" fill="hold" grpId="0" nodeType="withEffect">
+                                  <p:stCondLst>
+                                    <p:cond delay="0"/>
+                                  </p:stCondLst>
+                                  <p:childTnLst>
+                                    <p:set>
+                                      <p:cBhvr>
+                                        <p:cTn id="9" dur="1" fill="hold">
+                                          <p:stCondLst>
+                                            <p:cond delay="0"/>
+                                          </p:stCondLst>
+                                        </p:cTn>
+                                        <p:tgtEl>
+                                          <p:spTgt spid="2">
+                                            <p:txEl>
                                               <p:pRg st="1" end="1"/>
+                                            </p:txEl>
+                                          </p:spTgt>
+                                        </p:tgtEl>
+                                        <p:attrNameLst>
+                                          <p:attrName>style.visibility</p:attrName>
+                                        </p:attrNameLst>
+                                      </p:cBhvr>
+                                      <p:to>
+                                        <p:strVal val="visible"/>
+                                      </p:to>
+                                    </p:set>
+                                    <p:animEffect transition="in" filter="fade">
+                                      <p:cBhvr>
+                                        <p:cTn id="10" dur="500"/>
+                                        <p:tgtEl>
+                                          <p:spTgt spid="2">
+                                            <p:txEl>
+                                              <p:pRg st="1" end="1"/>
+                                            </p:txEl>
+                                          </p:spTgt>
+                                        </p:tgtEl>
+                                      </p:cBhvr>
+                                    </p:animEffect>
+                                  </p:childTnLst>
+                                </p:cTn>
+                              </p:par>
+                            </p:childTnLst>
+                          </p:cTn>
+                        </p:par>
+                      </p:childTnLst>
+                    </p:cTn>
+                  </p:par>
+                  <p:par>
+                    <p:cTn id="11" fill="hold">
+                      <p:stCondLst>
+                        <p:cond delay="indefinite"/>
+                      </p:stCondLst>
+                      <p:childTnLst>
+                        <p:par>
+                          <p:cTn id="12" fill="hold">
+                            <p:stCondLst>
+                              <p:cond delay="0"/>
+                            </p:stCondLst>
+                            <p:childTnLst>
+                              <p:par>
+                                <p:cTn id="13" presetID="10" presetClass="entr" presetSubtype="0" fill="hold" grpId="0" nodeType="clickEffect">
+                                  <p:stCondLst>
+                                    <p:cond delay="0"/>
+                                  </p:stCondLst>
+                                  <p:childTnLst>
+                                    <p:set>
+                                      <p:cBhvr>
+                                        <p:cTn id="14" dur="1" fill="hold">
+                                          <p:stCondLst>
+                                            <p:cond delay="0"/>
+                                          </p:stCondLst>
+                                        </p:cTn>
+                                        <p:tgtEl>
+                                          <p:spTgt spid="2">
+                                            <p:txEl>
+                                              <p:pRg st="2" end="2"/>
+                                            </p:txEl>
+                                          </p:spTgt>
+                                        </p:tgtEl>
+                                        <p:attrNameLst>
+                                          <p:attrName>style.visibility</p:attrName>
+                                        </p:attrNameLst>
+                                      </p:cBhvr>
+                                      <p:to>
+                                        <p:strVal val="visible"/>
+                                      </p:to>
+                                    </p:set>
+                                    <p:animEffect transition="in" filter="fade">
+                                      <p:cBhvr>
+                                        <p:cTn id="15" dur="500"/>
+                                        <p:tgtEl>
+                                          <p:spTgt spid="2">
+                                            <p:txEl>
+                                              <p:pRg st="2" end="2"/>
+                                            </p:txEl>
+                                          </p:spTgt>
+                                        </p:tgtEl>
+                                      </p:cBhvr>
+                                    </p:animEffect>
+                                  </p:childTnLst>
+                                </p:cTn>
+                              </p:par>
+                              <p:par>
+                                <p:cTn id="16" presetID="10" presetClass="entr" presetSubtype="0" fill="hold" grpId="0" nodeType="withEffect">
+                                  <p:stCondLst>
+                                    <p:cond delay="0"/>
+                                  </p:stCondLst>
+                                  <p:childTnLst>
+                                    <p:set>
+                                      <p:cBhvr>
+                                        <p:cTn id="17" dur="1" fill="hold">
+                                          <p:stCondLst>
+                                            <p:cond delay="0"/>
+                                          </p:stCondLst>
+                                        </p:cTn>
+                                        <p:tgtEl>
+                                          <p:spTgt spid="2">
+                                            <p:txEl>
+                                              <p:pRg st="3" end="3"/>
+                                            </p:txEl>
+                                          </p:spTgt>
+                                        </p:tgtEl>
+                                        <p:attrNameLst>
+                                          <p:attrName>style.visibility</p:attrName>
+                                        </p:attrNameLst>
+                                      </p:cBhvr>
+                                      <p:to>
+                                        <p:strVal val="visible"/>
+                                      </p:to>
+                                    </p:set>
+                                    <p:animEffect transition="in" filter="fade">
+                                      <p:cBhvr>
+                                        <p:cTn id="18" dur="500"/>
+                                        <p:tgtEl>
+                                          <p:spTgt spid="2">
+                                            <p:txEl>
+                                              <p:pRg st="3" end="3"/>
+                                            </p:txEl>
+                                          </p:spTgt>
+                                        </p:tgtEl>
+                                      </p:cBhvr>
+                                    </p:animEffect>
+                                  </p:childTnLst>
+                                </p:cTn>
+                              </p:par>
+                              <p:par>
+                                <p:cTn id="19" presetID="10" presetClass="entr" presetSubtype="0" fill="hold" grpId="0" nodeType="withEffect">
+                                  <p:stCondLst>
+                                    <p:cond delay="0"/>
+                                  </p:stCondLst>
+                                  <p:childTnLst>
+                                    <p:set>
+                                      <p:cBhvr>
+                                        <p:cTn id="20" dur="1" fill="hold">
+                                          <p:stCondLst>
+                                            <p:cond delay="0"/>
+                                          </p:stCondLst>
+                                        </p:cTn>
+                                        <p:tgtEl>
+                                          <p:spTgt spid="2">
+                                            <p:txEl>
+                                              <p:pRg st="4" end="4"/>
+                                            </p:txEl>
+                                          </p:spTgt>
+                                        </p:tgtEl>
+                                        <p:attrNameLst>
+                                          <p:attrName>style.visibility</p:attrName>
+                                        </p:attrNameLst>
+                                      </p:cBhvr>
+                                      <p:to>
+                                        <p:strVal val="visible"/>
+                                      </p:to>
+                                    </p:set>
+                                    <p:animEffect transition="in" filter="fade">
+                                      <p:cBhvr>
+                                        <p:cTn id="21" dur="500"/>
+                                        <p:tgtEl>
+                                          <p:spTgt spid="2">
+                                            <p:txEl>
+                                              <p:pRg st="4" end="4"/>
+                                            </p:txEl>
+                                          </p:spTgt>
+                                        </p:tgtEl>
+                                      </p:cBhvr>
+                                    </p:animEffect>
+                                  </p:childTnLst>
+                                </p:cTn>
+                              </p:par>
+                            </p:childTnLst>
+                          </p:cTn>
+                        </p:par>
+                      </p:childTnLst>
+                    </p:cTn>
+                  </p:par>
+                </p:childTnLst>
+              </p:cTn>
+              <p:prevCondLst>
+                <p:cond evt="onPrev" delay="0">
+                  <p:tgtEl>
+                    <p:sldTgt/>
+                  </p:tgtEl>
+                </p:cond>
+              </p:prevCondLst>
+              <p:nextCondLst>
+                <p:cond evt="onNext" delay="0">
+                  <p:tgtEl>
+                    <p:sldTgt/>
+                  </p:tgtEl>
+                </p:cond>
+              </p:nextCondLst>
+            </p:seq>
+          </p:childTnLst>
+        </p:cTn>
+      </p:par>
+    </p:tnLst>
+    <p:bldLst>
+      <p:bldP spid="2" grpId="0" build="p"/>
+    </p:bldLst>
+  </p:timing>
+</p:sld>
+</file>
+
+<file path=ppt/slides/slide9.xml><?xml version="1.0" encoding="utf-8"?>
+<p:sld xmlns:a="http://schemas.openxmlformats.org/drawingml/2006/main" xmlns:r="http://schemas.openxmlformats.org/officeDocument/2006/relationships" xmlns:p="http://schemas.openxmlformats.org/presentationml/2006/main">
+  <p:cSld>
+    <p:spTree>
+      <p:nvGrpSpPr>
+        <p:cNvPr id="1" name=""/>
+        <p:cNvGrpSpPr/>
+        <p:nvPr/>
+      </p:nvGrpSpPr>
+      <p:grpSpPr>
+        <a:xfrm>
+          <a:off x="0" y="0"/>
+          <a:ext cx="0" cy="0"/>
+          <a:chOff x="0" y="0"/>
+          <a:chExt cx="0" cy="0"/>
+        </a:xfrm>
+      </p:grpSpPr>
+      <p:sp>
+        <p:nvSpPr>
+          <p:cNvPr id="2" name="Content Placeholder 1">
+            <a:extLst>
+              <a:ext uri="{FF2B5EF4-FFF2-40B4-BE49-F238E27FC236}">
+                <a16:creationId xmlns:a16="http://schemas.microsoft.com/office/drawing/2014/main" id="{27BF64D7-8FF1-F778-4E25-BC990AAA8BEB}"/>
+              </a:ext>
+            </a:extLst>
+          </p:cNvPr>
+          <p:cNvSpPr>
+            <a:spLocks noGrp="1"/>
+          </p:cNvSpPr>
+          <p:nvPr>
+            <p:ph sz="quarter" idx="11"/>
+          </p:nvPr>
+        </p:nvSpPr>
+        <p:spPr>
+          <a:xfrm>
+            <a:off x="381000" y="2365638"/>
+            <a:ext cx="11260891" cy="4127303"/>
+          </a:xfrm>
+        </p:spPr>
+        <p:txBody>
+          <a:bodyPr anchor="ctr">
+            <a:normAutofit/>
+          </a:bodyPr>
+          <a:lstStyle/>
+          <a:p>
+            <a:pPr marL="457200" indent="-457200"/>
+            <a:r>
+              <a:rPr lang="en-US" sz="3200" dirty="0">
+                <a:latin typeface="National 2 Medium" panose="020B0504030502020203" pitchFamily="34" charset="77"/>
+              </a:rPr>
+              <a:t>How </a:t>
+            </a:r>
+            <a:r>
+              <a:rPr lang="en-US" sz="3200" dirty="0">
+                <a:solidFill>
+                  <a:schemeClr val="accent6">
+                    <a:lumMod val="50000"/>
+                  </a:schemeClr>
+                </a:solidFill>
+              </a:rPr>
+              <a:t>to interact with a Large Language Model in Python</a:t>
+            </a:r>
+          </a:p>
+          <a:p>
+            <a:pPr marL="457200" indent="-457200"/>
+            <a:r>
+              <a:rPr lang="en-US" sz="3200" dirty="0">
+                <a:latin typeface="National 2 Medium" panose="020B0504030502020203" pitchFamily="34" charset="77"/>
+              </a:rPr>
+              <a:t>How </a:t>
+            </a:r>
+            <a:r>
+              <a:rPr lang="en-US" sz="3200" dirty="0">
+                <a:solidFill>
+                  <a:schemeClr val="accent6">
+                    <a:lumMod val="50000"/>
+                  </a:schemeClr>
+                </a:solidFill>
+              </a:rPr>
+              <a:t>to efficiently use prompts through code</a:t>
+            </a:r>
+          </a:p>
+          <a:p>
+            <a:pPr marL="457200" indent="-457200"/>
+            <a:r>
+              <a:rPr lang="en-US" sz="3200" dirty="0">
+                <a:latin typeface="National 2 Medium" panose="020B0504030502020203" pitchFamily="34" charset="77"/>
+              </a:rPr>
+              <a:t>How </a:t>
+            </a:r>
+            <a:r>
+              <a:rPr lang="en-US" sz="3200" dirty="0">
+                <a:solidFill>
+                  <a:schemeClr val="accent6">
+                    <a:lumMod val="50000"/>
+                  </a:schemeClr>
+                </a:solidFill>
+              </a:rPr>
+              <a:t>to summarize documents using an LLM</a:t>
+            </a:r>
+          </a:p>
+          <a:p>
+            <a:pPr marL="457200" indent="-457200"/>
+            <a:r>
+              <a:rPr lang="en-US" sz="3200" dirty="0">
+                <a:latin typeface="National 2 Medium" panose="020B0504030502020203" pitchFamily="34" charset="77"/>
+              </a:rPr>
+              <a:t>How </a:t>
+            </a:r>
+            <a:r>
+              <a:rPr lang="en-US" sz="3200" dirty="0">
+                <a:solidFill>
+                  <a:schemeClr val="accent6">
+                    <a:lumMod val="50000"/>
+                  </a:schemeClr>
+                </a:solidFill>
+              </a:rPr>
+              <a:t>to engage in Q&amp;A with a document </a:t>
+            </a:r>
+          </a:p>
+          <a:p>
+            <a:pPr marL="457200" indent="-457200"/>
+            <a:r>
+              <a:rPr lang="en-US" sz="3200" dirty="0">
+                <a:latin typeface="National 2 Medium" panose="020B0504030502020203" pitchFamily="34" charset="77"/>
+              </a:rPr>
+              <a:t>How </a:t>
+            </a:r>
+            <a:r>
+              <a:rPr lang="en-US" sz="3200" dirty="0">
+                <a:solidFill>
+                  <a:schemeClr val="accent6">
+                    <a:lumMod val="50000"/>
+                  </a:schemeClr>
+                </a:solidFill>
+              </a:rPr>
+              <a:t>to use a privacy-preserving, local LLM </a:t>
+            </a:r>
+          </a:p>
+          <a:p>
+            <a:pPr marL="0" indent="0">
+              <a:buNone/>
+            </a:pPr>
+            <a:endParaRPr lang="en-US" sz="3200" dirty="0">
+              <a:solidFill>
+                <a:schemeClr val="accent6">
+                  <a:lumMod val="50000"/>
+                </a:schemeClr>
+              </a:solidFill>
+            </a:endParaRPr>
+          </a:p>
+        </p:txBody>
+      </p:sp>
+      <p:sp>
+        <p:nvSpPr>
+          <p:cNvPr id="3" name="Title 2">
+            <a:extLst>
+              <a:ext uri="{FF2B5EF4-FFF2-40B4-BE49-F238E27FC236}">
+                <a16:creationId xmlns:a16="http://schemas.microsoft.com/office/drawing/2014/main" id="{E1596C84-A306-B189-CDA1-74458B43CBD8}"/>
+              </a:ext>
+            </a:extLst>
+          </p:cNvPr>
+          <p:cNvSpPr>
+            <a:spLocks noGrp="1"/>
+          </p:cNvSpPr>
+          <p:nvPr>
+            <p:ph type="title"/>
+          </p:nvPr>
+        </p:nvSpPr>
+        <p:spPr/>
+        <p:txBody>
+          <a:bodyPr/>
+          <a:lstStyle/>
+          <a:p>
+            <a:r>
+              <a:rPr lang="en-US" dirty="0"/>
+              <a:t>What you will learn in this workshop</a:t>
+            </a:r>
+          </a:p>
+        </p:txBody>
+      </p:sp>
+      <p:sp>
+        <p:nvSpPr>
+          <p:cNvPr id="4" name="Footer Placeholder 3">
+            <a:extLst>
+              <a:ext uri="{FF2B5EF4-FFF2-40B4-BE49-F238E27FC236}">
+                <a16:creationId xmlns:a16="http://schemas.microsoft.com/office/drawing/2014/main" id="{8AB0CDEB-4997-14D9-3B11-92B6181671E9}"/>
+              </a:ext>
+            </a:extLst>
+          </p:cNvPr>
+          <p:cNvSpPr>
+            <a:spLocks noGrp="1"/>
+          </p:cNvSpPr>
+          <p:nvPr>
+            <p:ph type="ftr" sz="quarter" idx="12"/>
+          </p:nvPr>
+        </p:nvSpPr>
+        <p:spPr/>
+        <p:txBody>
+          <a:bodyPr/>
+          <a:lstStyle/>
+          <a:p>
+            <a:r>
+              <a:rPr lang="en-AU"/>
+              <a:t>Chatty Documents</a:t>
+            </a:r>
+            <a:endParaRPr lang="en-AU" dirty="0"/>
+          </a:p>
+        </p:txBody>
+      </p:sp>
+      <p:sp>
+        <p:nvSpPr>
+          <p:cNvPr id="5" name="Slide Number Placeholder 4">
+            <a:extLst>
+              <a:ext uri="{FF2B5EF4-FFF2-40B4-BE49-F238E27FC236}">
+                <a16:creationId xmlns:a16="http://schemas.microsoft.com/office/drawing/2014/main" id="{FD2F5860-3C05-603D-96AF-B25858484956}"/>
+              </a:ext>
+            </a:extLst>
+          </p:cNvPr>
+          <p:cNvSpPr>
+            <a:spLocks noGrp="1"/>
+          </p:cNvSpPr>
+          <p:nvPr>
+            <p:ph type="sldNum" sz="quarter" idx="13"/>
+          </p:nvPr>
+        </p:nvSpPr>
+        <p:spPr/>
+        <p:txBody>
+          <a:bodyPr/>
+          <a:lstStyle/>
+          <a:p>
+            <a:fld id="{E917DE0E-AFB1-41FD-BC35-27DB61CA125F}" type="slidenum">
+              <a:rPr lang="en-AU" smtClean="0"/>
+              <a:pPr/>
+              <a:t>9</a:t>
+            </a:fld>
+            <a:endParaRPr lang="en-AU" dirty="0"/>
+          </a:p>
+        </p:txBody>
+      </p:sp>
+    </p:spTree>
+    <p:extLst>
+      <p:ext uri="{BB962C8B-B14F-4D97-AF65-F5344CB8AC3E}">
+        <p14:creationId xmlns:p14="http://schemas.microsoft.com/office/powerpoint/2010/main" val="3807905586"/>
+      </p:ext>
+    </p:extLst>
+  </p:cSld>
+  <p:clrMapOvr>
+    <a:masterClrMapping/>
+  </p:clrMapOvr>
+  <p:transition spd="slow">
+    <p:push dir="u"/>
+  </p:transition>
+  <p:timing>
+    <p:tnLst>
+      <p:par>
+        <p:cTn id="1" dur="indefinite" restart="never" nodeType="tmRoot">
+          <p:childTnLst>
+            <p:seq concurrent="1" nextAc="seek">
+              <p:cTn id="2" dur="indefinite" nodeType="mainSeq">
+                <p:childTnLst>
+                  <p:par>
+                    <p:cTn id="3" fill="hold">
+                      <p:stCondLst>
+                        <p:cond delay="indefinite"/>
+                      </p:stCondLst>
+                      <p:childTnLst>
+                        <p:par>
+                          <p:cTn id="4" fill="hold">
+                            <p:stCondLst>
+                              <p:cond delay="0"/>
+                            </p:stCondLst>
+                            <p:childTnLst>
+                              <p:par>
+                                <p:cTn id="5" presetID="10" presetClass="entr" presetSubtype="0" fill="hold" grpId="0" nodeType="clickEffect">
+                                  <p:stCondLst>
+                                    <p:cond delay="0"/>
+                                  </p:stCondLst>
+                                  <p:childTnLst>
+                                    <p:set>
+                                      <p:cBhvr>
+                                        <p:cTn id="6" dur="1" fill="hold">
+                                          <p:stCondLst>
+                                            <p:cond delay="0"/>
+                                          </p:stCondLst>
+                                        </p:cTn>
+                                        <p:tgtEl>
+                                          <p:spTgt spid="2">
+                                            <p:txEl>
+                                              <p:pRg st="0" end="0"/>
+                                            </p:txEl>
+                                          </p:spTgt>
+                                        </p:tgtEl>
+                                        <p:attrNameLst>
+                                          <p:attrName>style.visibility</p:attrName>
+                                        </p:attrNameLst>
+                                      </p:cBhvr>
+                                      <p:to>
+                                        <p:strVal val="visible"/>
+                                      </p:to>
+                                    </p:set>
+                                    <p:animEffect transition="in" filter="fade">
+                                      <p:cBhvr>
+                                        <p:cTn id="7" dur="500"/>
+                                        <p:tgtEl>
+                                          <p:spTgt spid="2">
+                                            <p:txEl>
+                                              <p:pRg st="0" end="0"/>
                                             </p:txEl>
                                           </p:spTgt>
                                         </p:tgtEl>
@@ -18947,7 +19260,7 @@
                                         <p:tgtEl>
                                           <p:spTgt spid="2">
                                             <p:txEl>
-                                              <p:pRg st="2" end="2"/>
+                                              <p:pRg st="1" end="1"/>
                                             </p:txEl>
                                           </p:spTgt>
                                         </p:tgtEl>
@@ -18965,7 +19278,7 @@
                                         <p:tgtEl>
                                           <p:spTgt spid="2">
                                             <p:txEl>
-                                              <p:pRg st="2" end="2"/>
+                                              <p:pRg st="1" end="1"/>
                                             </p:txEl>
                                           </p:spTgt>
                                         </p:tgtEl>
@@ -19008,7 +19321,7 @@
                                         <p:tgtEl>
                                           <p:spTgt spid="2">
                                             <p:txEl>
-                                              <p:pRg st="3" end="3"/>
+                                              <p:pRg st="2" end="2"/>
                                             </p:txEl>
                                           </p:spTgt>
                                         </p:tgtEl>
@@ -19026,7 +19339,129 @@
                                         <p:tgtEl>
                                           <p:spTgt spid="2">
                                             <p:txEl>
+                                              <p:pRg st="2" end="2"/>
+                                            </p:txEl>
+                                          </p:spTgt>
+                                        </p:tgtEl>
+                                      </p:cBhvr>
+                                    </p:animEffect>
+                                  </p:childTnLst>
+                                </p:cTn>
+                              </p:par>
+                            </p:childTnLst>
+                          </p:cTn>
+                        </p:par>
+                      </p:childTnLst>
+                    </p:cTn>
+                  </p:par>
+                  <p:par>
+                    <p:cTn id="18" fill="hold">
+                      <p:stCondLst>
+                        <p:cond delay="indefinite"/>
+                      </p:stCondLst>
+                      <p:childTnLst>
+                        <p:par>
+                          <p:cTn id="19" fill="hold">
+                            <p:stCondLst>
+                              <p:cond delay="0"/>
+                            </p:stCondLst>
+                            <p:childTnLst>
+                              <p:par>
+                                <p:cTn id="20" presetID="10" presetClass="entr" presetSubtype="0" fill="hold" grpId="0" nodeType="clickEffect">
+                                  <p:stCondLst>
+                                    <p:cond delay="0"/>
+                                  </p:stCondLst>
+                                  <p:childTnLst>
+                                    <p:set>
+                                      <p:cBhvr>
+                                        <p:cTn id="21" dur="1" fill="hold">
+                                          <p:stCondLst>
+                                            <p:cond delay="0"/>
+                                          </p:stCondLst>
+                                        </p:cTn>
+                                        <p:tgtEl>
+                                          <p:spTgt spid="2">
+                                            <p:txEl>
                                               <p:pRg st="3" end="3"/>
+                                            </p:txEl>
+                                          </p:spTgt>
+                                        </p:tgtEl>
+                                        <p:attrNameLst>
+                                          <p:attrName>style.visibility</p:attrName>
+                                        </p:attrNameLst>
+                                      </p:cBhvr>
+                                      <p:to>
+                                        <p:strVal val="visible"/>
+                                      </p:to>
+                                    </p:set>
+                                    <p:animEffect transition="in" filter="fade">
+                                      <p:cBhvr>
+                                        <p:cTn id="22" dur="500"/>
+                                        <p:tgtEl>
+                                          <p:spTgt spid="2">
+                                            <p:txEl>
+                                              <p:pRg st="3" end="3"/>
+                                            </p:txEl>
+                                          </p:spTgt>
+                                        </p:tgtEl>
+                                      </p:cBhvr>
+                                    </p:animEffect>
+                                  </p:childTnLst>
+                                </p:cTn>
+                              </p:par>
+                            </p:childTnLst>
+                          </p:cTn>
+                        </p:par>
+                      </p:childTnLst>
+                    </p:cTn>
+                  </p:par>
+                  <p:par>
+                    <p:cTn id="23" fill="hold">
+                      <p:stCondLst>
+                        <p:cond delay="indefinite"/>
+                      </p:stCondLst>
+                      <p:childTnLst>
+                        <p:par>
+                          <p:cTn id="24" fill="hold">
+                            <p:stCondLst>
+                              <p:cond delay="0"/>
+                            </p:stCondLst>
+                            <p:childTnLst>
+                              <p:par>
+                                <p:cTn id="25" presetID="10" presetClass="entr" presetSubtype="0" fill="hold" grpId="0" nodeType="clickEffect">
+                                  <p:stCondLst>
+                                    <p:cond delay="0"/>
+                                  </p:stCondLst>
+                                  <p:childTnLst>
+                                    <p:set>
+                                      <p:cBhvr>
+                                        <p:cTn id="26" dur="1" fill="hold">
+                                          <p:stCondLst>
+                                            <p:cond delay="0"/>
+                                          </p:stCondLst>
+                                        </p:cTn>
+                                        <p:tgtEl>
+                                          <p:spTgt spid="2">
+                                            <p:txEl>
+                                              <p:pRg st="4" end="4"/>
+                                            </p:txEl>
+                                          </p:spTgt>
+                                        </p:tgtEl>
+                                        <p:attrNameLst>
+                                          <p:attrName>style.visibility</p:attrName>
+                                        </p:attrNameLst>
+                                      </p:cBhvr>
+                                      <p:to>
+                                        <p:strVal val="visible"/>
+                                      </p:to>
+                                    </p:set>
+                                    <p:animEffect transition="in" filter="fade">
+                                      <p:cBhvr>
+                                        <p:cTn id="27" dur="500"/>
+                                        <p:tgtEl>
+                                          <p:spTgt spid="2">
+                                            <p:txEl>
+                                              <p:pRg st="4" end="4"/>
                                             </p:txEl>
                                           </p:spTgt>
                                         </p:tgtEl>
@@ -19063,7 +19498,7 @@
       </p:par>
     </p:tnLst>
     <p:bldLst>
-      <p:bldP spid="2" grpId="0" uiExpand="1" build="p"/>
+      <p:bldP spid="2" grpId="0" build="p"/>
     </p:bldLst>
   </p:timing>
 </p:sld>

--- a/ppt/chatty-documents.pptx
+++ b/ppt/chatty-documents.pptx
@@ -266,7 +266,7 @@
           <a:p>
             <a:fld id="{412A36AD-C140-47B5-A0AA-2808AF1C1C9D}" type="datetimeFigureOut">
               <a:rPr lang="en-AU" smtClean="0"/>
-              <a:t>2/11/2023</a:t>
+              <a:t>6/11/2023</a:t>
             </a:fld>
             <a:endParaRPr lang="en-AU"/>
           </a:p>
@@ -431,7 +431,7 @@
           <a:p>
             <a:fld id="{2763829E-EB69-4A98-9D54-8D6822520B27}" type="datetimeFigureOut">
               <a:rPr lang="en-AU" smtClean="0"/>
-              <a:t>2/11/2023</a:t>
+              <a:t>6/11/2023</a:t>
             </a:fld>
             <a:endParaRPr lang="en-AU"/>
           </a:p>
@@ -13263,7 +13263,7 @@
             <a:pPr marL="914400" lvl="1" indent="-457200"/>
             <a:r>
               <a:rPr lang="en-US" sz="2900" dirty="0"/>
-              <a:t>For today’s session, you can use the key posted to the Zoom chat</a:t>
+              <a:t>For today’s session, you can use the key posted to the Zoom chat (courtesy of Dartmouth College Library)</a:t>
             </a:r>
           </a:p>
           <a:p>
@@ -14589,6 +14589,27 @@
               <a:t> for different use cases</a:t>
             </a:r>
           </a:p>
+          <a:p>
+            <a:pPr marL="457200" indent="-457200">
+              <a:buSzPct val="80000"/>
+              <a:buFont typeface="System Font Regular"/>
+              <a:buChar char="🔎"/>
+            </a:pPr>
+            <a:r>
+              <a:rPr lang="en-US" dirty="0"/>
+              <a:t>Explore </a:t>
+            </a:r>
+            <a:r>
+              <a:rPr lang="en-US" dirty="0">
+                <a:hlinkClick r:id="rId5"/>
+              </a:rPr>
+              <a:t>Retrieval Augmented Generation </a:t>
+            </a:r>
+            <a:r>
+              <a:rPr lang="en-US" dirty="0"/>
+              <a:t>(RAG)</a:t>
+            </a:r>
+          </a:p>
         </p:txBody>
       </p:sp>
       <p:sp>
@@ -14877,6 +14898,67 @@
                                           <p:spTgt spid="2">
                                             <p:txEl>
                                               <p:pRg st="2" end="2"/>
+                                            </p:txEl>
+                                          </p:spTgt>
+                                        </p:tgtEl>
+                                      </p:cBhvr>
+                                    </p:animEffect>
+                                  </p:childTnLst>
+                                </p:cTn>
+                              </p:par>
+                            </p:childTnLst>
+                          </p:cTn>
+                        </p:par>
+                      </p:childTnLst>
+                    </p:cTn>
+                  </p:par>
+                  <p:par>
+                    <p:cTn id="18" fill="hold">
+                      <p:stCondLst>
+                        <p:cond delay="indefinite"/>
+                      </p:stCondLst>
+                      <p:childTnLst>
+                        <p:par>
+                          <p:cTn id="19" fill="hold">
+                            <p:stCondLst>
+                              <p:cond delay="0"/>
+                            </p:stCondLst>
+                            <p:childTnLst>
+                              <p:par>
+                                <p:cTn id="20" presetID="10" presetClass="entr" presetSubtype="0" fill="hold" grpId="0" nodeType="clickEffect">
+                                  <p:stCondLst>
+                                    <p:cond delay="0"/>
+                                  </p:stCondLst>
+                                  <p:childTnLst>
+                                    <p:set>
+                                      <p:cBhvr>
+                                        <p:cTn id="21" dur="1" fill="hold">
+                                          <p:stCondLst>
+                                            <p:cond delay="0"/>
+                                          </p:stCondLst>
+                                        </p:cTn>
+                                        <p:tgtEl>
+                                          <p:spTgt spid="2">
+                                            <p:txEl>
+                                              <p:pRg st="3" end="3"/>
+                                            </p:txEl>
+                                          </p:spTgt>
+                                        </p:tgtEl>
+                                        <p:attrNameLst>
+                                          <p:attrName>style.visibility</p:attrName>
+                                        </p:attrNameLst>
+                                      </p:cBhvr>
+                                      <p:to>
+                                        <p:strVal val="visible"/>
+                                      </p:to>
+                                    </p:set>
+                                    <p:animEffect transition="in" filter="fade">
+                                      <p:cBhvr>
+                                        <p:cTn id="22" dur="500"/>
+                                        <p:tgtEl>
+                                          <p:spTgt spid="2">
+                                            <p:txEl>
+                                              <p:pRg st="3" end="3"/>
                                             </p:txEl>
                                           </p:spTgt>
                                         </p:tgtEl>
